--- a/6044_FramPat/D2D/INFO_6044_Patterns (live document).pptx
+++ b/6044_FramPat/D2D/INFO_6044_Patterns (live document).pptx
@@ -5,12 +5,16 @@
     <p:sldMasterId id="2147483892" r:id="rId1"/>
   </p:sldMasterIdLst>
   <p:notesMasterIdLst>
-    <p:notesMasterId r:id="rId5"/>
+    <p:notesMasterId r:id="rId9"/>
   </p:notesMasterIdLst>
   <p:sldIdLst>
     <p:sldId id="256" r:id="rId2"/>
     <p:sldId id="296" r:id="rId3"/>
     <p:sldId id="323" r:id="rId4"/>
+    <p:sldId id="324" r:id="rId5"/>
+    <p:sldId id="325" r:id="rId6"/>
+    <p:sldId id="326" r:id="rId7"/>
+    <p:sldId id="327" r:id="rId8"/>
   </p:sldIdLst>
   <p:sldSz cx="9144000" cy="5143500" type="screen16x9"/>
   <p:notesSz cx="6858000" cy="9144000"/>
@@ -6960,6 +6964,12 @@
             </a:r>
           </a:p>
           <a:p>
+            <a:r>
+              <a:rPr lang="en-CA" dirty="0"/>
+              <a:t>Singleton</a:t>
+            </a:r>
+          </a:p>
+          <a:p>
             <a:pPr lvl="1"/>
             <a:endParaRPr lang="en-CA" dirty="0"/>
           </a:p>
@@ -7096,7 +7106,7 @@
                             </p:stCondLst>
                             <p:childTnLst>
                               <p:par>
-                                <p:cTn id="10" presetID="10" presetClass="entr" presetSubtype="0" fill="hold" grpId="0" nodeType="clickEffect">
+                                <p:cTn id="10" presetID="5" presetClass="entr" presetSubtype="10" fill="hold" grpId="0" nodeType="clickEffect">
                                   <p:stCondLst>
                                     <p:cond delay="0"/>
                                   </p:stCondLst>
@@ -7104,6 +7114,67 @@
                                     <p:set>
                                       <p:cBhvr>
                                         <p:cTn id="11" dur="1" fill="hold">
+                                          <p:stCondLst>
+                                            <p:cond delay="0"/>
+                                          </p:stCondLst>
+                                        </p:cTn>
+                                        <p:tgtEl>
+                                          <p:spTgt spid="3">
+                                            <p:txEl>
+                                              <p:pRg st="1" end="1"/>
+                                            </p:txEl>
+                                          </p:spTgt>
+                                        </p:tgtEl>
+                                        <p:attrNameLst>
+                                          <p:attrName>style.visibility</p:attrName>
+                                        </p:attrNameLst>
+                                      </p:cBhvr>
+                                      <p:to>
+                                        <p:strVal val="visible"/>
+                                      </p:to>
+                                    </p:set>
+                                    <p:animEffect transition="in" filter="checkerboard(across)">
+                                      <p:cBhvr>
+                                        <p:cTn id="12" dur="500"/>
+                                        <p:tgtEl>
+                                          <p:spTgt spid="3">
+                                            <p:txEl>
+                                              <p:pRg st="1" end="1"/>
+                                            </p:txEl>
+                                          </p:spTgt>
+                                        </p:tgtEl>
+                                      </p:cBhvr>
+                                    </p:animEffect>
+                                  </p:childTnLst>
+                                </p:cTn>
+                              </p:par>
+                            </p:childTnLst>
+                          </p:cTn>
+                        </p:par>
+                      </p:childTnLst>
+                    </p:cTn>
+                  </p:par>
+                  <p:par>
+                    <p:cTn id="13" fill="hold">
+                      <p:stCondLst>
+                        <p:cond delay="indefinite"/>
+                      </p:stCondLst>
+                      <p:childTnLst>
+                        <p:par>
+                          <p:cTn id="14" fill="hold">
+                            <p:stCondLst>
+                              <p:cond delay="0"/>
+                            </p:stCondLst>
+                            <p:childTnLst>
+                              <p:par>
+                                <p:cTn id="15" presetID="10" presetClass="entr" presetSubtype="0" fill="hold" grpId="0" nodeType="clickEffect">
+                                  <p:stCondLst>
+                                    <p:cond delay="0"/>
+                                  </p:stCondLst>
+                                  <p:childTnLst>
+                                    <p:set>
+                                      <p:cBhvr>
+                                        <p:cTn id="16" dur="1" fill="hold">
                                           <p:stCondLst>
                                             <p:cond delay="0"/>
                                           </p:stCondLst>
@@ -7121,7 +7192,7 @@
                                     </p:set>
                                     <p:animEffect transition="in" filter="fade">
                                       <p:cBhvr>
-                                        <p:cTn id="12" dur="500"/>
+                                        <p:cTn id="17" dur="500"/>
                                         <p:tgtEl>
                                           <p:spTgt spid="4"/>
                                         </p:tgtEl>
@@ -7347,6 +7418,1018 @@
     <p:extLst>
       <p:ext uri="{BB962C8B-B14F-4D97-AF65-F5344CB8AC3E}">
         <p14:creationId xmlns:p14="http://schemas.microsoft.com/office/powerpoint/2010/main" val="4189321164"/>
+      </p:ext>
+    </p:extLst>
+  </p:cSld>
+  <p:clrMapOvr>
+    <a:masterClrMapping/>
+  </p:clrMapOvr>
+  <p:timing>
+    <p:tnLst>
+      <p:par>
+        <p:cTn id="1" dur="indefinite" restart="never" nodeType="tmRoot">
+          <p:childTnLst>
+            <p:seq concurrent="1" nextAc="seek">
+              <p:cTn id="2" dur="indefinite" nodeType="mainSeq">
+                <p:childTnLst>
+                  <p:par>
+                    <p:cTn id="3" fill="hold">
+                      <p:stCondLst>
+                        <p:cond delay="indefinite"/>
+                      </p:stCondLst>
+                      <p:childTnLst>
+                        <p:par>
+                          <p:cTn id="4" fill="hold">
+                            <p:stCondLst>
+                              <p:cond delay="0"/>
+                            </p:stCondLst>
+                            <p:childTnLst>
+                              <p:par>
+                                <p:cTn id="5" presetID="10" presetClass="entr" presetSubtype="0" fill="hold" grpId="0" nodeType="clickEffect">
+                                  <p:stCondLst>
+                                    <p:cond delay="0"/>
+                                  </p:stCondLst>
+                                  <p:childTnLst>
+                                    <p:set>
+                                      <p:cBhvr>
+                                        <p:cTn id="6" dur="1" fill="hold">
+                                          <p:stCondLst>
+                                            <p:cond delay="0"/>
+                                          </p:stCondLst>
+                                        </p:cTn>
+                                        <p:tgtEl>
+                                          <p:spTgt spid="4"/>
+                                        </p:tgtEl>
+                                        <p:attrNameLst>
+                                          <p:attrName>style.visibility</p:attrName>
+                                        </p:attrNameLst>
+                                      </p:cBhvr>
+                                      <p:to>
+                                        <p:strVal val="visible"/>
+                                      </p:to>
+                                    </p:set>
+                                    <p:animEffect transition="in" filter="fade">
+                                      <p:cBhvr>
+                                        <p:cTn id="7" dur="500"/>
+                                        <p:tgtEl>
+                                          <p:spTgt spid="4"/>
+                                        </p:tgtEl>
+                                      </p:cBhvr>
+                                    </p:animEffect>
+                                  </p:childTnLst>
+                                </p:cTn>
+                              </p:par>
+                            </p:childTnLst>
+                          </p:cTn>
+                        </p:par>
+                      </p:childTnLst>
+                    </p:cTn>
+                  </p:par>
+                </p:childTnLst>
+              </p:cTn>
+              <p:prevCondLst>
+                <p:cond evt="onPrev" delay="0">
+                  <p:tgtEl>
+                    <p:sldTgt/>
+                  </p:tgtEl>
+                </p:cond>
+              </p:prevCondLst>
+              <p:nextCondLst>
+                <p:cond evt="onNext" delay="0">
+                  <p:tgtEl>
+                    <p:sldTgt/>
+                  </p:tgtEl>
+                </p:cond>
+              </p:nextCondLst>
+            </p:seq>
+          </p:childTnLst>
+        </p:cTn>
+      </p:par>
+    </p:tnLst>
+    <p:bldLst>
+      <p:bldP spid="4" grpId="0" animBg="1"/>
+    </p:bldLst>
+  </p:timing>
+</p:sld>
+</file>
+
+<file path=ppt/slides/slide4.xml><?xml version="1.0" encoding="utf-8"?>
+<p:sld xmlns:a="http://schemas.openxmlformats.org/drawingml/2006/main" xmlns:r="http://schemas.openxmlformats.org/officeDocument/2006/relationships" xmlns:p="http://schemas.openxmlformats.org/presentationml/2006/main">
+  <p:cSld>
+    <p:spTree>
+      <p:nvGrpSpPr>
+        <p:cNvPr id="1" name=""/>
+        <p:cNvGrpSpPr/>
+        <p:nvPr/>
+      </p:nvGrpSpPr>
+      <p:grpSpPr>
+        <a:xfrm>
+          <a:off x="0" y="0"/>
+          <a:ext cx="0" cy="0"/>
+          <a:chOff x="0" y="0"/>
+          <a:chExt cx="0" cy="0"/>
+        </a:xfrm>
+      </p:grpSpPr>
+      <p:sp>
+        <p:nvSpPr>
+          <p:cNvPr id="2" name="Title 1"/>
+          <p:cNvSpPr>
+            <a:spLocks noGrp="1"/>
+          </p:cNvSpPr>
+          <p:nvPr>
+            <p:ph type="title"/>
+          </p:nvPr>
+        </p:nvSpPr>
+        <p:spPr>
+          <a:xfrm>
+            <a:off x="914400" y="384048"/>
+            <a:ext cx="7772400" cy="968502"/>
+          </a:xfrm>
+        </p:spPr>
+        <p:txBody>
+          <a:bodyPr/>
+          <a:lstStyle/>
+          <a:p>
+            <a:r>
+              <a:rPr lang="en-CA" dirty="0"/>
+              <a:t>Singleton</a:t>
+            </a:r>
+          </a:p>
+        </p:txBody>
+      </p:sp>
+      <p:sp>
+        <p:nvSpPr>
+          <p:cNvPr id="3" name="Content Placeholder 2"/>
+          <p:cNvSpPr>
+            <a:spLocks noGrp="1"/>
+          </p:cNvSpPr>
+          <p:nvPr>
+            <p:ph idx="1"/>
+          </p:nvPr>
+        </p:nvSpPr>
+        <p:spPr>
+          <a:xfrm>
+            <a:off x="304800" y="1428750"/>
+            <a:ext cx="8839200" cy="3337920"/>
+          </a:xfrm>
+        </p:spPr>
+        <p:txBody>
+          <a:bodyPr>
+            <a:normAutofit/>
+          </a:bodyPr>
+          <a:lstStyle/>
+          <a:p>
+            <a:r>
+              <a:rPr lang="en-CA" dirty="0"/>
+              <a:t>This is where you only want one instance</a:t>
+            </a:r>
+          </a:p>
+          <a:p>
+            <a:r>
+              <a:rPr lang="en-CA" dirty="0"/>
+              <a:t>Main way:</a:t>
+            </a:r>
+          </a:p>
+          <a:p>
+            <a:pPr lvl="1"/>
+            <a:r>
+              <a:rPr lang="en-CA" dirty="0"/>
+              <a:t>Add a constructor, make it private</a:t>
+            </a:r>
+          </a:p>
+          <a:p>
+            <a:pPr lvl="1"/>
+            <a:r>
+              <a:rPr lang="en-CA" dirty="0"/>
+              <a:t>Add a static variable of the type</a:t>
+            </a:r>
+          </a:p>
+          <a:p>
+            <a:pPr lvl="2"/>
+            <a:r>
+              <a:rPr lang="en-CA" sz="1800" dirty="0">
+                <a:solidFill>
+                  <a:srgbClr val="0000FF"/>
+                </a:solidFill>
+                <a:highlight>
+                  <a:srgbClr val="FFFFFF"/>
+                </a:highlight>
+                <a:latin typeface="Cascadia Mono" panose="020B0609020000020004" pitchFamily="49" charset="0"/>
+              </a:rPr>
+              <a:t>static</a:t>
+            </a:r>
+            <a:r>
+              <a:rPr lang="en-CA" sz="1800" dirty="0">
+                <a:solidFill>
+                  <a:srgbClr val="000000"/>
+                </a:solidFill>
+                <a:highlight>
+                  <a:srgbClr val="FFFFFF"/>
+                </a:highlight>
+                <a:latin typeface="Cascadia Mono" panose="020B0609020000020004" pitchFamily="49" charset="0"/>
+              </a:rPr>
+              <a:t> </a:t>
+            </a:r>
+            <a:r>
+              <a:rPr lang="en-CA" sz="1800" dirty="0" err="1">
+                <a:solidFill>
+                  <a:srgbClr val="2B91AF"/>
+                </a:solidFill>
+                <a:highlight>
+                  <a:srgbClr val="FFFFFF"/>
+                </a:highlight>
+                <a:latin typeface="Cascadia Mono" panose="020B0609020000020004" pitchFamily="49" charset="0"/>
+              </a:rPr>
+              <a:t>cTankFactory</a:t>
+            </a:r>
+            <a:r>
+              <a:rPr lang="en-CA" sz="1800" dirty="0">
+                <a:solidFill>
+                  <a:srgbClr val="000000"/>
+                </a:solidFill>
+                <a:highlight>
+                  <a:srgbClr val="FFFFFF"/>
+                </a:highlight>
+                <a:latin typeface="Cascadia Mono" panose="020B0609020000020004" pitchFamily="49" charset="0"/>
+              </a:rPr>
+              <a:t>* </a:t>
+            </a:r>
+            <a:r>
+              <a:rPr lang="en-CA" sz="1800" dirty="0" err="1">
+                <a:solidFill>
+                  <a:srgbClr val="000000"/>
+                </a:solidFill>
+                <a:highlight>
+                  <a:srgbClr val="FFFFFF"/>
+                </a:highlight>
+                <a:latin typeface="Cascadia Mono" panose="020B0609020000020004" pitchFamily="49" charset="0"/>
+              </a:rPr>
+              <a:t>m_pTheInstance</a:t>
+            </a:r>
+            <a:r>
+              <a:rPr lang="en-CA" sz="1800" dirty="0">
+                <a:solidFill>
+                  <a:srgbClr val="000000"/>
+                </a:solidFill>
+                <a:highlight>
+                  <a:srgbClr val="FFFFFF"/>
+                </a:highlight>
+                <a:latin typeface="Cascadia Mono" panose="020B0609020000020004" pitchFamily="49" charset="0"/>
+              </a:rPr>
+              <a:t>;</a:t>
+            </a:r>
+          </a:p>
+          <a:p>
+            <a:pPr lvl="1"/>
+            <a:r>
+              <a:rPr lang="en-CA" dirty="0"/>
+              <a:t>“static” in C++ land means the object exists all the time, and there’s only one of them</a:t>
+            </a:r>
+          </a:p>
+        </p:txBody>
+      </p:sp>
+      <p:sp>
+        <p:nvSpPr>
+          <p:cNvPr id="4" name="AutoShape 6"/>
+          <p:cNvSpPr>
+            <a:spLocks noChangeArrowheads="1"/>
+          </p:cNvSpPr>
+          <p:nvPr/>
+        </p:nvSpPr>
+        <p:spPr bwMode="auto">
+          <a:xfrm>
+            <a:off x="8534400" y="4800600"/>
+            <a:ext cx="609600" cy="342900"/>
+          </a:xfrm>
+          <a:prstGeom prst="rightArrow">
+            <a:avLst>
+              <a:gd name="adj1" fmla="val 50000"/>
+              <a:gd name="adj2" fmla="val 33333"/>
+            </a:avLst>
+          </a:prstGeom>
+          <a:noFill/>
+          <a:ln w="19050">
+            <a:solidFill>
+              <a:srgbClr val="969696"/>
+            </a:solidFill>
+            <a:miter lim="800000"/>
+            <a:headEnd/>
+            <a:tailEnd/>
+          </a:ln>
+        </p:spPr>
+        <p:txBody>
+          <a:bodyPr wrap="none" anchor="ctr"/>
+          <a:lstStyle/>
+          <a:p>
+            <a:endParaRPr lang="en-CA"/>
+          </a:p>
+        </p:txBody>
+      </p:sp>
+    </p:spTree>
+    <p:extLst>
+      <p:ext uri="{BB962C8B-B14F-4D97-AF65-F5344CB8AC3E}">
+        <p14:creationId xmlns:p14="http://schemas.microsoft.com/office/powerpoint/2010/main" val="19672034"/>
+      </p:ext>
+    </p:extLst>
+  </p:cSld>
+  <p:clrMapOvr>
+    <a:masterClrMapping/>
+  </p:clrMapOvr>
+  <p:timing>
+    <p:tnLst>
+      <p:par>
+        <p:cTn id="1" dur="indefinite" restart="never" nodeType="tmRoot">
+          <p:childTnLst>
+            <p:seq concurrent="1" nextAc="seek">
+              <p:cTn id="2" dur="indefinite" nodeType="mainSeq">
+                <p:childTnLst>
+                  <p:par>
+                    <p:cTn id="3" fill="hold">
+                      <p:stCondLst>
+                        <p:cond delay="indefinite"/>
+                      </p:stCondLst>
+                      <p:childTnLst>
+                        <p:par>
+                          <p:cTn id="4" fill="hold">
+                            <p:stCondLst>
+                              <p:cond delay="0"/>
+                            </p:stCondLst>
+                            <p:childTnLst>
+                              <p:par>
+                                <p:cTn id="5" presetID="10" presetClass="entr" presetSubtype="0" fill="hold" grpId="0" nodeType="clickEffect">
+                                  <p:stCondLst>
+                                    <p:cond delay="0"/>
+                                  </p:stCondLst>
+                                  <p:childTnLst>
+                                    <p:set>
+                                      <p:cBhvr>
+                                        <p:cTn id="6" dur="1" fill="hold">
+                                          <p:stCondLst>
+                                            <p:cond delay="0"/>
+                                          </p:stCondLst>
+                                        </p:cTn>
+                                        <p:tgtEl>
+                                          <p:spTgt spid="4"/>
+                                        </p:tgtEl>
+                                        <p:attrNameLst>
+                                          <p:attrName>style.visibility</p:attrName>
+                                        </p:attrNameLst>
+                                      </p:cBhvr>
+                                      <p:to>
+                                        <p:strVal val="visible"/>
+                                      </p:to>
+                                    </p:set>
+                                    <p:animEffect transition="in" filter="fade">
+                                      <p:cBhvr>
+                                        <p:cTn id="7" dur="500"/>
+                                        <p:tgtEl>
+                                          <p:spTgt spid="4"/>
+                                        </p:tgtEl>
+                                      </p:cBhvr>
+                                    </p:animEffect>
+                                  </p:childTnLst>
+                                </p:cTn>
+                              </p:par>
+                            </p:childTnLst>
+                          </p:cTn>
+                        </p:par>
+                      </p:childTnLst>
+                    </p:cTn>
+                  </p:par>
+                </p:childTnLst>
+              </p:cTn>
+              <p:prevCondLst>
+                <p:cond evt="onPrev" delay="0">
+                  <p:tgtEl>
+                    <p:sldTgt/>
+                  </p:tgtEl>
+                </p:cond>
+              </p:prevCondLst>
+              <p:nextCondLst>
+                <p:cond evt="onNext" delay="0">
+                  <p:tgtEl>
+                    <p:sldTgt/>
+                  </p:tgtEl>
+                </p:cond>
+              </p:nextCondLst>
+            </p:seq>
+          </p:childTnLst>
+        </p:cTn>
+      </p:par>
+    </p:tnLst>
+    <p:bldLst>
+      <p:bldP spid="4" grpId="0" animBg="1"/>
+    </p:bldLst>
+  </p:timing>
+</p:sld>
+</file>
+
+<file path=ppt/slides/slide5.xml><?xml version="1.0" encoding="utf-8"?>
+<p:sld xmlns:a="http://schemas.openxmlformats.org/drawingml/2006/main" xmlns:r="http://schemas.openxmlformats.org/officeDocument/2006/relationships" xmlns:p="http://schemas.openxmlformats.org/presentationml/2006/main">
+  <p:cSld>
+    <p:spTree>
+      <p:nvGrpSpPr>
+        <p:cNvPr id="1" name=""/>
+        <p:cNvGrpSpPr/>
+        <p:nvPr/>
+      </p:nvGrpSpPr>
+      <p:grpSpPr>
+        <a:xfrm>
+          <a:off x="0" y="0"/>
+          <a:ext cx="0" cy="0"/>
+          <a:chOff x="0" y="0"/>
+          <a:chExt cx="0" cy="0"/>
+        </a:xfrm>
+      </p:grpSpPr>
+      <p:sp>
+        <p:nvSpPr>
+          <p:cNvPr id="2" name="Title 1"/>
+          <p:cNvSpPr>
+            <a:spLocks noGrp="1"/>
+          </p:cNvSpPr>
+          <p:nvPr>
+            <p:ph type="title"/>
+          </p:nvPr>
+        </p:nvSpPr>
+        <p:spPr>
+          <a:xfrm>
+            <a:off x="914400" y="384048"/>
+            <a:ext cx="7772400" cy="968502"/>
+          </a:xfrm>
+        </p:spPr>
+        <p:txBody>
+          <a:bodyPr/>
+          <a:lstStyle/>
+          <a:p>
+            <a:r>
+              <a:rPr lang="en-CA" dirty="0"/>
+              <a:t>Singleton</a:t>
+            </a:r>
+          </a:p>
+        </p:txBody>
+      </p:sp>
+      <p:sp>
+        <p:nvSpPr>
+          <p:cNvPr id="3" name="Content Placeholder 2"/>
+          <p:cNvSpPr>
+            <a:spLocks noGrp="1"/>
+          </p:cNvSpPr>
+          <p:nvPr>
+            <p:ph idx="1"/>
+          </p:nvPr>
+        </p:nvSpPr>
+        <p:spPr>
+          <a:xfrm>
+            <a:off x="304800" y="1428750"/>
+            <a:ext cx="8839200" cy="3337920"/>
+          </a:xfrm>
+        </p:spPr>
+        <p:txBody>
+          <a:bodyPr>
+            <a:normAutofit/>
+          </a:bodyPr>
+          <a:lstStyle/>
+          <a:p>
+            <a:r>
+              <a:rPr lang="en-CA" dirty="0"/>
+              <a:t>“static” in C++ land means the object exists all the time, and there’s only one of them</a:t>
+            </a:r>
+          </a:p>
+          <a:p>
+            <a:r>
+              <a:rPr lang="en-CA" dirty="0"/>
+              <a:t>Static variables in classes exists “before” the class is created. Or even if the class </a:t>
+            </a:r>
+            <a:r>
+              <a:rPr lang="en-CA" i="1" dirty="0"/>
+              <a:t>isn’t </a:t>
+            </a:r>
+            <a:r>
+              <a:rPr lang="en-CA" dirty="0"/>
+              <a:t>created. </a:t>
+            </a:r>
+            <a:br>
+              <a:rPr lang="en-CA" dirty="0"/>
+            </a:br>
+            <a:r>
+              <a:rPr lang="en-CA" dirty="0"/>
+              <a:t>They just exist all the time.</a:t>
+            </a:r>
+          </a:p>
+        </p:txBody>
+      </p:sp>
+      <p:sp>
+        <p:nvSpPr>
+          <p:cNvPr id="4" name="AutoShape 6"/>
+          <p:cNvSpPr>
+            <a:spLocks noChangeArrowheads="1"/>
+          </p:cNvSpPr>
+          <p:nvPr/>
+        </p:nvSpPr>
+        <p:spPr bwMode="auto">
+          <a:xfrm>
+            <a:off x="8534400" y="4800600"/>
+            <a:ext cx="609600" cy="342900"/>
+          </a:xfrm>
+          <a:prstGeom prst="rightArrow">
+            <a:avLst>
+              <a:gd name="adj1" fmla="val 50000"/>
+              <a:gd name="adj2" fmla="val 33333"/>
+            </a:avLst>
+          </a:prstGeom>
+          <a:noFill/>
+          <a:ln w="19050">
+            <a:solidFill>
+              <a:srgbClr val="969696"/>
+            </a:solidFill>
+            <a:miter lim="800000"/>
+            <a:headEnd/>
+            <a:tailEnd/>
+          </a:ln>
+        </p:spPr>
+        <p:txBody>
+          <a:bodyPr wrap="none" anchor="ctr"/>
+          <a:lstStyle/>
+          <a:p>
+            <a:endParaRPr lang="en-CA"/>
+          </a:p>
+        </p:txBody>
+      </p:sp>
+    </p:spTree>
+    <p:extLst>
+      <p:ext uri="{BB962C8B-B14F-4D97-AF65-F5344CB8AC3E}">
+        <p14:creationId xmlns:p14="http://schemas.microsoft.com/office/powerpoint/2010/main" val="3852014080"/>
+      </p:ext>
+    </p:extLst>
+  </p:cSld>
+  <p:clrMapOvr>
+    <a:masterClrMapping/>
+  </p:clrMapOvr>
+  <p:timing>
+    <p:tnLst>
+      <p:par>
+        <p:cTn id="1" dur="indefinite" restart="never" nodeType="tmRoot">
+          <p:childTnLst>
+            <p:seq concurrent="1" nextAc="seek">
+              <p:cTn id="2" dur="indefinite" nodeType="mainSeq">
+                <p:childTnLst>
+                  <p:par>
+                    <p:cTn id="3" fill="hold">
+                      <p:stCondLst>
+                        <p:cond delay="indefinite"/>
+                      </p:stCondLst>
+                      <p:childTnLst>
+                        <p:par>
+                          <p:cTn id="4" fill="hold">
+                            <p:stCondLst>
+                              <p:cond delay="0"/>
+                            </p:stCondLst>
+                            <p:childTnLst>
+                              <p:par>
+                                <p:cTn id="5" presetID="10" presetClass="entr" presetSubtype="0" fill="hold" grpId="0" nodeType="clickEffect">
+                                  <p:stCondLst>
+                                    <p:cond delay="0"/>
+                                  </p:stCondLst>
+                                  <p:childTnLst>
+                                    <p:set>
+                                      <p:cBhvr>
+                                        <p:cTn id="6" dur="1" fill="hold">
+                                          <p:stCondLst>
+                                            <p:cond delay="0"/>
+                                          </p:stCondLst>
+                                        </p:cTn>
+                                        <p:tgtEl>
+                                          <p:spTgt spid="4"/>
+                                        </p:tgtEl>
+                                        <p:attrNameLst>
+                                          <p:attrName>style.visibility</p:attrName>
+                                        </p:attrNameLst>
+                                      </p:cBhvr>
+                                      <p:to>
+                                        <p:strVal val="visible"/>
+                                      </p:to>
+                                    </p:set>
+                                    <p:animEffect transition="in" filter="fade">
+                                      <p:cBhvr>
+                                        <p:cTn id="7" dur="500"/>
+                                        <p:tgtEl>
+                                          <p:spTgt spid="4"/>
+                                        </p:tgtEl>
+                                      </p:cBhvr>
+                                    </p:animEffect>
+                                  </p:childTnLst>
+                                </p:cTn>
+                              </p:par>
+                            </p:childTnLst>
+                          </p:cTn>
+                        </p:par>
+                      </p:childTnLst>
+                    </p:cTn>
+                  </p:par>
+                </p:childTnLst>
+              </p:cTn>
+              <p:prevCondLst>
+                <p:cond evt="onPrev" delay="0">
+                  <p:tgtEl>
+                    <p:sldTgt/>
+                  </p:tgtEl>
+                </p:cond>
+              </p:prevCondLst>
+              <p:nextCondLst>
+                <p:cond evt="onNext" delay="0">
+                  <p:tgtEl>
+                    <p:sldTgt/>
+                  </p:tgtEl>
+                </p:cond>
+              </p:nextCondLst>
+            </p:seq>
+          </p:childTnLst>
+        </p:cTn>
+      </p:par>
+    </p:tnLst>
+    <p:bldLst>
+      <p:bldP spid="4" grpId="0" animBg="1"/>
+    </p:bldLst>
+  </p:timing>
+</p:sld>
+</file>
+
+<file path=ppt/slides/slide6.xml><?xml version="1.0" encoding="utf-8"?>
+<p:sld xmlns:a="http://schemas.openxmlformats.org/drawingml/2006/main" xmlns:r="http://schemas.openxmlformats.org/officeDocument/2006/relationships" xmlns:p="http://schemas.openxmlformats.org/presentationml/2006/main">
+  <p:cSld>
+    <p:spTree>
+      <p:nvGrpSpPr>
+        <p:cNvPr id="1" name=""/>
+        <p:cNvGrpSpPr/>
+        <p:nvPr/>
+      </p:nvGrpSpPr>
+      <p:grpSpPr>
+        <a:xfrm>
+          <a:off x="0" y="0"/>
+          <a:ext cx="0" cy="0"/>
+          <a:chOff x="0" y="0"/>
+          <a:chExt cx="0" cy="0"/>
+        </a:xfrm>
+      </p:grpSpPr>
+      <p:sp>
+        <p:nvSpPr>
+          <p:cNvPr id="2" name="Title 1"/>
+          <p:cNvSpPr>
+            <a:spLocks noGrp="1"/>
+          </p:cNvSpPr>
+          <p:nvPr>
+            <p:ph type="title"/>
+          </p:nvPr>
+        </p:nvSpPr>
+        <p:spPr>
+          <a:xfrm>
+            <a:off x="914400" y="384048"/>
+            <a:ext cx="7772400" cy="968502"/>
+          </a:xfrm>
+        </p:spPr>
+        <p:txBody>
+          <a:bodyPr/>
+          <a:lstStyle/>
+          <a:p>
+            <a:r>
+              <a:rPr lang="en-CA" dirty="0"/>
+              <a:t>Static and non-static</a:t>
+            </a:r>
+          </a:p>
+        </p:txBody>
+      </p:sp>
+      <p:sp>
+        <p:nvSpPr>
+          <p:cNvPr id="3" name="Content Placeholder 2"/>
+          <p:cNvSpPr>
+            <a:spLocks noGrp="1"/>
+          </p:cNvSpPr>
+          <p:nvPr>
+            <p:ph idx="1"/>
+          </p:nvPr>
+        </p:nvSpPr>
+        <p:spPr>
+          <a:xfrm>
+            <a:off x="304800" y="1428750"/>
+            <a:ext cx="8839200" cy="3337920"/>
+          </a:xfrm>
+        </p:spPr>
+        <p:txBody>
+          <a:bodyPr>
+            <a:normAutofit fontScale="92500" lnSpcReduction="20000"/>
+          </a:bodyPr>
+          <a:lstStyle/>
+          <a:p>
+            <a:r>
+              <a:rPr lang="en-CA" dirty="0"/>
+              <a:t>Non-static (regular old variables) in classes are instantiated when the class is created.</a:t>
+            </a:r>
+          </a:p>
+          <a:p>
+            <a:r>
+              <a:rPr lang="en-CA" dirty="0"/>
+              <a:t>i.e. they don’t exist UNTIL an instance is.</a:t>
+            </a:r>
+          </a:p>
+          <a:p>
+            <a:r>
+              <a:rPr lang="en-CA" dirty="0"/>
+              <a:t>However, </a:t>
+            </a:r>
+            <a:r>
+              <a:rPr lang="en-CA" i="1" dirty="0"/>
+              <a:t>methods exist all the time</a:t>
+            </a:r>
+            <a:r>
+              <a:rPr lang="en-CA" dirty="0"/>
+              <a:t>, even if you don’t create the class. </a:t>
+            </a:r>
+          </a:p>
+          <a:p>
+            <a:r>
+              <a:rPr lang="en-CA" dirty="0"/>
+              <a:t>If you don’t access any non-static member variables, you can even call them! </a:t>
+            </a:r>
+          </a:p>
+          <a:p>
+            <a:r>
+              <a:rPr lang="en-CA" dirty="0"/>
+              <a:t>Static variables (and methods) are available always.</a:t>
+            </a:r>
+          </a:p>
+        </p:txBody>
+      </p:sp>
+      <p:sp>
+        <p:nvSpPr>
+          <p:cNvPr id="4" name="AutoShape 6"/>
+          <p:cNvSpPr>
+            <a:spLocks noChangeArrowheads="1"/>
+          </p:cNvSpPr>
+          <p:nvPr/>
+        </p:nvSpPr>
+        <p:spPr bwMode="auto">
+          <a:xfrm>
+            <a:off x="8534400" y="4800600"/>
+            <a:ext cx="609600" cy="342900"/>
+          </a:xfrm>
+          <a:prstGeom prst="rightArrow">
+            <a:avLst>
+              <a:gd name="adj1" fmla="val 50000"/>
+              <a:gd name="adj2" fmla="val 33333"/>
+            </a:avLst>
+          </a:prstGeom>
+          <a:noFill/>
+          <a:ln w="19050">
+            <a:solidFill>
+              <a:srgbClr val="969696"/>
+            </a:solidFill>
+            <a:miter lim="800000"/>
+            <a:headEnd/>
+            <a:tailEnd/>
+          </a:ln>
+        </p:spPr>
+        <p:txBody>
+          <a:bodyPr wrap="none" anchor="ctr"/>
+          <a:lstStyle/>
+          <a:p>
+            <a:endParaRPr lang="en-CA"/>
+          </a:p>
+        </p:txBody>
+      </p:sp>
+    </p:spTree>
+    <p:extLst>
+      <p:ext uri="{BB962C8B-B14F-4D97-AF65-F5344CB8AC3E}">
+        <p14:creationId xmlns:p14="http://schemas.microsoft.com/office/powerpoint/2010/main" val="1558503427"/>
+      </p:ext>
+    </p:extLst>
+  </p:cSld>
+  <p:clrMapOvr>
+    <a:masterClrMapping/>
+  </p:clrMapOvr>
+  <p:timing>
+    <p:tnLst>
+      <p:par>
+        <p:cTn id="1" dur="indefinite" restart="never" nodeType="tmRoot">
+          <p:childTnLst>
+            <p:seq concurrent="1" nextAc="seek">
+              <p:cTn id="2" dur="indefinite" nodeType="mainSeq">
+                <p:childTnLst>
+                  <p:par>
+                    <p:cTn id="3" fill="hold">
+                      <p:stCondLst>
+                        <p:cond delay="indefinite"/>
+                      </p:stCondLst>
+                      <p:childTnLst>
+                        <p:par>
+                          <p:cTn id="4" fill="hold">
+                            <p:stCondLst>
+                              <p:cond delay="0"/>
+                            </p:stCondLst>
+                            <p:childTnLst>
+                              <p:par>
+                                <p:cTn id="5" presetID="10" presetClass="entr" presetSubtype="0" fill="hold" grpId="0" nodeType="clickEffect">
+                                  <p:stCondLst>
+                                    <p:cond delay="0"/>
+                                  </p:stCondLst>
+                                  <p:childTnLst>
+                                    <p:set>
+                                      <p:cBhvr>
+                                        <p:cTn id="6" dur="1" fill="hold">
+                                          <p:stCondLst>
+                                            <p:cond delay="0"/>
+                                          </p:stCondLst>
+                                        </p:cTn>
+                                        <p:tgtEl>
+                                          <p:spTgt spid="4"/>
+                                        </p:tgtEl>
+                                        <p:attrNameLst>
+                                          <p:attrName>style.visibility</p:attrName>
+                                        </p:attrNameLst>
+                                      </p:cBhvr>
+                                      <p:to>
+                                        <p:strVal val="visible"/>
+                                      </p:to>
+                                    </p:set>
+                                    <p:animEffect transition="in" filter="fade">
+                                      <p:cBhvr>
+                                        <p:cTn id="7" dur="500"/>
+                                        <p:tgtEl>
+                                          <p:spTgt spid="4"/>
+                                        </p:tgtEl>
+                                      </p:cBhvr>
+                                    </p:animEffect>
+                                  </p:childTnLst>
+                                </p:cTn>
+                              </p:par>
+                            </p:childTnLst>
+                          </p:cTn>
+                        </p:par>
+                      </p:childTnLst>
+                    </p:cTn>
+                  </p:par>
+                </p:childTnLst>
+              </p:cTn>
+              <p:prevCondLst>
+                <p:cond evt="onPrev" delay="0">
+                  <p:tgtEl>
+                    <p:sldTgt/>
+                  </p:tgtEl>
+                </p:cond>
+              </p:prevCondLst>
+              <p:nextCondLst>
+                <p:cond evt="onNext" delay="0">
+                  <p:tgtEl>
+                    <p:sldTgt/>
+                  </p:tgtEl>
+                </p:cond>
+              </p:nextCondLst>
+            </p:seq>
+          </p:childTnLst>
+        </p:cTn>
+      </p:par>
+    </p:tnLst>
+    <p:bldLst>
+      <p:bldP spid="4" grpId="0" animBg="1"/>
+    </p:bldLst>
+  </p:timing>
+</p:sld>
+</file>
+
+<file path=ppt/slides/slide7.xml><?xml version="1.0" encoding="utf-8"?>
+<p:sld xmlns:a="http://schemas.openxmlformats.org/drawingml/2006/main" xmlns:r="http://schemas.openxmlformats.org/officeDocument/2006/relationships" xmlns:p="http://schemas.openxmlformats.org/presentationml/2006/main">
+  <p:cSld>
+    <p:spTree>
+      <p:nvGrpSpPr>
+        <p:cNvPr id="1" name=""/>
+        <p:cNvGrpSpPr/>
+        <p:nvPr/>
+      </p:nvGrpSpPr>
+      <p:grpSpPr>
+        <a:xfrm>
+          <a:off x="0" y="0"/>
+          <a:ext cx="0" cy="0"/>
+          <a:chOff x="0" y="0"/>
+          <a:chExt cx="0" cy="0"/>
+        </a:xfrm>
+      </p:grpSpPr>
+      <p:sp>
+        <p:nvSpPr>
+          <p:cNvPr id="2" name="Title 1"/>
+          <p:cNvSpPr>
+            <a:spLocks noGrp="1"/>
+          </p:cNvSpPr>
+          <p:nvPr>
+            <p:ph type="title"/>
+          </p:nvPr>
+        </p:nvSpPr>
+        <p:spPr>
+          <a:xfrm>
+            <a:off x="914400" y="384048"/>
+            <a:ext cx="7772400" cy="968502"/>
+          </a:xfrm>
+        </p:spPr>
+        <p:txBody>
+          <a:bodyPr/>
+          <a:lstStyle/>
+          <a:p>
+            <a:r>
+              <a:rPr lang="en-CA" dirty="0"/>
+              <a:t>Singleton</a:t>
+            </a:r>
+          </a:p>
+        </p:txBody>
+      </p:sp>
+      <p:sp>
+        <p:nvSpPr>
+          <p:cNvPr id="3" name="Content Placeholder 2"/>
+          <p:cNvSpPr>
+            <a:spLocks noGrp="1"/>
+          </p:cNvSpPr>
+          <p:nvPr>
+            <p:ph idx="1"/>
+          </p:nvPr>
+        </p:nvSpPr>
+        <p:spPr>
+          <a:xfrm>
+            <a:off x="304800" y="1428750"/>
+            <a:ext cx="8839200" cy="3337920"/>
+          </a:xfrm>
+        </p:spPr>
+        <p:txBody>
+          <a:bodyPr>
+            <a:normAutofit/>
+          </a:bodyPr>
+          <a:lstStyle/>
+          <a:p>
+            <a:r>
+              <a:rPr lang="en-CA" dirty="0"/>
+              <a:t>“static” in C++ land means the object exists all the time, and there’s only one of them</a:t>
+            </a:r>
+          </a:p>
+          <a:p>
+            <a:r>
+              <a:rPr lang="en-CA" dirty="0"/>
+              <a:t>Static variables in classes exists “before” the class is created. Or even if the class </a:t>
+            </a:r>
+            <a:r>
+              <a:rPr lang="en-CA" i="1" dirty="0"/>
+              <a:t>isn’t </a:t>
+            </a:r>
+            <a:r>
+              <a:rPr lang="en-CA" dirty="0"/>
+              <a:t>created. </a:t>
+            </a:r>
+            <a:br>
+              <a:rPr lang="en-CA" dirty="0"/>
+            </a:br>
+            <a:r>
+              <a:rPr lang="en-CA" dirty="0"/>
+              <a:t>They just exist all the time.</a:t>
+            </a:r>
+          </a:p>
+        </p:txBody>
+      </p:sp>
+      <p:sp>
+        <p:nvSpPr>
+          <p:cNvPr id="4" name="AutoShape 6"/>
+          <p:cNvSpPr>
+            <a:spLocks noChangeArrowheads="1"/>
+          </p:cNvSpPr>
+          <p:nvPr/>
+        </p:nvSpPr>
+        <p:spPr bwMode="auto">
+          <a:xfrm>
+            <a:off x="8534400" y="4800600"/>
+            <a:ext cx="609600" cy="342900"/>
+          </a:xfrm>
+          <a:prstGeom prst="rightArrow">
+            <a:avLst>
+              <a:gd name="adj1" fmla="val 50000"/>
+              <a:gd name="adj2" fmla="val 33333"/>
+            </a:avLst>
+          </a:prstGeom>
+          <a:noFill/>
+          <a:ln w="19050">
+            <a:solidFill>
+              <a:srgbClr val="969696"/>
+            </a:solidFill>
+            <a:miter lim="800000"/>
+            <a:headEnd/>
+            <a:tailEnd/>
+          </a:ln>
+        </p:spPr>
+        <p:txBody>
+          <a:bodyPr wrap="none" anchor="ctr"/>
+          <a:lstStyle/>
+          <a:p>
+            <a:endParaRPr lang="en-CA"/>
+          </a:p>
+        </p:txBody>
+      </p:sp>
+    </p:spTree>
+    <p:extLst>
+      <p:ext uri="{BB962C8B-B14F-4D97-AF65-F5344CB8AC3E}">
+        <p14:creationId xmlns:p14="http://schemas.microsoft.com/office/powerpoint/2010/main" val="717353951"/>
       </p:ext>
     </p:extLst>
   </p:cSld>

--- a/6044_FramPat/D2D/INFO_6044_Patterns (live document).pptx
+++ b/6044_FramPat/D2D/INFO_6044_Patterns (live document).pptx
@@ -5,7 +5,7 @@
     <p:sldMasterId id="2147483892" r:id="rId1"/>
   </p:sldMasterIdLst>
   <p:notesMasterIdLst>
-    <p:notesMasterId r:id="rId9"/>
+    <p:notesMasterId r:id="rId13"/>
   </p:notesMasterIdLst>
   <p:sldIdLst>
     <p:sldId id="256" r:id="rId2"/>
@@ -15,6 +15,10 @@
     <p:sldId id="325" r:id="rId6"/>
     <p:sldId id="326" r:id="rId7"/>
     <p:sldId id="327" r:id="rId8"/>
+    <p:sldId id="328" r:id="rId9"/>
+    <p:sldId id="330" r:id="rId10"/>
+    <p:sldId id="331" r:id="rId11"/>
+    <p:sldId id="329" r:id="rId12"/>
   </p:sldIdLst>
   <p:sldSz cx="9144000" cy="5143500" type="screen16x9"/>
   <p:notesSz cx="6858000" cy="9144000"/>
@@ -6902,6 +6906,476 @@
 </p:sld>
 </file>
 
+<file path=ppt/slides/slide10.xml><?xml version="1.0" encoding="utf-8"?>
+<p:sld xmlns:a="http://schemas.openxmlformats.org/drawingml/2006/main" xmlns:r="http://schemas.openxmlformats.org/officeDocument/2006/relationships" xmlns:p="http://schemas.openxmlformats.org/presentationml/2006/main">
+  <p:cSld>
+    <p:spTree>
+      <p:nvGrpSpPr>
+        <p:cNvPr id="1" name=""/>
+        <p:cNvGrpSpPr/>
+        <p:nvPr/>
+      </p:nvGrpSpPr>
+      <p:grpSpPr>
+        <a:xfrm>
+          <a:off x="0" y="0"/>
+          <a:ext cx="0" cy="0"/>
+          <a:chOff x="0" y="0"/>
+          <a:chExt cx="0" cy="0"/>
+        </a:xfrm>
+      </p:grpSpPr>
+      <p:sp>
+        <p:nvSpPr>
+          <p:cNvPr id="2" name="Title 1"/>
+          <p:cNvSpPr>
+            <a:spLocks noGrp="1"/>
+          </p:cNvSpPr>
+          <p:nvPr>
+            <p:ph type="title"/>
+          </p:nvPr>
+        </p:nvSpPr>
+        <p:spPr>
+          <a:xfrm>
+            <a:off x="914400" y="384048"/>
+            <a:ext cx="7772400" cy="968502"/>
+          </a:xfrm>
+        </p:spPr>
+        <p:txBody>
+          <a:bodyPr/>
+          <a:lstStyle/>
+          <a:p>
+            <a:r>
+              <a:rPr lang="en-CA" dirty="0"/>
+              <a:t>Builder: </a:t>
+            </a:r>
+          </a:p>
+        </p:txBody>
+      </p:sp>
+      <p:sp>
+        <p:nvSpPr>
+          <p:cNvPr id="3" name="Content Placeholder 2"/>
+          <p:cNvSpPr>
+            <a:spLocks noGrp="1"/>
+          </p:cNvSpPr>
+          <p:nvPr>
+            <p:ph idx="1"/>
+          </p:nvPr>
+        </p:nvSpPr>
+        <p:spPr>
+          <a:xfrm>
+            <a:off x="304800" y="1428750"/>
+            <a:ext cx="8839200" cy="3337920"/>
+          </a:xfrm>
+        </p:spPr>
+        <p:txBody>
+          <a:bodyPr>
+            <a:normAutofit lnSpcReduction="10000"/>
+          </a:bodyPr>
+          <a:lstStyle/>
+          <a:p>
+            <a:pPr lvl="1"/>
+            <a:r>
+              <a:rPr lang="en-CA" dirty="0"/>
+              <a:t>Builders can often use factories to build/assemble things</a:t>
+            </a:r>
+          </a:p>
+          <a:p>
+            <a:pPr lvl="1"/>
+            <a:r>
+              <a:rPr lang="en-CA" dirty="0"/>
+              <a:t>For example: Tank Builder:</a:t>
+            </a:r>
+          </a:p>
+          <a:p>
+            <a:pPr lvl="2"/>
+            <a:r>
+              <a:rPr lang="en-CA" dirty="0"/>
+              <a:t>Uses the </a:t>
+            </a:r>
+            <a:r>
+              <a:rPr lang="en-CA" dirty="0" err="1"/>
+              <a:t>TankFactory</a:t>
+            </a:r>
+            <a:r>
+              <a:rPr lang="en-CA" dirty="0"/>
+              <a:t> to get the “base” tank types</a:t>
+            </a:r>
+          </a:p>
+          <a:p>
+            <a:pPr lvl="2"/>
+            <a:r>
+              <a:rPr lang="en-CA" dirty="0"/>
+              <a:t>Adds the weapons to it (maybe using a “weapon factory”)</a:t>
+            </a:r>
+          </a:p>
+          <a:p>
+            <a:pPr lvl="2"/>
+            <a:r>
+              <a:rPr lang="en-CA" dirty="0"/>
+              <a:t>Adds meshes, colours, whatever to the specific tanks</a:t>
+            </a:r>
+          </a:p>
+          <a:p>
+            <a:pPr lvl="1"/>
+            <a:r>
+              <a:rPr lang="en-CA" dirty="0"/>
+              <a:t>Separating the construction of the item from the thing that wants it – in this case there isn’t a common interface class that you use</a:t>
+            </a:r>
+          </a:p>
+        </p:txBody>
+      </p:sp>
+      <p:sp>
+        <p:nvSpPr>
+          <p:cNvPr id="4" name="AutoShape 6"/>
+          <p:cNvSpPr>
+            <a:spLocks noChangeArrowheads="1"/>
+          </p:cNvSpPr>
+          <p:nvPr/>
+        </p:nvSpPr>
+        <p:spPr bwMode="auto">
+          <a:xfrm>
+            <a:off x="8534400" y="4800600"/>
+            <a:ext cx="609600" cy="342900"/>
+          </a:xfrm>
+          <a:prstGeom prst="rightArrow">
+            <a:avLst>
+              <a:gd name="adj1" fmla="val 50000"/>
+              <a:gd name="adj2" fmla="val 33333"/>
+            </a:avLst>
+          </a:prstGeom>
+          <a:noFill/>
+          <a:ln w="19050">
+            <a:solidFill>
+              <a:srgbClr val="969696"/>
+            </a:solidFill>
+            <a:miter lim="800000"/>
+            <a:headEnd/>
+            <a:tailEnd/>
+          </a:ln>
+        </p:spPr>
+        <p:txBody>
+          <a:bodyPr wrap="none" anchor="ctr"/>
+          <a:lstStyle/>
+          <a:p>
+            <a:endParaRPr lang="en-CA"/>
+          </a:p>
+        </p:txBody>
+      </p:sp>
+    </p:spTree>
+    <p:extLst>
+      <p:ext uri="{BB962C8B-B14F-4D97-AF65-F5344CB8AC3E}">
+        <p14:creationId xmlns:p14="http://schemas.microsoft.com/office/powerpoint/2010/main" val="2830601192"/>
+      </p:ext>
+    </p:extLst>
+  </p:cSld>
+  <p:clrMapOvr>
+    <a:masterClrMapping/>
+  </p:clrMapOvr>
+  <p:timing>
+    <p:tnLst>
+      <p:par>
+        <p:cTn id="1" dur="indefinite" restart="never" nodeType="tmRoot">
+          <p:childTnLst>
+            <p:seq concurrent="1" nextAc="seek">
+              <p:cTn id="2" dur="indefinite" nodeType="mainSeq">
+                <p:childTnLst>
+                  <p:par>
+                    <p:cTn id="3" fill="hold">
+                      <p:stCondLst>
+                        <p:cond delay="indefinite"/>
+                      </p:stCondLst>
+                      <p:childTnLst>
+                        <p:par>
+                          <p:cTn id="4" fill="hold">
+                            <p:stCondLst>
+                              <p:cond delay="0"/>
+                            </p:stCondLst>
+                            <p:childTnLst>
+                              <p:par>
+                                <p:cTn id="5" presetID="10" presetClass="entr" presetSubtype="0" fill="hold" grpId="0" nodeType="clickEffect">
+                                  <p:stCondLst>
+                                    <p:cond delay="0"/>
+                                  </p:stCondLst>
+                                  <p:childTnLst>
+                                    <p:set>
+                                      <p:cBhvr>
+                                        <p:cTn id="6" dur="1" fill="hold">
+                                          <p:stCondLst>
+                                            <p:cond delay="0"/>
+                                          </p:stCondLst>
+                                        </p:cTn>
+                                        <p:tgtEl>
+                                          <p:spTgt spid="4"/>
+                                        </p:tgtEl>
+                                        <p:attrNameLst>
+                                          <p:attrName>style.visibility</p:attrName>
+                                        </p:attrNameLst>
+                                      </p:cBhvr>
+                                      <p:to>
+                                        <p:strVal val="visible"/>
+                                      </p:to>
+                                    </p:set>
+                                    <p:animEffect transition="in" filter="fade">
+                                      <p:cBhvr>
+                                        <p:cTn id="7" dur="500"/>
+                                        <p:tgtEl>
+                                          <p:spTgt spid="4"/>
+                                        </p:tgtEl>
+                                      </p:cBhvr>
+                                    </p:animEffect>
+                                  </p:childTnLst>
+                                </p:cTn>
+                              </p:par>
+                            </p:childTnLst>
+                          </p:cTn>
+                        </p:par>
+                      </p:childTnLst>
+                    </p:cTn>
+                  </p:par>
+                </p:childTnLst>
+              </p:cTn>
+              <p:prevCondLst>
+                <p:cond evt="onPrev" delay="0">
+                  <p:tgtEl>
+                    <p:sldTgt/>
+                  </p:tgtEl>
+                </p:cond>
+              </p:prevCondLst>
+              <p:nextCondLst>
+                <p:cond evt="onNext" delay="0">
+                  <p:tgtEl>
+                    <p:sldTgt/>
+                  </p:tgtEl>
+                </p:cond>
+              </p:nextCondLst>
+            </p:seq>
+          </p:childTnLst>
+        </p:cTn>
+      </p:par>
+    </p:tnLst>
+    <p:bldLst>
+      <p:bldP spid="4" grpId="0" animBg="1"/>
+    </p:bldLst>
+  </p:timing>
+</p:sld>
+</file>
+
+<file path=ppt/slides/slide11.xml><?xml version="1.0" encoding="utf-8"?>
+<p:sld xmlns:a="http://schemas.openxmlformats.org/drawingml/2006/main" xmlns:r="http://schemas.openxmlformats.org/officeDocument/2006/relationships" xmlns:p="http://schemas.openxmlformats.org/presentationml/2006/main">
+  <p:cSld>
+    <p:spTree>
+      <p:nvGrpSpPr>
+        <p:cNvPr id="1" name=""/>
+        <p:cNvGrpSpPr/>
+        <p:nvPr/>
+      </p:nvGrpSpPr>
+      <p:grpSpPr>
+        <a:xfrm>
+          <a:off x="0" y="0"/>
+          <a:ext cx="0" cy="0"/>
+          <a:chOff x="0" y="0"/>
+          <a:chExt cx="0" cy="0"/>
+        </a:xfrm>
+      </p:grpSpPr>
+      <p:sp>
+        <p:nvSpPr>
+          <p:cNvPr id="2" name="Title 1"/>
+          <p:cNvSpPr>
+            <a:spLocks noGrp="1"/>
+          </p:cNvSpPr>
+          <p:nvPr>
+            <p:ph type="title"/>
+          </p:nvPr>
+        </p:nvSpPr>
+        <p:spPr>
+          <a:xfrm>
+            <a:off x="914400" y="384048"/>
+            <a:ext cx="7772400" cy="968502"/>
+          </a:xfrm>
+        </p:spPr>
+        <p:txBody>
+          <a:bodyPr/>
+          <a:lstStyle/>
+          <a:p>
+            <a:r>
+              <a:rPr lang="en-CA" dirty="0"/>
+              <a:t>Mediator</a:t>
+            </a:r>
+          </a:p>
+        </p:txBody>
+      </p:sp>
+      <p:sp>
+        <p:nvSpPr>
+          <p:cNvPr id="3" name="Content Placeholder 2"/>
+          <p:cNvSpPr>
+            <a:spLocks noGrp="1"/>
+          </p:cNvSpPr>
+          <p:nvPr>
+            <p:ph idx="1"/>
+          </p:nvPr>
+        </p:nvSpPr>
+        <p:spPr>
+          <a:xfrm>
+            <a:off x="304800" y="1428750"/>
+            <a:ext cx="8839200" cy="3337920"/>
+          </a:xfrm>
+        </p:spPr>
+        <p:txBody>
+          <a:bodyPr>
+            <a:normAutofit/>
+          </a:bodyPr>
+          <a:lstStyle/>
+          <a:p>
+            <a:pPr lvl="1"/>
+            <a:r>
+              <a:rPr lang="en-CA" dirty="0"/>
+              <a:t>A central “hub” (or mediator” that handles communication between different parts of the system that need to “know about” each other</a:t>
+            </a:r>
+          </a:p>
+          <a:p>
+            <a:pPr lvl="1"/>
+            <a:r>
+              <a:rPr lang="en-CA" dirty="0"/>
+              <a:t>Useful to avoid circular dependencies between things that need to know about each other.</a:t>
+            </a:r>
+          </a:p>
+        </p:txBody>
+      </p:sp>
+      <p:sp>
+        <p:nvSpPr>
+          <p:cNvPr id="4" name="AutoShape 6"/>
+          <p:cNvSpPr>
+            <a:spLocks noChangeArrowheads="1"/>
+          </p:cNvSpPr>
+          <p:nvPr/>
+        </p:nvSpPr>
+        <p:spPr bwMode="auto">
+          <a:xfrm>
+            <a:off x="8534400" y="4800600"/>
+            <a:ext cx="609600" cy="342900"/>
+          </a:xfrm>
+          <a:prstGeom prst="rightArrow">
+            <a:avLst>
+              <a:gd name="adj1" fmla="val 50000"/>
+              <a:gd name="adj2" fmla="val 33333"/>
+            </a:avLst>
+          </a:prstGeom>
+          <a:noFill/>
+          <a:ln w="19050">
+            <a:solidFill>
+              <a:srgbClr val="969696"/>
+            </a:solidFill>
+            <a:miter lim="800000"/>
+            <a:headEnd/>
+            <a:tailEnd/>
+          </a:ln>
+        </p:spPr>
+        <p:txBody>
+          <a:bodyPr wrap="none" anchor="ctr"/>
+          <a:lstStyle/>
+          <a:p>
+            <a:endParaRPr lang="en-CA"/>
+          </a:p>
+        </p:txBody>
+      </p:sp>
+    </p:spTree>
+    <p:extLst>
+      <p:ext uri="{BB962C8B-B14F-4D97-AF65-F5344CB8AC3E}">
+        <p14:creationId xmlns:p14="http://schemas.microsoft.com/office/powerpoint/2010/main" val="3670330532"/>
+      </p:ext>
+    </p:extLst>
+  </p:cSld>
+  <p:clrMapOvr>
+    <a:masterClrMapping/>
+  </p:clrMapOvr>
+  <p:timing>
+    <p:tnLst>
+      <p:par>
+        <p:cTn id="1" dur="indefinite" restart="never" nodeType="tmRoot">
+          <p:childTnLst>
+            <p:seq concurrent="1" nextAc="seek">
+              <p:cTn id="2" dur="indefinite" nodeType="mainSeq">
+                <p:childTnLst>
+                  <p:par>
+                    <p:cTn id="3" fill="hold">
+                      <p:stCondLst>
+                        <p:cond delay="indefinite"/>
+                      </p:stCondLst>
+                      <p:childTnLst>
+                        <p:par>
+                          <p:cTn id="4" fill="hold">
+                            <p:stCondLst>
+                              <p:cond delay="0"/>
+                            </p:stCondLst>
+                            <p:childTnLst>
+                              <p:par>
+                                <p:cTn id="5" presetID="10" presetClass="entr" presetSubtype="0" fill="hold" grpId="0" nodeType="clickEffect">
+                                  <p:stCondLst>
+                                    <p:cond delay="0"/>
+                                  </p:stCondLst>
+                                  <p:childTnLst>
+                                    <p:set>
+                                      <p:cBhvr>
+                                        <p:cTn id="6" dur="1" fill="hold">
+                                          <p:stCondLst>
+                                            <p:cond delay="0"/>
+                                          </p:stCondLst>
+                                        </p:cTn>
+                                        <p:tgtEl>
+                                          <p:spTgt spid="4"/>
+                                        </p:tgtEl>
+                                        <p:attrNameLst>
+                                          <p:attrName>style.visibility</p:attrName>
+                                        </p:attrNameLst>
+                                      </p:cBhvr>
+                                      <p:to>
+                                        <p:strVal val="visible"/>
+                                      </p:to>
+                                    </p:set>
+                                    <p:animEffect transition="in" filter="fade">
+                                      <p:cBhvr>
+                                        <p:cTn id="7" dur="500"/>
+                                        <p:tgtEl>
+                                          <p:spTgt spid="4"/>
+                                        </p:tgtEl>
+                                      </p:cBhvr>
+                                    </p:animEffect>
+                                  </p:childTnLst>
+                                </p:cTn>
+                              </p:par>
+                            </p:childTnLst>
+                          </p:cTn>
+                        </p:par>
+                      </p:childTnLst>
+                    </p:cTn>
+                  </p:par>
+                </p:childTnLst>
+              </p:cTn>
+              <p:prevCondLst>
+                <p:cond evt="onPrev" delay="0">
+                  <p:tgtEl>
+                    <p:sldTgt/>
+                  </p:tgtEl>
+                </p:cond>
+              </p:prevCondLst>
+              <p:nextCondLst>
+                <p:cond evt="onNext" delay="0">
+                  <p:tgtEl>
+                    <p:sldTgt/>
+                  </p:tgtEl>
+                </p:cond>
+              </p:nextCondLst>
+            </p:seq>
+          </p:childTnLst>
+        </p:cTn>
+      </p:par>
+    </p:tnLst>
+    <p:bldLst>
+      <p:bldP spid="4" grpId="0" animBg="1"/>
+    </p:bldLst>
+  </p:timing>
+</p:sld>
+</file>
+
 <file path=ppt/slides/slide2.xml><?xml version="1.0" encoding="utf-8"?>
 <p:sld xmlns:a="http://schemas.openxmlformats.org/drawingml/2006/main" xmlns:r="http://schemas.openxmlformats.org/officeDocument/2006/relationships" xmlns:p="http://schemas.openxmlformats.org/presentationml/2006/main">
   <p:cSld>
@@ -6967,6 +7441,18 @@
             <a:r>
               <a:rPr lang="en-CA" dirty="0"/>
               <a:t>Singleton</a:t>
+            </a:r>
+          </a:p>
+          <a:p>
+            <a:r>
+              <a:rPr lang="en-CA" dirty="0"/>
+              <a:t>Builder</a:t>
+            </a:r>
+          </a:p>
+          <a:p>
+            <a:r>
+              <a:rPr lang="en-CA" dirty="0"/>
+              <a:t>Mediator</a:t>
             </a:r>
           </a:p>
           <a:p>
@@ -7167,7 +7653,7 @@
                             </p:stCondLst>
                             <p:childTnLst>
                               <p:par>
-                                <p:cTn id="15" presetID="10" presetClass="entr" presetSubtype="0" fill="hold" grpId="0" nodeType="clickEffect">
+                                <p:cTn id="15" presetID="5" presetClass="entr" presetSubtype="10" fill="hold" grpId="0" nodeType="clickEffect">
                                   <p:stCondLst>
                                     <p:cond delay="0"/>
                                   </p:stCondLst>
@@ -7175,6 +7661,128 @@
                                     <p:set>
                                       <p:cBhvr>
                                         <p:cTn id="16" dur="1" fill="hold">
+                                          <p:stCondLst>
+                                            <p:cond delay="0"/>
+                                          </p:stCondLst>
+                                        </p:cTn>
+                                        <p:tgtEl>
+                                          <p:spTgt spid="3">
+                                            <p:txEl>
+                                              <p:pRg st="2" end="2"/>
+                                            </p:txEl>
+                                          </p:spTgt>
+                                        </p:tgtEl>
+                                        <p:attrNameLst>
+                                          <p:attrName>style.visibility</p:attrName>
+                                        </p:attrNameLst>
+                                      </p:cBhvr>
+                                      <p:to>
+                                        <p:strVal val="visible"/>
+                                      </p:to>
+                                    </p:set>
+                                    <p:animEffect transition="in" filter="checkerboard(across)">
+                                      <p:cBhvr>
+                                        <p:cTn id="17" dur="500"/>
+                                        <p:tgtEl>
+                                          <p:spTgt spid="3">
+                                            <p:txEl>
+                                              <p:pRg st="2" end="2"/>
+                                            </p:txEl>
+                                          </p:spTgt>
+                                        </p:tgtEl>
+                                      </p:cBhvr>
+                                    </p:animEffect>
+                                  </p:childTnLst>
+                                </p:cTn>
+                              </p:par>
+                            </p:childTnLst>
+                          </p:cTn>
+                        </p:par>
+                      </p:childTnLst>
+                    </p:cTn>
+                  </p:par>
+                  <p:par>
+                    <p:cTn id="18" fill="hold">
+                      <p:stCondLst>
+                        <p:cond delay="indefinite"/>
+                      </p:stCondLst>
+                      <p:childTnLst>
+                        <p:par>
+                          <p:cTn id="19" fill="hold">
+                            <p:stCondLst>
+                              <p:cond delay="0"/>
+                            </p:stCondLst>
+                            <p:childTnLst>
+                              <p:par>
+                                <p:cTn id="20" presetID="5" presetClass="entr" presetSubtype="10" fill="hold" grpId="0" nodeType="clickEffect">
+                                  <p:stCondLst>
+                                    <p:cond delay="0"/>
+                                  </p:stCondLst>
+                                  <p:childTnLst>
+                                    <p:set>
+                                      <p:cBhvr>
+                                        <p:cTn id="21" dur="1" fill="hold">
+                                          <p:stCondLst>
+                                            <p:cond delay="0"/>
+                                          </p:stCondLst>
+                                        </p:cTn>
+                                        <p:tgtEl>
+                                          <p:spTgt spid="3">
+                                            <p:txEl>
+                                              <p:pRg st="3" end="3"/>
+                                            </p:txEl>
+                                          </p:spTgt>
+                                        </p:tgtEl>
+                                        <p:attrNameLst>
+                                          <p:attrName>style.visibility</p:attrName>
+                                        </p:attrNameLst>
+                                      </p:cBhvr>
+                                      <p:to>
+                                        <p:strVal val="visible"/>
+                                      </p:to>
+                                    </p:set>
+                                    <p:animEffect transition="in" filter="checkerboard(across)">
+                                      <p:cBhvr>
+                                        <p:cTn id="22" dur="500"/>
+                                        <p:tgtEl>
+                                          <p:spTgt spid="3">
+                                            <p:txEl>
+                                              <p:pRg st="3" end="3"/>
+                                            </p:txEl>
+                                          </p:spTgt>
+                                        </p:tgtEl>
+                                      </p:cBhvr>
+                                    </p:animEffect>
+                                  </p:childTnLst>
+                                </p:cTn>
+                              </p:par>
+                            </p:childTnLst>
+                          </p:cTn>
+                        </p:par>
+                      </p:childTnLst>
+                    </p:cTn>
+                  </p:par>
+                  <p:par>
+                    <p:cTn id="23" fill="hold">
+                      <p:stCondLst>
+                        <p:cond delay="indefinite"/>
+                      </p:stCondLst>
+                      <p:childTnLst>
+                        <p:par>
+                          <p:cTn id="24" fill="hold">
+                            <p:stCondLst>
+                              <p:cond delay="0"/>
+                            </p:stCondLst>
+                            <p:childTnLst>
+                              <p:par>
+                                <p:cTn id="25" presetID="10" presetClass="entr" presetSubtype="0" fill="hold" grpId="0" nodeType="clickEffect">
+                                  <p:stCondLst>
+                                    <p:cond delay="0"/>
+                                  </p:stCondLst>
+                                  <p:childTnLst>
+                                    <p:set>
+                                      <p:cBhvr>
+                                        <p:cTn id="26" dur="1" fill="hold">
                                           <p:stCondLst>
                                             <p:cond delay="0"/>
                                           </p:stCondLst>
@@ -7192,7 +7800,7 @@
                                     </p:set>
                                     <p:animEffect transition="in" filter="fade">
                                       <p:cBhvr>
-                                        <p:cTn id="17" dur="500"/>
+                                        <p:cTn id="27" dur="500"/>
                                         <p:tgtEl>
                                           <p:spTgt spid="4"/>
                                         </p:tgtEl>
@@ -7863,7 +8471,7 @@
           <a:p>
             <a:r>
               <a:rPr lang="en-CA" dirty="0"/>
-              <a:t>Singleton</a:t>
+              <a:t>Singleton: static</a:t>
             </a:r>
           </a:p>
         </p:txBody>
@@ -8361,30 +8969,106 @@
           </a:bodyPr>
           <a:lstStyle/>
           <a:p>
+            <a:pPr lvl="1"/>
             <a:r>
               <a:rPr lang="en-CA" dirty="0"/>
-              <a:t>“static” in C++ land means the object exists all the time, and there’s only one of them</a:t>
-            </a:r>
-          </a:p>
-          <a:p>
+              <a:t>Is private</a:t>
+            </a:r>
+          </a:p>
+          <a:p>
+            <a:pPr lvl="2"/>
+            <a:r>
+              <a:rPr lang="en-CA" sz="1800" dirty="0">
+                <a:solidFill>
+                  <a:srgbClr val="0000FF"/>
+                </a:solidFill>
+                <a:highlight>
+                  <a:srgbClr val="FFFFFF"/>
+                </a:highlight>
+                <a:latin typeface="Cascadia Mono" panose="020B0609020000020004" pitchFamily="49" charset="0"/>
+              </a:rPr>
+              <a:t>static</a:t>
+            </a:r>
+            <a:r>
+              <a:rPr lang="en-CA" sz="1800" dirty="0">
+                <a:solidFill>
+                  <a:srgbClr val="000000"/>
+                </a:solidFill>
+                <a:highlight>
+                  <a:srgbClr val="FFFFFF"/>
+                </a:highlight>
+                <a:latin typeface="Cascadia Mono" panose="020B0609020000020004" pitchFamily="49" charset="0"/>
+              </a:rPr>
+              <a:t> </a:t>
+            </a:r>
+            <a:r>
+              <a:rPr lang="en-CA" sz="1800" dirty="0" err="1">
+                <a:solidFill>
+                  <a:srgbClr val="2B91AF"/>
+                </a:solidFill>
+                <a:highlight>
+                  <a:srgbClr val="FFFFFF"/>
+                </a:highlight>
+                <a:latin typeface="Cascadia Mono" panose="020B0609020000020004" pitchFamily="49" charset="0"/>
+              </a:rPr>
+              <a:t>cTankFactory</a:t>
+            </a:r>
+            <a:r>
+              <a:rPr lang="en-CA" sz="1800" dirty="0">
+                <a:solidFill>
+                  <a:srgbClr val="000000"/>
+                </a:solidFill>
+                <a:highlight>
+                  <a:srgbClr val="FFFFFF"/>
+                </a:highlight>
+                <a:latin typeface="Cascadia Mono" panose="020B0609020000020004" pitchFamily="49" charset="0"/>
+              </a:rPr>
+              <a:t>* </a:t>
+            </a:r>
+            <a:r>
+              <a:rPr lang="en-CA" sz="1800" dirty="0" err="1">
+                <a:solidFill>
+                  <a:srgbClr val="000000"/>
+                </a:solidFill>
+                <a:highlight>
+                  <a:srgbClr val="FFFFFF"/>
+                </a:highlight>
+                <a:latin typeface="Cascadia Mono" panose="020B0609020000020004" pitchFamily="49" charset="0"/>
+              </a:rPr>
+              <a:t>m_pTheInstance</a:t>
+            </a:r>
+            <a:r>
+              <a:rPr lang="en-CA" sz="1800" dirty="0">
+                <a:solidFill>
+                  <a:srgbClr val="000000"/>
+                </a:solidFill>
+                <a:highlight>
+                  <a:srgbClr val="FFFFFF"/>
+                </a:highlight>
+                <a:latin typeface="Cascadia Mono" panose="020B0609020000020004" pitchFamily="49" charset="0"/>
+              </a:rPr>
+              <a:t>;</a:t>
+            </a:r>
+          </a:p>
+          <a:p>
+            <a:pPr lvl="1"/>
             <a:r>
               <a:rPr lang="en-CA" dirty="0"/>
-              <a:t>Static variables in classes exists “before” the class is created. Or even if the class </a:t>
-            </a:r>
-            <a:r>
-              <a:rPr lang="en-CA" i="1" dirty="0"/>
-              <a:t>isn’t </a:t>
-            </a:r>
+              <a:t>Constructor is ALSO private</a:t>
+            </a:r>
+          </a:p>
+          <a:p>
+            <a:pPr lvl="2"/>
             <a:r>
               <a:rPr lang="en-CA" dirty="0"/>
-              <a:t>created. </a:t>
-            </a:r>
-            <a:br>
+              <a:t>So you CAN’T create it externally</a:t>
+            </a:r>
+          </a:p>
+          <a:p>
+            <a:pPr lvl="1"/>
+            <a:r>
               <a:rPr lang="en-CA" dirty="0"/>
-            </a:br>
-            <a:r>
-              <a:rPr lang="en-CA" dirty="0"/>
-              <a:t>They just exist all the time.</a:t>
+              <a:t>Add a static METHOD that checks to see if this instance is created and if not, it creates it, and return the one and only one instance</a:t>
             </a:r>
           </a:p>
         </p:txBody>
@@ -8430,6 +9114,475 @@
     <p:extLst>
       <p:ext uri="{BB962C8B-B14F-4D97-AF65-F5344CB8AC3E}">
         <p14:creationId xmlns:p14="http://schemas.microsoft.com/office/powerpoint/2010/main" val="717353951"/>
+      </p:ext>
+    </p:extLst>
+  </p:cSld>
+  <p:clrMapOvr>
+    <a:masterClrMapping/>
+  </p:clrMapOvr>
+  <p:timing>
+    <p:tnLst>
+      <p:par>
+        <p:cTn id="1" dur="indefinite" restart="never" nodeType="tmRoot">
+          <p:childTnLst>
+            <p:seq concurrent="1" nextAc="seek">
+              <p:cTn id="2" dur="indefinite" nodeType="mainSeq">
+                <p:childTnLst>
+                  <p:par>
+                    <p:cTn id="3" fill="hold">
+                      <p:stCondLst>
+                        <p:cond delay="indefinite"/>
+                      </p:stCondLst>
+                      <p:childTnLst>
+                        <p:par>
+                          <p:cTn id="4" fill="hold">
+                            <p:stCondLst>
+                              <p:cond delay="0"/>
+                            </p:stCondLst>
+                            <p:childTnLst>
+                              <p:par>
+                                <p:cTn id="5" presetID="10" presetClass="entr" presetSubtype="0" fill="hold" grpId="0" nodeType="clickEffect">
+                                  <p:stCondLst>
+                                    <p:cond delay="0"/>
+                                  </p:stCondLst>
+                                  <p:childTnLst>
+                                    <p:set>
+                                      <p:cBhvr>
+                                        <p:cTn id="6" dur="1" fill="hold">
+                                          <p:stCondLst>
+                                            <p:cond delay="0"/>
+                                          </p:stCondLst>
+                                        </p:cTn>
+                                        <p:tgtEl>
+                                          <p:spTgt spid="4"/>
+                                        </p:tgtEl>
+                                        <p:attrNameLst>
+                                          <p:attrName>style.visibility</p:attrName>
+                                        </p:attrNameLst>
+                                      </p:cBhvr>
+                                      <p:to>
+                                        <p:strVal val="visible"/>
+                                      </p:to>
+                                    </p:set>
+                                    <p:animEffect transition="in" filter="fade">
+                                      <p:cBhvr>
+                                        <p:cTn id="7" dur="500"/>
+                                        <p:tgtEl>
+                                          <p:spTgt spid="4"/>
+                                        </p:tgtEl>
+                                      </p:cBhvr>
+                                    </p:animEffect>
+                                  </p:childTnLst>
+                                </p:cTn>
+                              </p:par>
+                            </p:childTnLst>
+                          </p:cTn>
+                        </p:par>
+                      </p:childTnLst>
+                    </p:cTn>
+                  </p:par>
+                </p:childTnLst>
+              </p:cTn>
+              <p:prevCondLst>
+                <p:cond evt="onPrev" delay="0">
+                  <p:tgtEl>
+                    <p:sldTgt/>
+                  </p:tgtEl>
+                </p:cond>
+              </p:prevCondLst>
+              <p:nextCondLst>
+                <p:cond evt="onNext" delay="0">
+                  <p:tgtEl>
+                    <p:sldTgt/>
+                  </p:tgtEl>
+                </p:cond>
+              </p:nextCondLst>
+            </p:seq>
+          </p:childTnLst>
+        </p:cTn>
+      </p:par>
+    </p:tnLst>
+    <p:bldLst>
+      <p:bldP spid="4" grpId="0" animBg="1"/>
+    </p:bldLst>
+  </p:timing>
+</p:sld>
+</file>
+
+<file path=ppt/slides/slide8.xml><?xml version="1.0" encoding="utf-8"?>
+<p:sld xmlns:a="http://schemas.openxmlformats.org/drawingml/2006/main" xmlns:r="http://schemas.openxmlformats.org/officeDocument/2006/relationships" xmlns:p="http://schemas.openxmlformats.org/presentationml/2006/main">
+  <p:cSld>
+    <p:spTree>
+      <p:nvGrpSpPr>
+        <p:cNvPr id="1" name=""/>
+        <p:cNvGrpSpPr/>
+        <p:nvPr/>
+      </p:nvGrpSpPr>
+      <p:grpSpPr>
+        <a:xfrm>
+          <a:off x="0" y="0"/>
+          <a:ext cx="0" cy="0"/>
+          <a:chOff x="0" y="0"/>
+          <a:chExt cx="0" cy="0"/>
+        </a:xfrm>
+      </p:grpSpPr>
+      <p:sp>
+        <p:nvSpPr>
+          <p:cNvPr id="2" name="Title 1"/>
+          <p:cNvSpPr>
+            <a:spLocks noGrp="1"/>
+          </p:cNvSpPr>
+          <p:nvPr>
+            <p:ph type="title"/>
+          </p:nvPr>
+        </p:nvSpPr>
+        <p:spPr>
+          <a:xfrm>
+            <a:off x="914400" y="384048"/>
+            <a:ext cx="7772400" cy="968502"/>
+          </a:xfrm>
+        </p:spPr>
+        <p:txBody>
+          <a:bodyPr/>
+          <a:lstStyle/>
+          <a:p>
+            <a:r>
+              <a:rPr lang="en-CA" dirty="0"/>
+              <a:t>Singleton</a:t>
+            </a:r>
+          </a:p>
+        </p:txBody>
+      </p:sp>
+      <p:sp>
+        <p:nvSpPr>
+          <p:cNvPr id="3" name="Content Placeholder 2"/>
+          <p:cNvSpPr>
+            <a:spLocks noGrp="1"/>
+          </p:cNvSpPr>
+          <p:nvPr>
+            <p:ph idx="1"/>
+          </p:nvPr>
+        </p:nvSpPr>
+        <p:spPr>
+          <a:xfrm>
+            <a:off x="304800" y="1428750"/>
+            <a:ext cx="8839200" cy="3337920"/>
+          </a:xfrm>
+        </p:spPr>
+        <p:txBody>
+          <a:bodyPr>
+            <a:normAutofit lnSpcReduction="10000"/>
+          </a:bodyPr>
+          <a:lstStyle/>
+          <a:p>
+            <a:pPr lvl="1"/>
+            <a:r>
+              <a:rPr lang="en-CA" dirty="0"/>
+              <a:t>To “create” the singleton, you call the static method that gets the object, then the method you actually want to call</a:t>
+            </a:r>
+          </a:p>
+          <a:p>
+            <a:pPr lvl="1"/>
+            <a:r>
+              <a:rPr lang="en-CA" dirty="0"/>
+              <a:t>Note: </a:t>
+            </a:r>
+          </a:p>
+          <a:p>
+            <a:pPr lvl="2"/>
+            <a:r>
+              <a:rPr lang="en-CA" dirty="0"/>
+              <a:t>Sort of fallen out of favour (in C++) because:</a:t>
+            </a:r>
+          </a:p>
+          <a:p>
+            <a:pPr lvl="2"/>
+            <a:r>
+              <a:rPr lang="en-CA" dirty="0"/>
+              <a:t>When do you call the destructor?</a:t>
+            </a:r>
+          </a:p>
+          <a:p>
+            <a:pPr lvl="2"/>
+            <a:r>
+              <a:rPr lang="en-CA" dirty="0"/>
+              <a:t>Often used in place of global variables (which I think is fine, but lots of people frown on this…)</a:t>
+            </a:r>
+          </a:p>
+          <a:p>
+            <a:pPr lvl="2"/>
+            <a:r>
+              <a:rPr lang="en-CA" dirty="0"/>
+              <a:t>Returns a pointer, not a stack or reference</a:t>
+            </a:r>
+          </a:p>
+        </p:txBody>
+      </p:sp>
+      <p:sp>
+        <p:nvSpPr>
+          <p:cNvPr id="4" name="AutoShape 6"/>
+          <p:cNvSpPr>
+            <a:spLocks noChangeArrowheads="1"/>
+          </p:cNvSpPr>
+          <p:nvPr/>
+        </p:nvSpPr>
+        <p:spPr bwMode="auto">
+          <a:xfrm>
+            <a:off x="8534400" y="4800600"/>
+            <a:ext cx="609600" cy="342900"/>
+          </a:xfrm>
+          <a:prstGeom prst="rightArrow">
+            <a:avLst>
+              <a:gd name="adj1" fmla="val 50000"/>
+              <a:gd name="adj2" fmla="val 33333"/>
+            </a:avLst>
+          </a:prstGeom>
+          <a:noFill/>
+          <a:ln w="19050">
+            <a:solidFill>
+              <a:srgbClr val="969696"/>
+            </a:solidFill>
+            <a:miter lim="800000"/>
+            <a:headEnd/>
+            <a:tailEnd/>
+          </a:ln>
+        </p:spPr>
+        <p:txBody>
+          <a:bodyPr wrap="none" anchor="ctr"/>
+          <a:lstStyle/>
+          <a:p>
+            <a:endParaRPr lang="en-CA"/>
+          </a:p>
+        </p:txBody>
+      </p:sp>
+    </p:spTree>
+    <p:extLst>
+      <p:ext uri="{BB962C8B-B14F-4D97-AF65-F5344CB8AC3E}">
+        <p14:creationId xmlns:p14="http://schemas.microsoft.com/office/powerpoint/2010/main" val="3193405019"/>
+      </p:ext>
+    </p:extLst>
+  </p:cSld>
+  <p:clrMapOvr>
+    <a:masterClrMapping/>
+  </p:clrMapOvr>
+  <p:timing>
+    <p:tnLst>
+      <p:par>
+        <p:cTn id="1" dur="indefinite" restart="never" nodeType="tmRoot">
+          <p:childTnLst>
+            <p:seq concurrent="1" nextAc="seek">
+              <p:cTn id="2" dur="indefinite" nodeType="mainSeq">
+                <p:childTnLst>
+                  <p:par>
+                    <p:cTn id="3" fill="hold">
+                      <p:stCondLst>
+                        <p:cond delay="indefinite"/>
+                      </p:stCondLst>
+                      <p:childTnLst>
+                        <p:par>
+                          <p:cTn id="4" fill="hold">
+                            <p:stCondLst>
+                              <p:cond delay="0"/>
+                            </p:stCondLst>
+                            <p:childTnLst>
+                              <p:par>
+                                <p:cTn id="5" presetID="10" presetClass="entr" presetSubtype="0" fill="hold" grpId="0" nodeType="clickEffect">
+                                  <p:stCondLst>
+                                    <p:cond delay="0"/>
+                                  </p:stCondLst>
+                                  <p:childTnLst>
+                                    <p:set>
+                                      <p:cBhvr>
+                                        <p:cTn id="6" dur="1" fill="hold">
+                                          <p:stCondLst>
+                                            <p:cond delay="0"/>
+                                          </p:stCondLst>
+                                        </p:cTn>
+                                        <p:tgtEl>
+                                          <p:spTgt spid="4"/>
+                                        </p:tgtEl>
+                                        <p:attrNameLst>
+                                          <p:attrName>style.visibility</p:attrName>
+                                        </p:attrNameLst>
+                                      </p:cBhvr>
+                                      <p:to>
+                                        <p:strVal val="visible"/>
+                                      </p:to>
+                                    </p:set>
+                                    <p:animEffect transition="in" filter="fade">
+                                      <p:cBhvr>
+                                        <p:cTn id="7" dur="500"/>
+                                        <p:tgtEl>
+                                          <p:spTgt spid="4"/>
+                                        </p:tgtEl>
+                                      </p:cBhvr>
+                                    </p:animEffect>
+                                  </p:childTnLst>
+                                </p:cTn>
+                              </p:par>
+                            </p:childTnLst>
+                          </p:cTn>
+                        </p:par>
+                      </p:childTnLst>
+                    </p:cTn>
+                  </p:par>
+                </p:childTnLst>
+              </p:cTn>
+              <p:prevCondLst>
+                <p:cond evt="onPrev" delay="0">
+                  <p:tgtEl>
+                    <p:sldTgt/>
+                  </p:tgtEl>
+                </p:cond>
+              </p:prevCondLst>
+              <p:nextCondLst>
+                <p:cond evt="onNext" delay="0">
+                  <p:tgtEl>
+                    <p:sldTgt/>
+                  </p:tgtEl>
+                </p:cond>
+              </p:nextCondLst>
+            </p:seq>
+          </p:childTnLst>
+        </p:cTn>
+      </p:par>
+    </p:tnLst>
+    <p:bldLst>
+      <p:bldP spid="4" grpId="0" animBg="1"/>
+    </p:bldLst>
+  </p:timing>
+</p:sld>
+</file>
+
+<file path=ppt/slides/slide9.xml><?xml version="1.0" encoding="utf-8"?>
+<p:sld xmlns:a="http://schemas.openxmlformats.org/drawingml/2006/main" xmlns:r="http://schemas.openxmlformats.org/officeDocument/2006/relationships" xmlns:p="http://schemas.openxmlformats.org/presentationml/2006/main">
+  <p:cSld>
+    <p:spTree>
+      <p:nvGrpSpPr>
+        <p:cNvPr id="1" name=""/>
+        <p:cNvGrpSpPr/>
+        <p:nvPr/>
+      </p:nvGrpSpPr>
+      <p:grpSpPr>
+        <a:xfrm>
+          <a:off x="0" y="0"/>
+          <a:ext cx="0" cy="0"/>
+          <a:chOff x="0" y="0"/>
+          <a:chExt cx="0" cy="0"/>
+        </a:xfrm>
+      </p:grpSpPr>
+      <p:sp>
+        <p:nvSpPr>
+          <p:cNvPr id="2" name="Title 1"/>
+          <p:cNvSpPr>
+            <a:spLocks noGrp="1"/>
+          </p:cNvSpPr>
+          <p:nvPr>
+            <p:ph type="title"/>
+          </p:nvPr>
+        </p:nvSpPr>
+        <p:spPr>
+          <a:xfrm>
+            <a:off x="914400" y="384048"/>
+            <a:ext cx="7772400" cy="968502"/>
+          </a:xfrm>
+        </p:spPr>
+        <p:txBody>
+          <a:bodyPr/>
+          <a:lstStyle/>
+          <a:p>
+            <a:r>
+              <a:rPr lang="en-CA" dirty="0"/>
+              <a:t>Builder: </a:t>
+            </a:r>
+          </a:p>
+        </p:txBody>
+      </p:sp>
+      <p:sp>
+        <p:nvSpPr>
+          <p:cNvPr id="3" name="Content Placeholder 2"/>
+          <p:cNvSpPr>
+            <a:spLocks noGrp="1"/>
+          </p:cNvSpPr>
+          <p:nvPr>
+            <p:ph idx="1"/>
+          </p:nvPr>
+        </p:nvSpPr>
+        <p:spPr>
+          <a:xfrm>
+            <a:off x="304800" y="1428750"/>
+            <a:ext cx="8839200" cy="3337920"/>
+          </a:xfrm>
+        </p:spPr>
+        <p:txBody>
+          <a:bodyPr>
+            <a:normAutofit/>
+          </a:bodyPr>
+          <a:lstStyle/>
+          <a:p>
+            <a:pPr lvl="1"/>
+            <a:r>
+              <a:rPr lang="en-CA" dirty="0"/>
+              <a:t>Sort of like an abstract factory in that it’s a “creation pattern”, but doesn’t necessarily need a common interface like the factory does. </a:t>
+            </a:r>
+          </a:p>
+          <a:p>
+            <a:pPr lvl="1"/>
+            <a:r>
+              <a:rPr lang="en-CA" dirty="0"/>
+              <a:t>Variations are “decorators”, etc. (later…)</a:t>
+            </a:r>
+          </a:p>
+          <a:p>
+            <a:pPr lvl="1"/>
+            <a:r>
+              <a:rPr lang="en-CA" dirty="0"/>
+              <a:t>Sets data types or assembles things that aren’t common between all objects</a:t>
+            </a:r>
+          </a:p>
+        </p:txBody>
+      </p:sp>
+      <p:sp>
+        <p:nvSpPr>
+          <p:cNvPr id="4" name="AutoShape 6"/>
+          <p:cNvSpPr>
+            <a:spLocks noChangeArrowheads="1"/>
+          </p:cNvSpPr>
+          <p:nvPr/>
+        </p:nvSpPr>
+        <p:spPr bwMode="auto">
+          <a:xfrm>
+            <a:off x="8534400" y="4800600"/>
+            <a:ext cx="609600" cy="342900"/>
+          </a:xfrm>
+          <a:prstGeom prst="rightArrow">
+            <a:avLst>
+              <a:gd name="adj1" fmla="val 50000"/>
+              <a:gd name="adj2" fmla="val 33333"/>
+            </a:avLst>
+          </a:prstGeom>
+          <a:noFill/>
+          <a:ln w="19050">
+            <a:solidFill>
+              <a:srgbClr val="969696"/>
+            </a:solidFill>
+            <a:miter lim="800000"/>
+            <a:headEnd/>
+            <a:tailEnd/>
+          </a:ln>
+        </p:spPr>
+        <p:txBody>
+          <a:bodyPr wrap="none" anchor="ctr"/>
+          <a:lstStyle/>
+          <a:p>
+            <a:endParaRPr lang="en-CA"/>
+          </a:p>
+        </p:txBody>
+      </p:sp>
+    </p:spTree>
+    <p:extLst>
+      <p:ext uri="{BB962C8B-B14F-4D97-AF65-F5344CB8AC3E}">
+        <p14:creationId xmlns:p14="http://schemas.microsoft.com/office/powerpoint/2010/main" val="2092894145"/>
       </p:ext>
     </p:extLst>
   </p:cSld>

--- a/6044_FramPat/D2D/INFO_6044_Patterns (live document).pptx
+++ b/6044_FramPat/D2D/INFO_6044_Patterns (live document).pptx
@@ -5,7 +5,7 @@
     <p:sldMasterId id="2147483892" r:id="rId1"/>
   </p:sldMasterIdLst>
   <p:notesMasterIdLst>
-    <p:notesMasterId r:id="rId13"/>
+    <p:notesMasterId r:id="rId27"/>
   </p:notesMasterIdLst>
   <p:sldIdLst>
     <p:sldId id="256" r:id="rId2"/>
@@ -13,12 +13,26 @@
     <p:sldId id="323" r:id="rId4"/>
     <p:sldId id="324" r:id="rId5"/>
     <p:sldId id="325" r:id="rId6"/>
-    <p:sldId id="326" r:id="rId7"/>
-    <p:sldId id="327" r:id="rId8"/>
-    <p:sldId id="328" r:id="rId9"/>
-    <p:sldId id="330" r:id="rId10"/>
-    <p:sldId id="331" r:id="rId11"/>
-    <p:sldId id="329" r:id="rId12"/>
+    <p:sldId id="332" r:id="rId7"/>
+    <p:sldId id="333" r:id="rId8"/>
+    <p:sldId id="334" r:id="rId9"/>
+    <p:sldId id="326" r:id="rId10"/>
+    <p:sldId id="327" r:id="rId11"/>
+    <p:sldId id="328" r:id="rId12"/>
+    <p:sldId id="330" r:id="rId13"/>
+    <p:sldId id="331" r:id="rId14"/>
+    <p:sldId id="329" r:id="rId15"/>
+    <p:sldId id="335" r:id="rId16"/>
+    <p:sldId id="336" r:id="rId17"/>
+    <p:sldId id="337" r:id="rId18"/>
+    <p:sldId id="338" r:id="rId19"/>
+    <p:sldId id="339" r:id="rId20"/>
+    <p:sldId id="340" r:id="rId21"/>
+    <p:sldId id="341" r:id="rId22"/>
+    <p:sldId id="342" r:id="rId23"/>
+    <p:sldId id="343" r:id="rId24"/>
+    <p:sldId id="345" r:id="rId25"/>
+    <p:sldId id="346" r:id="rId26"/>
   </p:sldIdLst>
   <p:sldSz cx="9144000" cy="5143500" type="screen16x9"/>
   <p:notesSz cx="6858000" cy="9144000"/>
@@ -219,7 +233,7 @@
             <a:fld id="{3D3F9196-5FBD-45F8-86BD-A3D90AC79AC7}" type="datetimeFigureOut">
               <a:rPr lang="en-CA" smtClean="0"/>
               <a:pPr/>
-              <a:t>2024-10-28</a:t>
+              <a:t>2024-11-04</a:t>
             </a:fld>
             <a:endParaRPr lang="en-CA"/>
           </a:p>
@@ -520,7 +534,7 @@
             <a:fld id="{8F6BCBE8-30B0-4476-8762-9236B142003A}" type="datetimeFigureOut">
               <a:rPr lang="en-US" smtClean="0"/>
               <a:pPr/>
-              <a:t>10/28/2024</a:t>
+              <a:t>11/4/2024</a:t>
             </a:fld>
             <a:endParaRPr lang="en-US" sz="1100" dirty="0">
               <a:solidFill>
@@ -1217,7 +1231,7 @@
             <a:fld id="{8F6BCBE8-30B0-4476-8762-9236B142003A}" type="datetimeFigureOut">
               <a:rPr lang="en-US" smtClean="0"/>
               <a:pPr/>
-              <a:t>10/28/2024</a:t>
+              <a:t>11/4/2024</a:t>
             </a:fld>
             <a:endParaRPr lang="en-US" sz="1100" dirty="0">
               <a:solidFill>
@@ -1402,7 +1416,7 @@
             <a:fld id="{8F6BCBE8-30B0-4476-8762-9236B142003A}" type="datetimeFigureOut">
               <a:rPr lang="en-US" smtClean="0"/>
               <a:pPr/>
-              <a:t>10/28/2024</a:t>
+              <a:t>11/4/2024</a:t>
             </a:fld>
             <a:endParaRPr lang="en-US" sz="1100" dirty="0">
               <a:solidFill>
@@ -1577,7 +1591,7 @@
             <a:fld id="{8F6BCBE8-30B0-4476-8762-9236B142003A}" type="datetimeFigureOut">
               <a:rPr lang="en-US" smtClean="0"/>
               <a:pPr/>
-              <a:t>10/28/2024</a:t>
+              <a:t>11/4/2024</a:t>
             </a:fld>
             <a:endParaRPr lang="en-US" sz="1100" dirty="0">
               <a:solidFill>
@@ -3035,7 +3049,7 @@
             <a:fld id="{8F6BCBE8-30B0-4476-8762-9236B142003A}" type="datetimeFigureOut">
               <a:rPr lang="en-US" smtClean="0"/>
               <a:pPr/>
-              <a:t>10/28/2024</a:t>
+              <a:t>11/4/2024</a:t>
             </a:fld>
             <a:endParaRPr lang="en-US" sz="1100" dirty="0">
               <a:solidFill>
@@ -3624,7 +3638,7 @@
             <a:fld id="{8F6BCBE8-30B0-4476-8762-9236B142003A}" type="datetimeFigureOut">
               <a:rPr lang="en-US" smtClean="0"/>
               <a:pPr/>
-              <a:t>10/28/2024</a:t>
+              <a:t>11/4/2024</a:t>
             </a:fld>
             <a:endParaRPr lang="en-US" sz="1100" dirty="0">
               <a:solidFill>
@@ -4063,7 +4077,7 @@
             <a:fld id="{8F6BCBE8-30B0-4476-8762-9236B142003A}" type="datetimeFigureOut">
               <a:rPr lang="en-US" smtClean="0"/>
               <a:pPr/>
-              <a:t>10/28/2024</a:t>
+              <a:t>11/4/2024</a:t>
             </a:fld>
             <a:endParaRPr lang="en-US" sz="1100" dirty="0">
               <a:solidFill>
@@ -4610,7 +4624,7 @@
             <a:fld id="{8F6BCBE8-30B0-4476-8762-9236B142003A}" type="datetimeFigureOut">
               <a:rPr lang="en-US" smtClean="0"/>
               <a:pPr/>
-              <a:t>10/28/2024</a:t>
+              <a:t>11/4/2024</a:t>
             </a:fld>
             <a:endParaRPr lang="en-US" sz="1100" dirty="0">
               <a:solidFill>
@@ -4711,7 +4725,7 @@
             <a:fld id="{8F6BCBE8-30B0-4476-8762-9236B142003A}" type="datetimeFigureOut">
               <a:rPr lang="en-US" smtClean="0"/>
               <a:pPr/>
-              <a:t>10/28/2024</a:t>
+              <a:t>11/4/2024</a:t>
             </a:fld>
             <a:endParaRPr lang="en-US" sz="1100" dirty="0">
               <a:solidFill>
@@ -4969,7 +4983,7 @@
             <a:fld id="{8F6BCBE8-30B0-4476-8762-9236B142003A}" type="datetimeFigureOut">
               <a:rPr lang="en-US" smtClean="0"/>
               <a:pPr/>
-              <a:t>10/28/2024</a:t>
+              <a:t>11/4/2024</a:t>
             </a:fld>
             <a:endParaRPr lang="en-US" sz="1100" dirty="0">
               <a:solidFill>
@@ -5691,7 +5705,7 @@
             <a:fld id="{8F6BCBE8-30B0-4476-8762-9236B142003A}" type="datetimeFigureOut">
               <a:rPr lang="en-US" smtClean="0"/>
               <a:pPr/>
-              <a:t>10/28/2024</a:t>
+              <a:t>11/4/2024</a:t>
             </a:fld>
             <a:endParaRPr lang="en-US" sz="1100" dirty="0">
               <a:solidFill>
@@ -6347,7 +6361,7 @@
             <a:fld id="{8F6BCBE8-30B0-4476-8762-9236B142003A}" type="datetimeFigureOut">
               <a:rPr lang="en-US" smtClean="0"/>
               <a:pPr/>
-              <a:t>10/28/2024</a:t>
+              <a:t>11/4/2024</a:t>
             </a:fld>
             <a:endParaRPr lang="en-US" sz="1100" dirty="0">
               <a:solidFill>
@@ -6945,7 +6959,7 @@
           <a:p>
             <a:r>
               <a:rPr lang="en-CA" dirty="0"/>
-              <a:t>Builder: </a:t>
+              <a:t>Singleton</a:t>
             </a:r>
           </a:p>
         </p:txBody>
@@ -6968,57 +6982,110 @@
         </p:spPr>
         <p:txBody>
           <a:bodyPr>
-            <a:normAutofit lnSpcReduction="10000"/>
+            <a:normAutofit/>
           </a:bodyPr>
           <a:lstStyle/>
           <a:p>
             <a:pPr lvl="1"/>
             <a:r>
               <a:rPr lang="en-CA" dirty="0"/>
-              <a:t>Builders can often use factories to build/assemble things</a:t>
+              <a:t>Is private</a:t>
+            </a:r>
+          </a:p>
+          <a:p>
+            <a:pPr lvl="2"/>
+            <a:r>
+              <a:rPr lang="en-CA" sz="1800" dirty="0">
+                <a:solidFill>
+                  <a:srgbClr val="0000FF"/>
+                </a:solidFill>
+                <a:highlight>
+                  <a:srgbClr val="FFFFFF"/>
+                </a:highlight>
+                <a:latin typeface="Cascadia Mono" panose="020B0609020000020004" pitchFamily="49" charset="0"/>
+              </a:rPr>
+              <a:t>static</a:t>
+            </a:r>
+            <a:r>
+              <a:rPr lang="en-CA" sz="1800" dirty="0">
+                <a:solidFill>
+                  <a:srgbClr val="000000"/>
+                </a:solidFill>
+                <a:highlight>
+                  <a:srgbClr val="FFFFFF"/>
+                </a:highlight>
+                <a:latin typeface="Cascadia Mono" panose="020B0609020000020004" pitchFamily="49" charset="0"/>
+              </a:rPr>
+              <a:t> </a:t>
+            </a:r>
+            <a:r>
+              <a:rPr lang="en-CA" sz="1800" dirty="0" err="1">
+                <a:solidFill>
+                  <a:srgbClr val="2B91AF"/>
+                </a:solidFill>
+                <a:highlight>
+                  <a:srgbClr val="FFFFFF"/>
+                </a:highlight>
+                <a:latin typeface="Cascadia Mono" panose="020B0609020000020004" pitchFamily="49" charset="0"/>
+              </a:rPr>
+              <a:t>cTankFactory</a:t>
+            </a:r>
+            <a:r>
+              <a:rPr lang="en-CA" sz="1800" dirty="0">
+                <a:solidFill>
+                  <a:srgbClr val="000000"/>
+                </a:solidFill>
+                <a:highlight>
+                  <a:srgbClr val="FFFFFF"/>
+                </a:highlight>
+                <a:latin typeface="Cascadia Mono" panose="020B0609020000020004" pitchFamily="49" charset="0"/>
+              </a:rPr>
+              <a:t>* </a:t>
+            </a:r>
+            <a:r>
+              <a:rPr lang="en-CA" sz="1800" dirty="0" err="1">
+                <a:solidFill>
+                  <a:srgbClr val="000000"/>
+                </a:solidFill>
+                <a:highlight>
+                  <a:srgbClr val="FFFFFF"/>
+                </a:highlight>
+                <a:latin typeface="Cascadia Mono" panose="020B0609020000020004" pitchFamily="49" charset="0"/>
+              </a:rPr>
+              <a:t>m_pTheInstance</a:t>
+            </a:r>
+            <a:r>
+              <a:rPr lang="en-CA" sz="1800" dirty="0">
+                <a:solidFill>
+                  <a:srgbClr val="000000"/>
+                </a:solidFill>
+                <a:highlight>
+                  <a:srgbClr val="FFFFFF"/>
+                </a:highlight>
+                <a:latin typeface="Cascadia Mono" panose="020B0609020000020004" pitchFamily="49" charset="0"/>
+              </a:rPr>
+              <a:t>;</a:t>
             </a:r>
           </a:p>
           <a:p>
             <a:pPr lvl="1"/>
             <a:r>
               <a:rPr lang="en-CA" dirty="0"/>
-              <a:t>For example: Tank Builder:</a:t>
+              <a:t>Constructor is ALSO private</a:t>
             </a:r>
           </a:p>
           <a:p>
             <a:pPr lvl="2"/>
             <a:r>
               <a:rPr lang="en-CA" dirty="0"/>
-              <a:t>Uses the </a:t>
-            </a:r>
-            <a:r>
-              <a:rPr lang="en-CA" dirty="0" err="1"/>
-              <a:t>TankFactory</a:t>
-            </a:r>
+              <a:t>So you CAN’T create it externally</a:t>
+            </a:r>
+          </a:p>
+          <a:p>
+            <a:pPr lvl="1"/>
             <a:r>
               <a:rPr lang="en-CA" dirty="0"/>
-              <a:t> to get the “base” tank types</a:t>
-            </a:r>
-          </a:p>
-          <a:p>
-            <a:pPr lvl="2"/>
-            <a:r>
-              <a:rPr lang="en-CA" dirty="0"/>
-              <a:t>Adds the weapons to it (maybe using a “weapon factory”)</a:t>
-            </a:r>
-          </a:p>
-          <a:p>
-            <a:pPr lvl="2"/>
-            <a:r>
-              <a:rPr lang="en-CA" dirty="0"/>
-              <a:t>Adds meshes, colours, whatever to the specific tanks</a:t>
-            </a:r>
-          </a:p>
-          <a:p>
-            <a:pPr lvl="1"/>
-            <a:r>
-              <a:rPr lang="en-CA" dirty="0"/>
-              <a:t>Separating the construction of the item from the thing that wants it – in this case there isn’t a common interface class that you use</a:t>
+              <a:t>Add a static METHOD that checks to see if this instance is created and if not, it creates it, and return the one and only one instance</a:t>
             </a:r>
           </a:p>
         </p:txBody>
@@ -7063,7 +7130,7 @@
     </p:spTree>
     <p:extLst>
       <p:ext uri="{BB962C8B-B14F-4D97-AF65-F5344CB8AC3E}">
-        <p14:creationId xmlns:p14="http://schemas.microsoft.com/office/powerpoint/2010/main" val="2830601192"/>
+        <p14:creationId xmlns:p14="http://schemas.microsoft.com/office/powerpoint/2010/main" val="717353951"/>
       </p:ext>
     </p:extLst>
   </p:cSld>
@@ -7198,7 +7265,7 @@
           <a:p>
             <a:r>
               <a:rPr lang="en-CA" dirty="0"/>
-              <a:t>Mediator</a:t>
+              <a:t>Singleton</a:t>
             </a:r>
           </a:p>
         </p:txBody>
@@ -7221,21 +7288,49 @@
         </p:spPr>
         <p:txBody>
           <a:bodyPr>
-            <a:normAutofit/>
+            <a:normAutofit lnSpcReduction="10000"/>
           </a:bodyPr>
           <a:lstStyle/>
           <a:p>
             <a:pPr lvl="1"/>
             <a:r>
               <a:rPr lang="en-CA" dirty="0"/>
-              <a:t>A central “hub” (or mediator” that handles communication between different parts of the system that need to “know about” each other</a:t>
+              <a:t>To “create” the singleton, you call the static method that gets the object, then the method you actually want to call</a:t>
             </a:r>
           </a:p>
           <a:p>
             <a:pPr lvl="1"/>
             <a:r>
               <a:rPr lang="en-CA" dirty="0"/>
-              <a:t>Useful to avoid circular dependencies between things that need to know about each other.</a:t>
+              <a:t>Note: </a:t>
+            </a:r>
+          </a:p>
+          <a:p>
+            <a:pPr lvl="2"/>
+            <a:r>
+              <a:rPr lang="en-CA" dirty="0"/>
+              <a:t>Sort of fallen out of favour (in C++) because:</a:t>
+            </a:r>
+          </a:p>
+          <a:p>
+            <a:pPr lvl="2"/>
+            <a:r>
+              <a:rPr lang="en-CA" dirty="0"/>
+              <a:t>When do you call the destructor?</a:t>
+            </a:r>
+          </a:p>
+          <a:p>
+            <a:pPr lvl="2"/>
+            <a:r>
+              <a:rPr lang="en-CA" dirty="0"/>
+              <a:t>Often used in place of global variables (which I think is fine, but lots of people frown on this…)</a:t>
+            </a:r>
+          </a:p>
+          <a:p>
+            <a:pPr lvl="2"/>
+            <a:r>
+              <a:rPr lang="en-CA" dirty="0"/>
+              <a:t>Returns a pointer, not a stack or reference</a:t>
             </a:r>
           </a:p>
         </p:txBody>
@@ -7280,7 +7375,3178 @@
     </p:spTree>
     <p:extLst>
       <p:ext uri="{BB962C8B-B14F-4D97-AF65-F5344CB8AC3E}">
+        <p14:creationId xmlns:p14="http://schemas.microsoft.com/office/powerpoint/2010/main" val="3193405019"/>
+      </p:ext>
+    </p:extLst>
+  </p:cSld>
+  <p:clrMapOvr>
+    <a:masterClrMapping/>
+  </p:clrMapOvr>
+  <p:timing>
+    <p:tnLst>
+      <p:par>
+        <p:cTn id="1" dur="indefinite" restart="never" nodeType="tmRoot">
+          <p:childTnLst>
+            <p:seq concurrent="1" nextAc="seek">
+              <p:cTn id="2" dur="indefinite" nodeType="mainSeq">
+                <p:childTnLst>
+                  <p:par>
+                    <p:cTn id="3" fill="hold">
+                      <p:stCondLst>
+                        <p:cond delay="indefinite"/>
+                      </p:stCondLst>
+                      <p:childTnLst>
+                        <p:par>
+                          <p:cTn id="4" fill="hold">
+                            <p:stCondLst>
+                              <p:cond delay="0"/>
+                            </p:stCondLst>
+                            <p:childTnLst>
+                              <p:par>
+                                <p:cTn id="5" presetID="10" presetClass="entr" presetSubtype="0" fill="hold" grpId="0" nodeType="clickEffect">
+                                  <p:stCondLst>
+                                    <p:cond delay="0"/>
+                                  </p:stCondLst>
+                                  <p:childTnLst>
+                                    <p:set>
+                                      <p:cBhvr>
+                                        <p:cTn id="6" dur="1" fill="hold">
+                                          <p:stCondLst>
+                                            <p:cond delay="0"/>
+                                          </p:stCondLst>
+                                        </p:cTn>
+                                        <p:tgtEl>
+                                          <p:spTgt spid="4"/>
+                                        </p:tgtEl>
+                                        <p:attrNameLst>
+                                          <p:attrName>style.visibility</p:attrName>
+                                        </p:attrNameLst>
+                                      </p:cBhvr>
+                                      <p:to>
+                                        <p:strVal val="visible"/>
+                                      </p:to>
+                                    </p:set>
+                                    <p:animEffect transition="in" filter="fade">
+                                      <p:cBhvr>
+                                        <p:cTn id="7" dur="500"/>
+                                        <p:tgtEl>
+                                          <p:spTgt spid="4"/>
+                                        </p:tgtEl>
+                                      </p:cBhvr>
+                                    </p:animEffect>
+                                  </p:childTnLst>
+                                </p:cTn>
+                              </p:par>
+                            </p:childTnLst>
+                          </p:cTn>
+                        </p:par>
+                      </p:childTnLst>
+                    </p:cTn>
+                  </p:par>
+                </p:childTnLst>
+              </p:cTn>
+              <p:prevCondLst>
+                <p:cond evt="onPrev" delay="0">
+                  <p:tgtEl>
+                    <p:sldTgt/>
+                  </p:tgtEl>
+                </p:cond>
+              </p:prevCondLst>
+              <p:nextCondLst>
+                <p:cond evt="onNext" delay="0">
+                  <p:tgtEl>
+                    <p:sldTgt/>
+                  </p:tgtEl>
+                </p:cond>
+              </p:nextCondLst>
+            </p:seq>
+          </p:childTnLst>
+        </p:cTn>
+      </p:par>
+    </p:tnLst>
+    <p:bldLst>
+      <p:bldP spid="4" grpId="0" animBg="1"/>
+    </p:bldLst>
+  </p:timing>
+</p:sld>
+</file>
+
+<file path=ppt/slides/slide12.xml><?xml version="1.0" encoding="utf-8"?>
+<p:sld xmlns:a="http://schemas.openxmlformats.org/drawingml/2006/main" xmlns:r="http://schemas.openxmlformats.org/officeDocument/2006/relationships" xmlns:p="http://schemas.openxmlformats.org/presentationml/2006/main">
+  <p:cSld>
+    <p:spTree>
+      <p:nvGrpSpPr>
+        <p:cNvPr id="1" name=""/>
+        <p:cNvGrpSpPr/>
+        <p:nvPr/>
+      </p:nvGrpSpPr>
+      <p:grpSpPr>
+        <a:xfrm>
+          <a:off x="0" y="0"/>
+          <a:ext cx="0" cy="0"/>
+          <a:chOff x="0" y="0"/>
+          <a:chExt cx="0" cy="0"/>
+        </a:xfrm>
+      </p:grpSpPr>
+      <p:sp>
+        <p:nvSpPr>
+          <p:cNvPr id="2" name="Title 1"/>
+          <p:cNvSpPr>
+            <a:spLocks noGrp="1"/>
+          </p:cNvSpPr>
+          <p:nvPr>
+            <p:ph type="title"/>
+          </p:nvPr>
+        </p:nvSpPr>
+        <p:spPr>
+          <a:xfrm>
+            <a:off x="914400" y="384048"/>
+            <a:ext cx="7772400" cy="968502"/>
+          </a:xfrm>
+        </p:spPr>
+        <p:txBody>
+          <a:bodyPr/>
+          <a:lstStyle/>
+          <a:p>
+            <a:r>
+              <a:rPr lang="en-CA" dirty="0"/>
+              <a:t>Builder: </a:t>
+            </a:r>
+          </a:p>
+        </p:txBody>
+      </p:sp>
+      <p:sp>
+        <p:nvSpPr>
+          <p:cNvPr id="3" name="Content Placeholder 2"/>
+          <p:cNvSpPr>
+            <a:spLocks noGrp="1"/>
+          </p:cNvSpPr>
+          <p:nvPr>
+            <p:ph idx="1"/>
+          </p:nvPr>
+        </p:nvSpPr>
+        <p:spPr>
+          <a:xfrm>
+            <a:off x="304800" y="1428750"/>
+            <a:ext cx="8839200" cy="3337920"/>
+          </a:xfrm>
+        </p:spPr>
+        <p:txBody>
+          <a:bodyPr>
+            <a:normAutofit/>
+          </a:bodyPr>
+          <a:lstStyle/>
+          <a:p>
+            <a:pPr lvl="1"/>
+            <a:r>
+              <a:rPr lang="en-CA" dirty="0"/>
+              <a:t>Sort of like an abstract factory in that it’s a “creation pattern”, but doesn’t necessarily need a common interface like the factory does. </a:t>
+            </a:r>
+          </a:p>
+          <a:p>
+            <a:pPr lvl="1"/>
+            <a:r>
+              <a:rPr lang="en-CA" dirty="0"/>
+              <a:t>Variations are “decorators”, etc. (later…)</a:t>
+            </a:r>
+          </a:p>
+          <a:p>
+            <a:pPr lvl="1"/>
+            <a:r>
+              <a:rPr lang="en-CA" dirty="0"/>
+              <a:t>Sets data types or assembles things that aren’t common between all objects</a:t>
+            </a:r>
+          </a:p>
+        </p:txBody>
+      </p:sp>
+      <p:sp>
+        <p:nvSpPr>
+          <p:cNvPr id="4" name="AutoShape 6"/>
+          <p:cNvSpPr>
+            <a:spLocks noChangeArrowheads="1"/>
+          </p:cNvSpPr>
+          <p:nvPr/>
+        </p:nvSpPr>
+        <p:spPr bwMode="auto">
+          <a:xfrm>
+            <a:off x="8534400" y="4800600"/>
+            <a:ext cx="609600" cy="342900"/>
+          </a:xfrm>
+          <a:prstGeom prst="rightArrow">
+            <a:avLst>
+              <a:gd name="adj1" fmla="val 50000"/>
+              <a:gd name="adj2" fmla="val 33333"/>
+            </a:avLst>
+          </a:prstGeom>
+          <a:noFill/>
+          <a:ln w="19050">
+            <a:solidFill>
+              <a:srgbClr val="969696"/>
+            </a:solidFill>
+            <a:miter lim="800000"/>
+            <a:headEnd/>
+            <a:tailEnd/>
+          </a:ln>
+        </p:spPr>
+        <p:txBody>
+          <a:bodyPr wrap="none" anchor="ctr"/>
+          <a:lstStyle/>
+          <a:p>
+            <a:endParaRPr lang="en-CA"/>
+          </a:p>
+        </p:txBody>
+      </p:sp>
+    </p:spTree>
+    <p:extLst>
+      <p:ext uri="{BB962C8B-B14F-4D97-AF65-F5344CB8AC3E}">
+        <p14:creationId xmlns:p14="http://schemas.microsoft.com/office/powerpoint/2010/main" val="2092894145"/>
+      </p:ext>
+    </p:extLst>
+  </p:cSld>
+  <p:clrMapOvr>
+    <a:masterClrMapping/>
+  </p:clrMapOvr>
+  <p:timing>
+    <p:tnLst>
+      <p:par>
+        <p:cTn id="1" dur="indefinite" restart="never" nodeType="tmRoot">
+          <p:childTnLst>
+            <p:seq concurrent="1" nextAc="seek">
+              <p:cTn id="2" dur="indefinite" nodeType="mainSeq">
+                <p:childTnLst>
+                  <p:par>
+                    <p:cTn id="3" fill="hold">
+                      <p:stCondLst>
+                        <p:cond delay="indefinite"/>
+                      </p:stCondLst>
+                      <p:childTnLst>
+                        <p:par>
+                          <p:cTn id="4" fill="hold">
+                            <p:stCondLst>
+                              <p:cond delay="0"/>
+                            </p:stCondLst>
+                            <p:childTnLst>
+                              <p:par>
+                                <p:cTn id="5" presetID="10" presetClass="entr" presetSubtype="0" fill="hold" grpId="0" nodeType="clickEffect">
+                                  <p:stCondLst>
+                                    <p:cond delay="0"/>
+                                  </p:stCondLst>
+                                  <p:childTnLst>
+                                    <p:set>
+                                      <p:cBhvr>
+                                        <p:cTn id="6" dur="1" fill="hold">
+                                          <p:stCondLst>
+                                            <p:cond delay="0"/>
+                                          </p:stCondLst>
+                                        </p:cTn>
+                                        <p:tgtEl>
+                                          <p:spTgt spid="4"/>
+                                        </p:tgtEl>
+                                        <p:attrNameLst>
+                                          <p:attrName>style.visibility</p:attrName>
+                                        </p:attrNameLst>
+                                      </p:cBhvr>
+                                      <p:to>
+                                        <p:strVal val="visible"/>
+                                      </p:to>
+                                    </p:set>
+                                    <p:animEffect transition="in" filter="fade">
+                                      <p:cBhvr>
+                                        <p:cTn id="7" dur="500"/>
+                                        <p:tgtEl>
+                                          <p:spTgt spid="4"/>
+                                        </p:tgtEl>
+                                      </p:cBhvr>
+                                    </p:animEffect>
+                                  </p:childTnLst>
+                                </p:cTn>
+                              </p:par>
+                            </p:childTnLst>
+                          </p:cTn>
+                        </p:par>
+                      </p:childTnLst>
+                    </p:cTn>
+                  </p:par>
+                </p:childTnLst>
+              </p:cTn>
+              <p:prevCondLst>
+                <p:cond evt="onPrev" delay="0">
+                  <p:tgtEl>
+                    <p:sldTgt/>
+                  </p:tgtEl>
+                </p:cond>
+              </p:prevCondLst>
+              <p:nextCondLst>
+                <p:cond evt="onNext" delay="0">
+                  <p:tgtEl>
+                    <p:sldTgt/>
+                  </p:tgtEl>
+                </p:cond>
+              </p:nextCondLst>
+            </p:seq>
+          </p:childTnLst>
+        </p:cTn>
+      </p:par>
+    </p:tnLst>
+    <p:bldLst>
+      <p:bldP spid="4" grpId="0" animBg="1"/>
+    </p:bldLst>
+  </p:timing>
+</p:sld>
+</file>
+
+<file path=ppt/slides/slide13.xml><?xml version="1.0" encoding="utf-8"?>
+<p:sld xmlns:a="http://schemas.openxmlformats.org/drawingml/2006/main" xmlns:r="http://schemas.openxmlformats.org/officeDocument/2006/relationships" xmlns:p="http://schemas.openxmlformats.org/presentationml/2006/main">
+  <p:cSld>
+    <p:spTree>
+      <p:nvGrpSpPr>
+        <p:cNvPr id="1" name=""/>
+        <p:cNvGrpSpPr/>
+        <p:nvPr/>
+      </p:nvGrpSpPr>
+      <p:grpSpPr>
+        <a:xfrm>
+          <a:off x="0" y="0"/>
+          <a:ext cx="0" cy="0"/>
+          <a:chOff x="0" y="0"/>
+          <a:chExt cx="0" cy="0"/>
+        </a:xfrm>
+      </p:grpSpPr>
+      <p:sp>
+        <p:nvSpPr>
+          <p:cNvPr id="2" name="Title 1"/>
+          <p:cNvSpPr>
+            <a:spLocks noGrp="1"/>
+          </p:cNvSpPr>
+          <p:nvPr>
+            <p:ph type="title"/>
+          </p:nvPr>
+        </p:nvSpPr>
+        <p:spPr>
+          <a:xfrm>
+            <a:off x="914400" y="384048"/>
+            <a:ext cx="7772400" cy="968502"/>
+          </a:xfrm>
+        </p:spPr>
+        <p:txBody>
+          <a:bodyPr/>
+          <a:lstStyle/>
+          <a:p>
+            <a:r>
+              <a:rPr lang="en-CA" dirty="0"/>
+              <a:t>Builder: </a:t>
+            </a:r>
+          </a:p>
+        </p:txBody>
+      </p:sp>
+      <p:sp>
+        <p:nvSpPr>
+          <p:cNvPr id="3" name="Content Placeholder 2"/>
+          <p:cNvSpPr>
+            <a:spLocks noGrp="1"/>
+          </p:cNvSpPr>
+          <p:nvPr>
+            <p:ph idx="1"/>
+          </p:nvPr>
+        </p:nvSpPr>
+        <p:spPr>
+          <a:xfrm>
+            <a:off x="304800" y="1428750"/>
+            <a:ext cx="8839200" cy="3337920"/>
+          </a:xfrm>
+        </p:spPr>
+        <p:txBody>
+          <a:bodyPr>
+            <a:normAutofit lnSpcReduction="10000"/>
+          </a:bodyPr>
+          <a:lstStyle/>
+          <a:p>
+            <a:pPr lvl="1"/>
+            <a:r>
+              <a:rPr lang="en-CA" dirty="0"/>
+              <a:t>Builders can often use factories to build/assemble things</a:t>
+            </a:r>
+          </a:p>
+          <a:p>
+            <a:pPr lvl="1"/>
+            <a:r>
+              <a:rPr lang="en-CA" dirty="0"/>
+              <a:t>For example: Tank Builder:</a:t>
+            </a:r>
+          </a:p>
+          <a:p>
+            <a:pPr lvl="2"/>
+            <a:r>
+              <a:rPr lang="en-CA" dirty="0"/>
+              <a:t>Uses the </a:t>
+            </a:r>
+            <a:r>
+              <a:rPr lang="en-CA" dirty="0" err="1"/>
+              <a:t>TankFactory</a:t>
+            </a:r>
+            <a:r>
+              <a:rPr lang="en-CA" dirty="0"/>
+              <a:t> to get the “base” tank types</a:t>
+            </a:r>
+          </a:p>
+          <a:p>
+            <a:pPr lvl="2"/>
+            <a:r>
+              <a:rPr lang="en-CA" dirty="0"/>
+              <a:t>Adds the weapons to it (maybe using a “weapon factory”)</a:t>
+            </a:r>
+          </a:p>
+          <a:p>
+            <a:pPr lvl="2"/>
+            <a:r>
+              <a:rPr lang="en-CA" dirty="0"/>
+              <a:t>Adds meshes, colours, whatever to the specific tanks</a:t>
+            </a:r>
+          </a:p>
+          <a:p>
+            <a:pPr lvl="1"/>
+            <a:r>
+              <a:rPr lang="en-CA" dirty="0"/>
+              <a:t>Separating the construction of the item from the thing that wants it – in this case there isn’t a common interface class that you use</a:t>
+            </a:r>
+          </a:p>
+        </p:txBody>
+      </p:sp>
+      <p:sp>
+        <p:nvSpPr>
+          <p:cNvPr id="4" name="AutoShape 6"/>
+          <p:cNvSpPr>
+            <a:spLocks noChangeArrowheads="1"/>
+          </p:cNvSpPr>
+          <p:nvPr/>
+        </p:nvSpPr>
+        <p:spPr bwMode="auto">
+          <a:xfrm>
+            <a:off x="8534400" y="4800600"/>
+            <a:ext cx="609600" cy="342900"/>
+          </a:xfrm>
+          <a:prstGeom prst="rightArrow">
+            <a:avLst>
+              <a:gd name="adj1" fmla="val 50000"/>
+              <a:gd name="adj2" fmla="val 33333"/>
+            </a:avLst>
+          </a:prstGeom>
+          <a:noFill/>
+          <a:ln w="19050">
+            <a:solidFill>
+              <a:srgbClr val="969696"/>
+            </a:solidFill>
+            <a:miter lim="800000"/>
+            <a:headEnd/>
+            <a:tailEnd/>
+          </a:ln>
+        </p:spPr>
+        <p:txBody>
+          <a:bodyPr wrap="none" anchor="ctr"/>
+          <a:lstStyle/>
+          <a:p>
+            <a:endParaRPr lang="en-CA"/>
+          </a:p>
+        </p:txBody>
+      </p:sp>
+    </p:spTree>
+    <p:extLst>
+      <p:ext uri="{BB962C8B-B14F-4D97-AF65-F5344CB8AC3E}">
+        <p14:creationId xmlns:p14="http://schemas.microsoft.com/office/powerpoint/2010/main" val="2830601192"/>
+      </p:ext>
+    </p:extLst>
+  </p:cSld>
+  <p:clrMapOvr>
+    <a:masterClrMapping/>
+  </p:clrMapOvr>
+  <p:timing>
+    <p:tnLst>
+      <p:par>
+        <p:cTn id="1" dur="indefinite" restart="never" nodeType="tmRoot">
+          <p:childTnLst>
+            <p:seq concurrent="1" nextAc="seek">
+              <p:cTn id="2" dur="indefinite" nodeType="mainSeq">
+                <p:childTnLst>
+                  <p:par>
+                    <p:cTn id="3" fill="hold">
+                      <p:stCondLst>
+                        <p:cond delay="indefinite"/>
+                      </p:stCondLst>
+                      <p:childTnLst>
+                        <p:par>
+                          <p:cTn id="4" fill="hold">
+                            <p:stCondLst>
+                              <p:cond delay="0"/>
+                            </p:stCondLst>
+                            <p:childTnLst>
+                              <p:par>
+                                <p:cTn id="5" presetID="10" presetClass="entr" presetSubtype="0" fill="hold" grpId="0" nodeType="clickEffect">
+                                  <p:stCondLst>
+                                    <p:cond delay="0"/>
+                                  </p:stCondLst>
+                                  <p:childTnLst>
+                                    <p:set>
+                                      <p:cBhvr>
+                                        <p:cTn id="6" dur="1" fill="hold">
+                                          <p:stCondLst>
+                                            <p:cond delay="0"/>
+                                          </p:stCondLst>
+                                        </p:cTn>
+                                        <p:tgtEl>
+                                          <p:spTgt spid="4"/>
+                                        </p:tgtEl>
+                                        <p:attrNameLst>
+                                          <p:attrName>style.visibility</p:attrName>
+                                        </p:attrNameLst>
+                                      </p:cBhvr>
+                                      <p:to>
+                                        <p:strVal val="visible"/>
+                                      </p:to>
+                                    </p:set>
+                                    <p:animEffect transition="in" filter="fade">
+                                      <p:cBhvr>
+                                        <p:cTn id="7" dur="500"/>
+                                        <p:tgtEl>
+                                          <p:spTgt spid="4"/>
+                                        </p:tgtEl>
+                                      </p:cBhvr>
+                                    </p:animEffect>
+                                  </p:childTnLst>
+                                </p:cTn>
+                              </p:par>
+                            </p:childTnLst>
+                          </p:cTn>
+                        </p:par>
+                      </p:childTnLst>
+                    </p:cTn>
+                  </p:par>
+                </p:childTnLst>
+              </p:cTn>
+              <p:prevCondLst>
+                <p:cond evt="onPrev" delay="0">
+                  <p:tgtEl>
+                    <p:sldTgt/>
+                  </p:tgtEl>
+                </p:cond>
+              </p:prevCondLst>
+              <p:nextCondLst>
+                <p:cond evt="onNext" delay="0">
+                  <p:tgtEl>
+                    <p:sldTgt/>
+                  </p:tgtEl>
+                </p:cond>
+              </p:nextCondLst>
+            </p:seq>
+          </p:childTnLst>
+        </p:cTn>
+      </p:par>
+    </p:tnLst>
+    <p:bldLst>
+      <p:bldP spid="4" grpId="0" animBg="1"/>
+    </p:bldLst>
+  </p:timing>
+</p:sld>
+</file>
+
+<file path=ppt/slides/slide14.xml><?xml version="1.0" encoding="utf-8"?>
+<p:sld xmlns:a="http://schemas.openxmlformats.org/drawingml/2006/main" xmlns:r="http://schemas.openxmlformats.org/officeDocument/2006/relationships" xmlns:p="http://schemas.openxmlformats.org/presentationml/2006/main">
+  <p:cSld>
+    <p:spTree>
+      <p:nvGrpSpPr>
+        <p:cNvPr id="1" name=""/>
+        <p:cNvGrpSpPr/>
+        <p:nvPr/>
+      </p:nvGrpSpPr>
+      <p:grpSpPr>
+        <a:xfrm>
+          <a:off x="0" y="0"/>
+          <a:ext cx="0" cy="0"/>
+          <a:chOff x="0" y="0"/>
+          <a:chExt cx="0" cy="0"/>
+        </a:xfrm>
+      </p:grpSpPr>
+      <p:sp>
+        <p:nvSpPr>
+          <p:cNvPr id="2" name="Title 1"/>
+          <p:cNvSpPr>
+            <a:spLocks noGrp="1"/>
+          </p:cNvSpPr>
+          <p:nvPr>
+            <p:ph type="title"/>
+          </p:nvPr>
+        </p:nvSpPr>
+        <p:spPr>
+          <a:xfrm>
+            <a:off x="914400" y="384048"/>
+            <a:ext cx="7772400" cy="968502"/>
+          </a:xfrm>
+        </p:spPr>
+        <p:txBody>
+          <a:bodyPr/>
+          <a:lstStyle/>
+          <a:p>
+            <a:r>
+              <a:rPr lang="en-CA" dirty="0"/>
+              <a:t>Mediator</a:t>
+            </a:r>
+          </a:p>
+        </p:txBody>
+      </p:sp>
+      <p:sp>
+        <p:nvSpPr>
+          <p:cNvPr id="3" name="Content Placeholder 2"/>
+          <p:cNvSpPr>
+            <a:spLocks noGrp="1"/>
+          </p:cNvSpPr>
+          <p:nvPr>
+            <p:ph idx="1"/>
+          </p:nvPr>
+        </p:nvSpPr>
+        <p:spPr>
+          <a:xfrm>
+            <a:off x="304800" y="1428750"/>
+            <a:ext cx="8839200" cy="3337920"/>
+          </a:xfrm>
+        </p:spPr>
+        <p:txBody>
+          <a:bodyPr>
+            <a:normAutofit/>
+          </a:bodyPr>
+          <a:lstStyle/>
+          <a:p>
+            <a:pPr lvl="1"/>
+            <a:r>
+              <a:rPr lang="en-CA" dirty="0"/>
+              <a:t>A central “hub” (or mediator” that handles communication between different parts of the system that need to “know about” each other</a:t>
+            </a:r>
+          </a:p>
+          <a:p>
+            <a:pPr lvl="1"/>
+            <a:r>
+              <a:rPr lang="en-CA" dirty="0"/>
+              <a:t>Useful to avoid circular dependencies between things that need to know about each other.</a:t>
+            </a:r>
+          </a:p>
+        </p:txBody>
+      </p:sp>
+      <p:sp>
+        <p:nvSpPr>
+          <p:cNvPr id="4" name="AutoShape 6"/>
+          <p:cNvSpPr>
+            <a:spLocks noChangeArrowheads="1"/>
+          </p:cNvSpPr>
+          <p:nvPr/>
+        </p:nvSpPr>
+        <p:spPr bwMode="auto">
+          <a:xfrm>
+            <a:off x="8534400" y="4800600"/>
+            <a:ext cx="609600" cy="342900"/>
+          </a:xfrm>
+          <a:prstGeom prst="rightArrow">
+            <a:avLst>
+              <a:gd name="adj1" fmla="val 50000"/>
+              <a:gd name="adj2" fmla="val 33333"/>
+            </a:avLst>
+          </a:prstGeom>
+          <a:noFill/>
+          <a:ln w="19050">
+            <a:solidFill>
+              <a:srgbClr val="969696"/>
+            </a:solidFill>
+            <a:miter lim="800000"/>
+            <a:headEnd/>
+            <a:tailEnd/>
+          </a:ln>
+        </p:spPr>
+        <p:txBody>
+          <a:bodyPr wrap="none" anchor="ctr"/>
+          <a:lstStyle/>
+          <a:p>
+            <a:endParaRPr lang="en-CA"/>
+          </a:p>
+        </p:txBody>
+      </p:sp>
+    </p:spTree>
+    <p:extLst>
+      <p:ext uri="{BB962C8B-B14F-4D97-AF65-F5344CB8AC3E}">
         <p14:creationId xmlns:p14="http://schemas.microsoft.com/office/powerpoint/2010/main" val="3670330532"/>
+      </p:ext>
+    </p:extLst>
+  </p:cSld>
+  <p:clrMapOvr>
+    <a:masterClrMapping/>
+  </p:clrMapOvr>
+  <p:timing>
+    <p:tnLst>
+      <p:par>
+        <p:cTn id="1" dur="indefinite" restart="never" nodeType="tmRoot">
+          <p:childTnLst>
+            <p:seq concurrent="1" nextAc="seek">
+              <p:cTn id="2" dur="indefinite" nodeType="mainSeq">
+                <p:childTnLst>
+                  <p:par>
+                    <p:cTn id="3" fill="hold">
+                      <p:stCondLst>
+                        <p:cond delay="indefinite"/>
+                      </p:stCondLst>
+                      <p:childTnLst>
+                        <p:par>
+                          <p:cTn id="4" fill="hold">
+                            <p:stCondLst>
+                              <p:cond delay="0"/>
+                            </p:stCondLst>
+                            <p:childTnLst>
+                              <p:par>
+                                <p:cTn id="5" presetID="10" presetClass="entr" presetSubtype="0" fill="hold" grpId="0" nodeType="clickEffect">
+                                  <p:stCondLst>
+                                    <p:cond delay="0"/>
+                                  </p:stCondLst>
+                                  <p:childTnLst>
+                                    <p:set>
+                                      <p:cBhvr>
+                                        <p:cTn id="6" dur="1" fill="hold">
+                                          <p:stCondLst>
+                                            <p:cond delay="0"/>
+                                          </p:stCondLst>
+                                        </p:cTn>
+                                        <p:tgtEl>
+                                          <p:spTgt spid="4"/>
+                                        </p:tgtEl>
+                                        <p:attrNameLst>
+                                          <p:attrName>style.visibility</p:attrName>
+                                        </p:attrNameLst>
+                                      </p:cBhvr>
+                                      <p:to>
+                                        <p:strVal val="visible"/>
+                                      </p:to>
+                                    </p:set>
+                                    <p:animEffect transition="in" filter="fade">
+                                      <p:cBhvr>
+                                        <p:cTn id="7" dur="500"/>
+                                        <p:tgtEl>
+                                          <p:spTgt spid="4"/>
+                                        </p:tgtEl>
+                                      </p:cBhvr>
+                                    </p:animEffect>
+                                  </p:childTnLst>
+                                </p:cTn>
+                              </p:par>
+                            </p:childTnLst>
+                          </p:cTn>
+                        </p:par>
+                      </p:childTnLst>
+                    </p:cTn>
+                  </p:par>
+                </p:childTnLst>
+              </p:cTn>
+              <p:prevCondLst>
+                <p:cond evt="onPrev" delay="0">
+                  <p:tgtEl>
+                    <p:sldTgt/>
+                  </p:tgtEl>
+                </p:cond>
+              </p:prevCondLst>
+              <p:nextCondLst>
+                <p:cond evt="onNext" delay="0">
+                  <p:tgtEl>
+                    <p:sldTgt/>
+                  </p:tgtEl>
+                </p:cond>
+              </p:nextCondLst>
+            </p:seq>
+          </p:childTnLst>
+        </p:cTn>
+      </p:par>
+    </p:tnLst>
+    <p:bldLst>
+      <p:bldP spid="4" grpId="0" animBg="1"/>
+    </p:bldLst>
+  </p:timing>
+</p:sld>
+</file>
+
+<file path=ppt/slides/slide15.xml><?xml version="1.0" encoding="utf-8"?>
+<p:sld xmlns:a="http://schemas.openxmlformats.org/drawingml/2006/main" xmlns:r="http://schemas.openxmlformats.org/officeDocument/2006/relationships" xmlns:p="http://schemas.openxmlformats.org/presentationml/2006/main">
+  <p:cSld>
+    <p:spTree>
+      <p:nvGrpSpPr>
+        <p:cNvPr id="1" name=""/>
+        <p:cNvGrpSpPr/>
+        <p:nvPr/>
+      </p:nvGrpSpPr>
+      <p:grpSpPr>
+        <a:xfrm>
+          <a:off x="0" y="0"/>
+          <a:ext cx="0" cy="0"/>
+          <a:chOff x="0" y="0"/>
+          <a:chExt cx="0" cy="0"/>
+        </a:xfrm>
+      </p:grpSpPr>
+      <p:sp>
+        <p:nvSpPr>
+          <p:cNvPr id="2" name="Title 1"/>
+          <p:cNvSpPr>
+            <a:spLocks noGrp="1"/>
+          </p:cNvSpPr>
+          <p:nvPr>
+            <p:ph type="title"/>
+          </p:nvPr>
+        </p:nvSpPr>
+        <p:spPr>
+          <a:xfrm>
+            <a:off x="914400" y="384048"/>
+            <a:ext cx="7772400" cy="968502"/>
+          </a:xfrm>
+        </p:spPr>
+        <p:txBody>
+          <a:bodyPr/>
+          <a:lstStyle/>
+          <a:p>
+            <a:r>
+              <a:rPr lang="en-CA" dirty="0"/>
+              <a:t>Cyclical dependency</a:t>
+            </a:r>
+          </a:p>
+        </p:txBody>
+      </p:sp>
+      <p:sp>
+        <p:nvSpPr>
+          <p:cNvPr id="4" name="AutoShape 6"/>
+          <p:cNvSpPr>
+            <a:spLocks noChangeArrowheads="1"/>
+          </p:cNvSpPr>
+          <p:nvPr/>
+        </p:nvSpPr>
+        <p:spPr bwMode="auto">
+          <a:xfrm>
+            <a:off x="8534400" y="4800600"/>
+            <a:ext cx="609600" cy="342900"/>
+          </a:xfrm>
+          <a:prstGeom prst="rightArrow">
+            <a:avLst>
+              <a:gd name="adj1" fmla="val 50000"/>
+              <a:gd name="adj2" fmla="val 33333"/>
+            </a:avLst>
+          </a:prstGeom>
+          <a:noFill/>
+          <a:ln w="19050">
+            <a:solidFill>
+              <a:srgbClr val="969696"/>
+            </a:solidFill>
+            <a:miter lim="800000"/>
+            <a:headEnd/>
+            <a:tailEnd/>
+          </a:ln>
+        </p:spPr>
+        <p:txBody>
+          <a:bodyPr wrap="none" anchor="ctr"/>
+          <a:lstStyle/>
+          <a:p>
+            <a:endParaRPr lang="en-CA"/>
+          </a:p>
+        </p:txBody>
+      </p:sp>
+      <p:sp>
+        <p:nvSpPr>
+          <p:cNvPr id="7" name="Rectangle: Rounded Corners 6">
+            <a:extLst>
+              <a:ext uri="{FF2B5EF4-FFF2-40B4-BE49-F238E27FC236}">
+                <a16:creationId xmlns:a16="http://schemas.microsoft.com/office/drawing/2014/main" id="{AAC0487A-4AC2-4A8B-CD75-FAE65761D7F7}"/>
+              </a:ext>
+            </a:extLst>
+          </p:cNvPr>
+          <p:cNvSpPr/>
+          <p:nvPr/>
+        </p:nvSpPr>
+        <p:spPr>
+          <a:xfrm>
+            <a:off x="914400" y="1352550"/>
+            <a:ext cx="1676400" cy="762000"/>
+          </a:xfrm>
+          <a:prstGeom prst="roundRect">
+            <a:avLst/>
+          </a:prstGeom>
+        </p:spPr>
+        <p:style>
+          <a:lnRef idx="2">
+            <a:schemeClr val="accent1">
+              <a:shade val="15000"/>
+            </a:schemeClr>
+          </a:lnRef>
+          <a:fillRef idx="1">
+            <a:schemeClr val="accent1"/>
+          </a:fillRef>
+          <a:effectRef idx="0">
+            <a:schemeClr val="accent1"/>
+          </a:effectRef>
+          <a:fontRef idx="minor">
+            <a:schemeClr val="lt1"/>
+          </a:fontRef>
+        </p:style>
+        <p:txBody>
+          <a:bodyPr rtlCol="0" anchor="ctr"/>
+          <a:lstStyle/>
+          <a:p>
+            <a:pPr algn="ctr"/>
+            <a:r>
+              <a:rPr lang="en-CA" dirty="0">
+                <a:solidFill>
+                  <a:schemeClr val="bg1"/>
+                </a:solidFill>
+              </a:rPr>
+              <a:t>Monster</a:t>
+            </a:r>
+          </a:p>
+        </p:txBody>
+      </p:sp>
+      <p:sp>
+        <p:nvSpPr>
+          <p:cNvPr id="9" name="Rectangle: Rounded Corners 8">
+            <a:extLst>
+              <a:ext uri="{FF2B5EF4-FFF2-40B4-BE49-F238E27FC236}">
+                <a16:creationId xmlns:a16="http://schemas.microsoft.com/office/drawing/2014/main" id="{D5718CE4-7D0E-22F1-5C17-B7D417D8150E}"/>
+              </a:ext>
+            </a:extLst>
+          </p:cNvPr>
+          <p:cNvSpPr/>
+          <p:nvPr/>
+        </p:nvSpPr>
+        <p:spPr>
+          <a:xfrm>
+            <a:off x="5638800" y="1352550"/>
+            <a:ext cx="1676400" cy="762000"/>
+          </a:xfrm>
+          <a:prstGeom prst="roundRect">
+            <a:avLst/>
+          </a:prstGeom>
+          <a:solidFill>
+            <a:srgbClr val="FFC000"/>
+          </a:solidFill>
+        </p:spPr>
+        <p:style>
+          <a:lnRef idx="2">
+            <a:schemeClr val="accent1">
+              <a:shade val="15000"/>
+            </a:schemeClr>
+          </a:lnRef>
+          <a:fillRef idx="1">
+            <a:schemeClr val="accent1"/>
+          </a:fillRef>
+          <a:effectRef idx="0">
+            <a:schemeClr val="accent1"/>
+          </a:effectRef>
+          <a:fontRef idx="minor">
+            <a:schemeClr val="lt1"/>
+          </a:fontRef>
+        </p:style>
+        <p:txBody>
+          <a:bodyPr rtlCol="0" anchor="ctr"/>
+          <a:lstStyle/>
+          <a:p>
+            <a:pPr algn="ctr"/>
+            <a:r>
+              <a:rPr lang="en-CA" dirty="0">
+                <a:solidFill>
+                  <a:schemeClr val="bg1"/>
+                </a:solidFill>
+              </a:rPr>
+              <a:t>Sword</a:t>
+            </a:r>
+          </a:p>
+        </p:txBody>
+      </p:sp>
+      <p:cxnSp>
+        <p:nvCxnSpPr>
+          <p:cNvPr id="11" name="Straight Arrow Connector 10">
+            <a:extLst>
+              <a:ext uri="{FF2B5EF4-FFF2-40B4-BE49-F238E27FC236}">
+                <a16:creationId xmlns:a16="http://schemas.microsoft.com/office/drawing/2014/main" id="{F054C6B5-CBD3-26B5-8BC9-7FDE240AEE84}"/>
+              </a:ext>
+            </a:extLst>
+          </p:cNvPr>
+          <p:cNvCxnSpPr>
+            <a:stCxn id="7" idx="3"/>
+            <a:endCxn id="9" idx="1"/>
+          </p:cNvCxnSpPr>
+          <p:nvPr/>
+        </p:nvCxnSpPr>
+        <p:spPr>
+          <a:xfrm>
+            <a:off x="2590800" y="1733550"/>
+            <a:ext cx="3048000" cy="0"/>
+          </a:xfrm>
+          <a:prstGeom prst="straightConnector1">
+            <a:avLst/>
+          </a:prstGeom>
+          <a:ln w="50800">
+            <a:tailEnd type="triangle" w="lg" len="lg"/>
+          </a:ln>
+        </p:spPr>
+        <p:style>
+          <a:lnRef idx="1">
+            <a:schemeClr val="accent1"/>
+          </a:lnRef>
+          <a:fillRef idx="0">
+            <a:schemeClr val="accent1"/>
+          </a:fillRef>
+          <a:effectRef idx="0">
+            <a:schemeClr val="accent1"/>
+          </a:effectRef>
+          <a:fontRef idx="minor">
+            <a:schemeClr val="tx1"/>
+          </a:fontRef>
+        </p:style>
+      </p:cxnSp>
+      <p:sp>
+        <p:nvSpPr>
+          <p:cNvPr id="13" name="TextBox 12">
+            <a:extLst>
+              <a:ext uri="{FF2B5EF4-FFF2-40B4-BE49-F238E27FC236}">
+                <a16:creationId xmlns:a16="http://schemas.microsoft.com/office/drawing/2014/main" id="{CC55D49E-5CD9-69B3-7AEA-B98D5557F2F7}"/>
+              </a:ext>
+            </a:extLst>
+          </p:cNvPr>
+          <p:cNvSpPr txBox="1"/>
+          <p:nvPr/>
+        </p:nvSpPr>
+        <p:spPr>
+          <a:xfrm>
+            <a:off x="2819400" y="1962150"/>
+            <a:ext cx="2438400" cy="1200329"/>
+          </a:xfrm>
+          <a:prstGeom prst="rect">
+            <a:avLst/>
+          </a:prstGeom>
+          <a:noFill/>
+        </p:spPr>
+        <p:txBody>
+          <a:bodyPr wrap="square" rtlCol="0">
+            <a:spAutoFit/>
+          </a:bodyPr>
+          <a:lstStyle/>
+          <a:p>
+            <a:r>
+              <a:rPr lang="en-CA" dirty="0"/>
+              <a:t>Depends on or instantiates (call new)</a:t>
+            </a:r>
+          </a:p>
+          <a:p>
+            <a:r>
+              <a:rPr lang="en-CA" dirty="0"/>
+              <a:t>If you call new, then you need #include</a:t>
+            </a:r>
+          </a:p>
+        </p:txBody>
+      </p:sp>
+    </p:spTree>
+    <p:extLst>
+      <p:ext uri="{BB962C8B-B14F-4D97-AF65-F5344CB8AC3E}">
+        <p14:creationId xmlns:p14="http://schemas.microsoft.com/office/powerpoint/2010/main" val="626844796"/>
+      </p:ext>
+    </p:extLst>
+  </p:cSld>
+  <p:clrMapOvr>
+    <a:masterClrMapping/>
+  </p:clrMapOvr>
+  <p:timing>
+    <p:tnLst>
+      <p:par>
+        <p:cTn id="1" dur="indefinite" restart="never" nodeType="tmRoot">
+          <p:childTnLst>
+            <p:seq concurrent="1" nextAc="seek">
+              <p:cTn id="2" dur="indefinite" nodeType="mainSeq">
+                <p:childTnLst>
+                  <p:par>
+                    <p:cTn id="3" fill="hold">
+                      <p:stCondLst>
+                        <p:cond delay="indefinite"/>
+                      </p:stCondLst>
+                      <p:childTnLst>
+                        <p:par>
+                          <p:cTn id="4" fill="hold">
+                            <p:stCondLst>
+                              <p:cond delay="0"/>
+                            </p:stCondLst>
+                            <p:childTnLst>
+                              <p:par>
+                                <p:cTn id="5" presetID="10" presetClass="entr" presetSubtype="0" fill="hold" grpId="0" nodeType="clickEffect">
+                                  <p:stCondLst>
+                                    <p:cond delay="0"/>
+                                  </p:stCondLst>
+                                  <p:childTnLst>
+                                    <p:set>
+                                      <p:cBhvr>
+                                        <p:cTn id="6" dur="1" fill="hold">
+                                          <p:stCondLst>
+                                            <p:cond delay="0"/>
+                                          </p:stCondLst>
+                                        </p:cTn>
+                                        <p:tgtEl>
+                                          <p:spTgt spid="4"/>
+                                        </p:tgtEl>
+                                        <p:attrNameLst>
+                                          <p:attrName>style.visibility</p:attrName>
+                                        </p:attrNameLst>
+                                      </p:cBhvr>
+                                      <p:to>
+                                        <p:strVal val="visible"/>
+                                      </p:to>
+                                    </p:set>
+                                    <p:animEffect transition="in" filter="fade">
+                                      <p:cBhvr>
+                                        <p:cTn id="7" dur="500"/>
+                                        <p:tgtEl>
+                                          <p:spTgt spid="4"/>
+                                        </p:tgtEl>
+                                      </p:cBhvr>
+                                    </p:animEffect>
+                                  </p:childTnLst>
+                                </p:cTn>
+                              </p:par>
+                            </p:childTnLst>
+                          </p:cTn>
+                        </p:par>
+                      </p:childTnLst>
+                    </p:cTn>
+                  </p:par>
+                </p:childTnLst>
+              </p:cTn>
+              <p:prevCondLst>
+                <p:cond evt="onPrev" delay="0">
+                  <p:tgtEl>
+                    <p:sldTgt/>
+                  </p:tgtEl>
+                </p:cond>
+              </p:prevCondLst>
+              <p:nextCondLst>
+                <p:cond evt="onNext" delay="0">
+                  <p:tgtEl>
+                    <p:sldTgt/>
+                  </p:tgtEl>
+                </p:cond>
+              </p:nextCondLst>
+            </p:seq>
+          </p:childTnLst>
+        </p:cTn>
+      </p:par>
+    </p:tnLst>
+    <p:bldLst>
+      <p:bldP spid="4" grpId="0" animBg="1"/>
+    </p:bldLst>
+  </p:timing>
+</p:sld>
+</file>
+
+<file path=ppt/slides/slide16.xml><?xml version="1.0" encoding="utf-8"?>
+<p:sld xmlns:a="http://schemas.openxmlformats.org/drawingml/2006/main" xmlns:r="http://schemas.openxmlformats.org/officeDocument/2006/relationships" xmlns:p="http://schemas.openxmlformats.org/presentationml/2006/main">
+  <p:cSld>
+    <p:spTree>
+      <p:nvGrpSpPr>
+        <p:cNvPr id="1" name=""/>
+        <p:cNvGrpSpPr/>
+        <p:nvPr/>
+      </p:nvGrpSpPr>
+      <p:grpSpPr>
+        <a:xfrm>
+          <a:off x="0" y="0"/>
+          <a:ext cx="0" cy="0"/>
+          <a:chOff x="0" y="0"/>
+          <a:chExt cx="0" cy="0"/>
+        </a:xfrm>
+      </p:grpSpPr>
+      <p:sp>
+        <p:nvSpPr>
+          <p:cNvPr id="2" name="Title 1"/>
+          <p:cNvSpPr>
+            <a:spLocks noGrp="1"/>
+          </p:cNvSpPr>
+          <p:nvPr>
+            <p:ph type="title"/>
+          </p:nvPr>
+        </p:nvSpPr>
+        <p:spPr>
+          <a:xfrm>
+            <a:off x="914400" y="384048"/>
+            <a:ext cx="7772400" cy="968502"/>
+          </a:xfrm>
+        </p:spPr>
+        <p:txBody>
+          <a:bodyPr/>
+          <a:lstStyle/>
+          <a:p>
+            <a:r>
+              <a:rPr lang="en-CA" dirty="0"/>
+              <a:t>Cyclical dependency</a:t>
+            </a:r>
+          </a:p>
+        </p:txBody>
+      </p:sp>
+      <p:sp>
+        <p:nvSpPr>
+          <p:cNvPr id="4" name="AutoShape 6"/>
+          <p:cNvSpPr>
+            <a:spLocks noChangeArrowheads="1"/>
+          </p:cNvSpPr>
+          <p:nvPr/>
+        </p:nvSpPr>
+        <p:spPr bwMode="auto">
+          <a:xfrm>
+            <a:off x="8534400" y="4800600"/>
+            <a:ext cx="609600" cy="342900"/>
+          </a:xfrm>
+          <a:prstGeom prst="rightArrow">
+            <a:avLst>
+              <a:gd name="adj1" fmla="val 50000"/>
+              <a:gd name="adj2" fmla="val 33333"/>
+            </a:avLst>
+          </a:prstGeom>
+          <a:noFill/>
+          <a:ln w="19050">
+            <a:solidFill>
+              <a:srgbClr val="969696"/>
+            </a:solidFill>
+            <a:miter lim="800000"/>
+            <a:headEnd/>
+            <a:tailEnd/>
+          </a:ln>
+        </p:spPr>
+        <p:txBody>
+          <a:bodyPr wrap="none" anchor="ctr"/>
+          <a:lstStyle/>
+          <a:p>
+            <a:endParaRPr lang="en-CA"/>
+          </a:p>
+        </p:txBody>
+      </p:sp>
+      <p:sp>
+        <p:nvSpPr>
+          <p:cNvPr id="7" name="Rectangle: Rounded Corners 6">
+            <a:extLst>
+              <a:ext uri="{FF2B5EF4-FFF2-40B4-BE49-F238E27FC236}">
+                <a16:creationId xmlns:a16="http://schemas.microsoft.com/office/drawing/2014/main" id="{AAC0487A-4AC2-4A8B-CD75-FAE65761D7F7}"/>
+              </a:ext>
+            </a:extLst>
+          </p:cNvPr>
+          <p:cNvSpPr/>
+          <p:nvPr/>
+        </p:nvSpPr>
+        <p:spPr>
+          <a:xfrm>
+            <a:off x="914400" y="1352550"/>
+            <a:ext cx="1676400" cy="762000"/>
+          </a:xfrm>
+          <a:prstGeom prst="roundRect">
+            <a:avLst/>
+          </a:prstGeom>
+        </p:spPr>
+        <p:style>
+          <a:lnRef idx="2">
+            <a:schemeClr val="accent1">
+              <a:shade val="15000"/>
+            </a:schemeClr>
+          </a:lnRef>
+          <a:fillRef idx="1">
+            <a:schemeClr val="accent1"/>
+          </a:fillRef>
+          <a:effectRef idx="0">
+            <a:schemeClr val="accent1"/>
+          </a:effectRef>
+          <a:fontRef idx="minor">
+            <a:schemeClr val="lt1"/>
+          </a:fontRef>
+        </p:style>
+        <p:txBody>
+          <a:bodyPr rtlCol="0" anchor="ctr"/>
+          <a:lstStyle/>
+          <a:p>
+            <a:pPr algn="ctr"/>
+            <a:r>
+              <a:rPr lang="en-CA" dirty="0">
+                <a:solidFill>
+                  <a:schemeClr val="bg1"/>
+                </a:solidFill>
+              </a:rPr>
+              <a:t>Monster</a:t>
+            </a:r>
+          </a:p>
+        </p:txBody>
+      </p:sp>
+      <p:sp>
+        <p:nvSpPr>
+          <p:cNvPr id="9" name="Rectangle: Rounded Corners 8">
+            <a:extLst>
+              <a:ext uri="{FF2B5EF4-FFF2-40B4-BE49-F238E27FC236}">
+                <a16:creationId xmlns:a16="http://schemas.microsoft.com/office/drawing/2014/main" id="{D5718CE4-7D0E-22F1-5C17-B7D417D8150E}"/>
+              </a:ext>
+            </a:extLst>
+          </p:cNvPr>
+          <p:cNvSpPr/>
+          <p:nvPr/>
+        </p:nvSpPr>
+        <p:spPr>
+          <a:xfrm>
+            <a:off x="3429000" y="1112520"/>
+            <a:ext cx="1676400" cy="762000"/>
+          </a:xfrm>
+          <a:prstGeom prst="roundRect">
+            <a:avLst/>
+          </a:prstGeom>
+          <a:solidFill>
+            <a:srgbClr val="FFC000"/>
+          </a:solidFill>
+        </p:spPr>
+        <p:style>
+          <a:lnRef idx="2">
+            <a:schemeClr val="accent1">
+              <a:shade val="15000"/>
+            </a:schemeClr>
+          </a:lnRef>
+          <a:fillRef idx="1">
+            <a:schemeClr val="accent1"/>
+          </a:fillRef>
+          <a:effectRef idx="0">
+            <a:schemeClr val="accent1"/>
+          </a:effectRef>
+          <a:fontRef idx="minor">
+            <a:schemeClr val="lt1"/>
+          </a:fontRef>
+        </p:style>
+        <p:txBody>
+          <a:bodyPr rtlCol="0" anchor="ctr"/>
+          <a:lstStyle/>
+          <a:p>
+            <a:pPr algn="ctr"/>
+            <a:r>
+              <a:rPr lang="en-CA" dirty="0">
+                <a:solidFill>
+                  <a:schemeClr val="bg1"/>
+                </a:solidFill>
+              </a:rPr>
+              <a:t>Sword</a:t>
+            </a:r>
+          </a:p>
+        </p:txBody>
+      </p:sp>
+      <p:cxnSp>
+        <p:nvCxnSpPr>
+          <p:cNvPr id="11" name="Straight Arrow Connector 10">
+            <a:extLst>
+              <a:ext uri="{FF2B5EF4-FFF2-40B4-BE49-F238E27FC236}">
+                <a16:creationId xmlns:a16="http://schemas.microsoft.com/office/drawing/2014/main" id="{F054C6B5-CBD3-26B5-8BC9-7FDE240AEE84}"/>
+              </a:ext>
+            </a:extLst>
+          </p:cNvPr>
+          <p:cNvCxnSpPr>
+            <a:stCxn id="7" idx="3"/>
+            <a:endCxn id="9" idx="1"/>
+          </p:cNvCxnSpPr>
+          <p:nvPr/>
+        </p:nvCxnSpPr>
+        <p:spPr>
+          <a:xfrm flipV="1">
+            <a:off x="2590800" y="1493520"/>
+            <a:ext cx="838200" cy="240030"/>
+          </a:xfrm>
+          <a:prstGeom prst="straightConnector1">
+            <a:avLst/>
+          </a:prstGeom>
+          <a:ln w="50800">
+            <a:tailEnd type="triangle" w="lg" len="lg"/>
+          </a:ln>
+        </p:spPr>
+        <p:style>
+          <a:lnRef idx="1">
+            <a:schemeClr val="accent1"/>
+          </a:lnRef>
+          <a:fillRef idx="0">
+            <a:schemeClr val="accent1"/>
+          </a:fillRef>
+          <a:effectRef idx="0">
+            <a:schemeClr val="accent1"/>
+          </a:effectRef>
+          <a:fontRef idx="minor">
+            <a:schemeClr val="tx1"/>
+          </a:fontRef>
+        </p:style>
+      </p:cxnSp>
+      <p:sp>
+        <p:nvSpPr>
+          <p:cNvPr id="5" name="Rectangle: Rounded Corners 4">
+            <a:extLst>
+              <a:ext uri="{FF2B5EF4-FFF2-40B4-BE49-F238E27FC236}">
+                <a16:creationId xmlns:a16="http://schemas.microsoft.com/office/drawing/2014/main" id="{50BA6AFD-5C05-3B98-C4EA-05C15C7380A3}"/>
+              </a:ext>
+            </a:extLst>
+          </p:cNvPr>
+          <p:cNvSpPr/>
+          <p:nvPr/>
+        </p:nvSpPr>
+        <p:spPr>
+          <a:xfrm>
+            <a:off x="914400" y="3486151"/>
+            <a:ext cx="1676400" cy="762000"/>
+          </a:xfrm>
+          <a:prstGeom prst="roundRect">
+            <a:avLst/>
+          </a:prstGeom>
+        </p:spPr>
+        <p:style>
+          <a:lnRef idx="2">
+            <a:schemeClr val="accent1">
+              <a:shade val="15000"/>
+            </a:schemeClr>
+          </a:lnRef>
+          <a:fillRef idx="1">
+            <a:schemeClr val="accent1"/>
+          </a:fillRef>
+          <a:effectRef idx="0">
+            <a:schemeClr val="accent1"/>
+          </a:effectRef>
+          <a:fontRef idx="minor">
+            <a:schemeClr val="lt1"/>
+          </a:fontRef>
+        </p:style>
+        <p:txBody>
+          <a:bodyPr rtlCol="0" anchor="ctr"/>
+          <a:lstStyle/>
+          <a:p>
+            <a:pPr algn="ctr"/>
+            <a:r>
+              <a:rPr lang="en-CA" dirty="0">
+                <a:solidFill>
+                  <a:schemeClr val="bg1"/>
+                </a:solidFill>
+              </a:rPr>
+              <a:t>Monster</a:t>
+            </a:r>
+          </a:p>
+        </p:txBody>
+      </p:sp>
+      <p:sp>
+        <p:nvSpPr>
+          <p:cNvPr id="6" name="Rectangle: Rounded Corners 5">
+            <a:extLst>
+              <a:ext uri="{FF2B5EF4-FFF2-40B4-BE49-F238E27FC236}">
+                <a16:creationId xmlns:a16="http://schemas.microsoft.com/office/drawing/2014/main" id="{6323323B-10B4-C151-C7A6-72AFB8663B21}"/>
+              </a:ext>
+            </a:extLst>
+          </p:cNvPr>
+          <p:cNvSpPr/>
+          <p:nvPr/>
+        </p:nvSpPr>
+        <p:spPr>
+          <a:xfrm>
+            <a:off x="3444240" y="3790951"/>
+            <a:ext cx="1676400" cy="762000"/>
+          </a:xfrm>
+          <a:prstGeom prst="roundRect">
+            <a:avLst/>
+          </a:prstGeom>
+          <a:solidFill>
+            <a:srgbClr val="FFC000"/>
+          </a:solidFill>
+        </p:spPr>
+        <p:style>
+          <a:lnRef idx="2">
+            <a:schemeClr val="accent1">
+              <a:shade val="15000"/>
+            </a:schemeClr>
+          </a:lnRef>
+          <a:fillRef idx="1">
+            <a:schemeClr val="accent1"/>
+          </a:fillRef>
+          <a:effectRef idx="0">
+            <a:schemeClr val="accent1"/>
+          </a:effectRef>
+          <a:fontRef idx="minor">
+            <a:schemeClr val="lt1"/>
+          </a:fontRef>
+        </p:style>
+        <p:txBody>
+          <a:bodyPr rtlCol="0" anchor="ctr"/>
+          <a:lstStyle/>
+          <a:p>
+            <a:pPr algn="ctr"/>
+            <a:r>
+              <a:rPr lang="en-CA" dirty="0">
+                <a:solidFill>
+                  <a:schemeClr val="bg1"/>
+                </a:solidFill>
+              </a:rPr>
+              <a:t>Sword</a:t>
+            </a:r>
+          </a:p>
+        </p:txBody>
+      </p:sp>
+      <p:cxnSp>
+        <p:nvCxnSpPr>
+          <p:cNvPr id="8" name="Straight Arrow Connector 7">
+            <a:extLst>
+              <a:ext uri="{FF2B5EF4-FFF2-40B4-BE49-F238E27FC236}">
+                <a16:creationId xmlns:a16="http://schemas.microsoft.com/office/drawing/2014/main" id="{3E367CA9-4E91-0FDA-DF8B-DB41A3963028}"/>
+              </a:ext>
+            </a:extLst>
+          </p:cNvPr>
+          <p:cNvCxnSpPr>
+            <a:stCxn id="5" idx="3"/>
+            <a:endCxn id="6" idx="1"/>
+          </p:cNvCxnSpPr>
+          <p:nvPr/>
+        </p:nvCxnSpPr>
+        <p:spPr>
+          <a:xfrm>
+            <a:off x="2590800" y="3867151"/>
+            <a:ext cx="853440" cy="304800"/>
+          </a:xfrm>
+          <a:prstGeom prst="straightConnector1">
+            <a:avLst/>
+          </a:prstGeom>
+          <a:ln w="50800">
+            <a:tailEnd type="triangle" w="lg" len="lg"/>
+          </a:ln>
+        </p:spPr>
+        <p:style>
+          <a:lnRef idx="1">
+            <a:schemeClr val="accent1"/>
+          </a:lnRef>
+          <a:fillRef idx="0">
+            <a:schemeClr val="accent1"/>
+          </a:fillRef>
+          <a:effectRef idx="0">
+            <a:schemeClr val="accent1"/>
+          </a:effectRef>
+          <a:fontRef idx="minor">
+            <a:schemeClr val="tx1"/>
+          </a:fontRef>
+        </p:style>
+      </p:cxnSp>
+      <p:sp>
+        <p:nvSpPr>
+          <p:cNvPr id="10" name="Arrow: Down 9">
+            <a:extLst>
+              <a:ext uri="{FF2B5EF4-FFF2-40B4-BE49-F238E27FC236}">
+                <a16:creationId xmlns:a16="http://schemas.microsoft.com/office/drawing/2014/main" id="{6A0D3242-9801-765A-A351-61C9A40970F9}"/>
+              </a:ext>
+            </a:extLst>
+          </p:cNvPr>
+          <p:cNvSpPr/>
+          <p:nvPr/>
+        </p:nvSpPr>
+        <p:spPr>
+          <a:xfrm>
+            <a:off x="1371600" y="2407920"/>
+            <a:ext cx="762000" cy="838200"/>
+          </a:xfrm>
+          <a:prstGeom prst="downArrow">
+            <a:avLst/>
+          </a:prstGeom>
+        </p:spPr>
+        <p:style>
+          <a:lnRef idx="2">
+            <a:schemeClr val="accent1">
+              <a:shade val="15000"/>
+            </a:schemeClr>
+          </a:lnRef>
+          <a:fillRef idx="1">
+            <a:schemeClr val="accent1"/>
+          </a:fillRef>
+          <a:effectRef idx="0">
+            <a:schemeClr val="accent1"/>
+          </a:effectRef>
+          <a:fontRef idx="minor">
+            <a:schemeClr val="lt1"/>
+          </a:fontRef>
+        </p:style>
+        <p:txBody>
+          <a:bodyPr rtlCol="0" anchor="ctr"/>
+          <a:lstStyle/>
+          <a:p>
+            <a:pPr algn="ctr"/>
+            <a:endParaRPr lang="en-CA" dirty="0"/>
+          </a:p>
+        </p:txBody>
+      </p:sp>
+      <p:sp>
+        <p:nvSpPr>
+          <p:cNvPr id="15" name="TextBox 14">
+            <a:extLst>
+              <a:ext uri="{FF2B5EF4-FFF2-40B4-BE49-F238E27FC236}">
+                <a16:creationId xmlns:a16="http://schemas.microsoft.com/office/drawing/2014/main" id="{9873FF2E-9258-3BFA-C77D-E3C2E8E22840}"/>
+              </a:ext>
+            </a:extLst>
+          </p:cNvPr>
+          <p:cNvSpPr txBox="1"/>
+          <p:nvPr/>
+        </p:nvSpPr>
+        <p:spPr>
+          <a:xfrm>
+            <a:off x="3429000" y="2321052"/>
+            <a:ext cx="4953000" cy="646331"/>
+          </a:xfrm>
+          <a:prstGeom prst="rect">
+            <a:avLst/>
+          </a:prstGeom>
+          <a:noFill/>
+        </p:spPr>
+        <p:txBody>
+          <a:bodyPr wrap="square" rtlCol="0">
+            <a:spAutoFit/>
+          </a:bodyPr>
+          <a:lstStyle/>
+          <a:p>
+            <a:r>
+              <a:rPr lang="en-CA" dirty="0"/>
+              <a:t>Here the monsters directly attack other monsters. The sword has nothing to do with it.</a:t>
+            </a:r>
+          </a:p>
+        </p:txBody>
+      </p:sp>
+    </p:spTree>
+    <p:extLst>
+      <p:ext uri="{BB962C8B-B14F-4D97-AF65-F5344CB8AC3E}">
+        <p14:creationId xmlns:p14="http://schemas.microsoft.com/office/powerpoint/2010/main" val="1271742032"/>
+      </p:ext>
+    </p:extLst>
+  </p:cSld>
+  <p:clrMapOvr>
+    <a:masterClrMapping/>
+  </p:clrMapOvr>
+  <p:timing>
+    <p:tnLst>
+      <p:par>
+        <p:cTn id="1" dur="indefinite" restart="never" nodeType="tmRoot">
+          <p:childTnLst>
+            <p:seq concurrent="1" nextAc="seek">
+              <p:cTn id="2" dur="indefinite" nodeType="mainSeq">
+                <p:childTnLst>
+                  <p:par>
+                    <p:cTn id="3" fill="hold">
+                      <p:stCondLst>
+                        <p:cond delay="indefinite"/>
+                      </p:stCondLst>
+                      <p:childTnLst>
+                        <p:par>
+                          <p:cTn id="4" fill="hold">
+                            <p:stCondLst>
+                              <p:cond delay="0"/>
+                            </p:stCondLst>
+                            <p:childTnLst>
+                              <p:par>
+                                <p:cTn id="5" presetID="10" presetClass="entr" presetSubtype="0" fill="hold" grpId="0" nodeType="clickEffect">
+                                  <p:stCondLst>
+                                    <p:cond delay="0"/>
+                                  </p:stCondLst>
+                                  <p:childTnLst>
+                                    <p:set>
+                                      <p:cBhvr>
+                                        <p:cTn id="6" dur="1" fill="hold">
+                                          <p:stCondLst>
+                                            <p:cond delay="0"/>
+                                          </p:stCondLst>
+                                        </p:cTn>
+                                        <p:tgtEl>
+                                          <p:spTgt spid="4"/>
+                                        </p:tgtEl>
+                                        <p:attrNameLst>
+                                          <p:attrName>style.visibility</p:attrName>
+                                        </p:attrNameLst>
+                                      </p:cBhvr>
+                                      <p:to>
+                                        <p:strVal val="visible"/>
+                                      </p:to>
+                                    </p:set>
+                                    <p:animEffect transition="in" filter="fade">
+                                      <p:cBhvr>
+                                        <p:cTn id="7" dur="500"/>
+                                        <p:tgtEl>
+                                          <p:spTgt spid="4"/>
+                                        </p:tgtEl>
+                                      </p:cBhvr>
+                                    </p:animEffect>
+                                  </p:childTnLst>
+                                </p:cTn>
+                              </p:par>
+                            </p:childTnLst>
+                          </p:cTn>
+                        </p:par>
+                      </p:childTnLst>
+                    </p:cTn>
+                  </p:par>
+                </p:childTnLst>
+              </p:cTn>
+              <p:prevCondLst>
+                <p:cond evt="onPrev" delay="0">
+                  <p:tgtEl>
+                    <p:sldTgt/>
+                  </p:tgtEl>
+                </p:cond>
+              </p:prevCondLst>
+              <p:nextCondLst>
+                <p:cond evt="onNext" delay="0">
+                  <p:tgtEl>
+                    <p:sldTgt/>
+                  </p:tgtEl>
+                </p:cond>
+              </p:nextCondLst>
+            </p:seq>
+          </p:childTnLst>
+        </p:cTn>
+      </p:par>
+    </p:tnLst>
+    <p:bldLst>
+      <p:bldP spid="4" grpId="0" animBg="1"/>
+    </p:bldLst>
+  </p:timing>
+</p:sld>
+</file>
+
+<file path=ppt/slides/slide17.xml><?xml version="1.0" encoding="utf-8"?>
+<p:sld xmlns:a="http://schemas.openxmlformats.org/drawingml/2006/main" xmlns:r="http://schemas.openxmlformats.org/officeDocument/2006/relationships" xmlns:p="http://schemas.openxmlformats.org/presentationml/2006/main">
+  <p:cSld>
+    <p:spTree>
+      <p:nvGrpSpPr>
+        <p:cNvPr id="1" name=""/>
+        <p:cNvGrpSpPr/>
+        <p:nvPr/>
+      </p:nvGrpSpPr>
+      <p:grpSpPr>
+        <a:xfrm>
+          <a:off x="0" y="0"/>
+          <a:ext cx="0" cy="0"/>
+          <a:chOff x="0" y="0"/>
+          <a:chExt cx="0" cy="0"/>
+        </a:xfrm>
+      </p:grpSpPr>
+      <p:sp>
+        <p:nvSpPr>
+          <p:cNvPr id="2" name="Title 1"/>
+          <p:cNvSpPr>
+            <a:spLocks noGrp="1"/>
+          </p:cNvSpPr>
+          <p:nvPr>
+            <p:ph type="title"/>
+          </p:nvPr>
+        </p:nvSpPr>
+        <p:spPr>
+          <a:xfrm>
+            <a:off x="914400" y="384048"/>
+            <a:ext cx="7772400" cy="968502"/>
+          </a:xfrm>
+        </p:spPr>
+        <p:txBody>
+          <a:bodyPr/>
+          <a:lstStyle/>
+          <a:p>
+            <a:r>
+              <a:rPr lang="en-CA" dirty="0"/>
+              <a:t>Cyclical dependency</a:t>
+            </a:r>
+          </a:p>
+        </p:txBody>
+      </p:sp>
+      <p:sp>
+        <p:nvSpPr>
+          <p:cNvPr id="4" name="AutoShape 6"/>
+          <p:cNvSpPr>
+            <a:spLocks noChangeArrowheads="1"/>
+          </p:cNvSpPr>
+          <p:nvPr/>
+        </p:nvSpPr>
+        <p:spPr bwMode="auto">
+          <a:xfrm>
+            <a:off x="8534400" y="4800600"/>
+            <a:ext cx="609600" cy="342900"/>
+          </a:xfrm>
+          <a:prstGeom prst="rightArrow">
+            <a:avLst>
+              <a:gd name="adj1" fmla="val 50000"/>
+              <a:gd name="adj2" fmla="val 33333"/>
+            </a:avLst>
+          </a:prstGeom>
+          <a:noFill/>
+          <a:ln w="19050">
+            <a:solidFill>
+              <a:srgbClr val="969696"/>
+            </a:solidFill>
+            <a:miter lim="800000"/>
+            <a:headEnd/>
+            <a:tailEnd/>
+          </a:ln>
+        </p:spPr>
+        <p:txBody>
+          <a:bodyPr wrap="none" anchor="ctr"/>
+          <a:lstStyle/>
+          <a:p>
+            <a:endParaRPr lang="en-CA"/>
+          </a:p>
+        </p:txBody>
+      </p:sp>
+      <p:sp>
+        <p:nvSpPr>
+          <p:cNvPr id="7" name="Rectangle: Rounded Corners 6">
+            <a:extLst>
+              <a:ext uri="{FF2B5EF4-FFF2-40B4-BE49-F238E27FC236}">
+                <a16:creationId xmlns:a16="http://schemas.microsoft.com/office/drawing/2014/main" id="{AAC0487A-4AC2-4A8B-CD75-FAE65761D7F7}"/>
+              </a:ext>
+            </a:extLst>
+          </p:cNvPr>
+          <p:cNvSpPr/>
+          <p:nvPr/>
+        </p:nvSpPr>
+        <p:spPr>
+          <a:xfrm>
+            <a:off x="914400" y="1352550"/>
+            <a:ext cx="1676400" cy="762000"/>
+          </a:xfrm>
+          <a:prstGeom prst="roundRect">
+            <a:avLst/>
+          </a:prstGeom>
+        </p:spPr>
+        <p:style>
+          <a:lnRef idx="2">
+            <a:schemeClr val="accent1">
+              <a:shade val="15000"/>
+            </a:schemeClr>
+          </a:lnRef>
+          <a:fillRef idx="1">
+            <a:schemeClr val="accent1"/>
+          </a:fillRef>
+          <a:effectRef idx="0">
+            <a:schemeClr val="accent1"/>
+          </a:effectRef>
+          <a:fontRef idx="minor">
+            <a:schemeClr val="lt1"/>
+          </a:fontRef>
+        </p:style>
+        <p:txBody>
+          <a:bodyPr rtlCol="0" anchor="ctr"/>
+          <a:lstStyle/>
+          <a:p>
+            <a:pPr algn="ctr"/>
+            <a:r>
+              <a:rPr lang="en-CA" dirty="0">
+                <a:solidFill>
+                  <a:schemeClr val="bg1"/>
+                </a:solidFill>
+              </a:rPr>
+              <a:t>Monster</a:t>
+            </a:r>
+          </a:p>
+        </p:txBody>
+      </p:sp>
+      <p:sp>
+        <p:nvSpPr>
+          <p:cNvPr id="9" name="Rectangle: Rounded Corners 8">
+            <a:extLst>
+              <a:ext uri="{FF2B5EF4-FFF2-40B4-BE49-F238E27FC236}">
+                <a16:creationId xmlns:a16="http://schemas.microsoft.com/office/drawing/2014/main" id="{D5718CE4-7D0E-22F1-5C17-B7D417D8150E}"/>
+              </a:ext>
+            </a:extLst>
+          </p:cNvPr>
+          <p:cNvSpPr/>
+          <p:nvPr/>
+        </p:nvSpPr>
+        <p:spPr>
+          <a:xfrm>
+            <a:off x="3429000" y="1112520"/>
+            <a:ext cx="1676400" cy="762000"/>
+          </a:xfrm>
+          <a:prstGeom prst="roundRect">
+            <a:avLst/>
+          </a:prstGeom>
+          <a:solidFill>
+            <a:srgbClr val="FFC000"/>
+          </a:solidFill>
+        </p:spPr>
+        <p:style>
+          <a:lnRef idx="2">
+            <a:schemeClr val="accent1">
+              <a:shade val="15000"/>
+            </a:schemeClr>
+          </a:lnRef>
+          <a:fillRef idx="1">
+            <a:schemeClr val="accent1"/>
+          </a:fillRef>
+          <a:effectRef idx="0">
+            <a:schemeClr val="accent1"/>
+          </a:effectRef>
+          <a:fontRef idx="minor">
+            <a:schemeClr val="lt1"/>
+          </a:fontRef>
+        </p:style>
+        <p:txBody>
+          <a:bodyPr rtlCol="0" anchor="ctr"/>
+          <a:lstStyle/>
+          <a:p>
+            <a:pPr algn="ctr"/>
+            <a:r>
+              <a:rPr lang="en-CA" dirty="0">
+                <a:solidFill>
+                  <a:schemeClr val="bg1"/>
+                </a:solidFill>
+              </a:rPr>
+              <a:t>Sword</a:t>
+            </a:r>
+          </a:p>
+        </p:txBody>
+      </p:sp>
+      <p:cxnSp>
+        <p:nvCxnSpPr>
+          <p:cNvPr id="11" name="Straight Arrow Connector 10">
+            <a:extLst>
+              <a:ext uri="{FF2B5EF4-FFF2-40B4-BE49-F238E27FC236}">
+                <a16:creationId xmlns:a16="http://schemas.microsoft.com/office/drawing/2014/main" id="{F054C6B5-CBD3-26B5-8BC9-7FDE240AEE84}"/>
+              </a:ext>
+            </a:extLst>
+          </p:cNvPr>
+          <p:cNvCxnSpPr>
+            <a:stCxn id="7" idx="3"/>
+            <a:endCxn id="9" idx="1"/>
+          </p:cNvCxnSpPr>
+          <p:nvPr/>
+        </p:nvCxnSpPr>
+        <p:spPr>
+          <a:xfrm flipV="1">
+            <a:off x="2590800" y="1493520"/>
+            <a:ext cx="838200" cy="240030"/>
+          </a:xfrm>
+          <a:prstGeom prst="straightConnector1">
+            <a:avLst/>
+          </a:prstGeom>
+          <a:ln w="50800">
+            <a:tailEnd type="triangle" w="lg" len="lg"/>
+          </a:ln>
+        </p:spPr>
+        <p:style>
+          <a:lnRef idx="1">
+            <a:schemeClr val="accent1"/>
+          </a:lnRef>
+          <a:fillRef idx="0">
+            <a:schemeClr val="accent1"/>
+          </a:fillRef>
+          <a:effectRef idx="0">
+            <a:schemeClr val="accent1"/>
+          </a:effectRef>
+          <a:fontRef idx="minor">
+            <a:schemeClr val="tx1"/>
+          </a:fontRef>
+        </p:style>
+      </p:cxnSp>
+      <p:sp>
+        <p:nvSpPr>
+          <p:cNvPr id="5" name="Rectangle: Rounded Corners 4">
+            <a:extLst>
+              <a:ext uri="{FF2B5EF4-FFF2-40B4-BE49-F238E27FC236}">
+                <a16:creationId xmlns:a16="http://schemas.microsoft.com/office/drawing/2014/main" id="{50BA6AFD-5C05-3B98-C4EA-05C15C7380A3}"/>
+              </a:ext>
+            </a:extLst>
+          </p:cNvPr>
+          <p:cNvSpPr/>
+          <p:nvPr/>
+        </p:nvSpPr>
+        <p:spPr>
+          <a:xfrm>
+            <a:off x="914400" y="3486151"/>
+            <a:ext cx="1676400" cy="762000"/>
+          </a:xfrm>
+          <a:prstGeom prst="roundRect">
+            <a:avLst/>
+          </a:prstGeom>
+        </p:spPr>
+        <p:style>
+          <a:lnRef idx="2">
+            <a:schemeClr val="accent1">
+              <a:shade val="15000"/>
+            </a:schemeClr>
+          </a:lnRef>
+          <a:fillRef idx="1">
+            <a:schemeClr val="accent1"/>
+          </a:fillRef>
+          <a:effectRef idx="0">
+            <a:schemeClr val="accent1"/>
+          </a:effectRef>
+          <a:fontRef idx="minor">
+            <a:schemeClr val="lt1"/>
+          </a:fontRef>
+        </p:style>
+        <p:txBody>
+          <a:bodyPr rtlCol="0" anchor="ctr"/>
+          <a:lstStyle/>
+          <a:p>
+            <a:pPr algn="ctr"/>
+            <a:r>
+              <a:rPr lang="en-CA" dirty="0">
+                <a:solidFill>
+                  <a:schemeClr val="bg1"/>
+                </a:solidFill>
+              </a:rPr>
+              <a:t>Monster</a:t>
+            </a:r>
+          </a:p>
+        </p:txBody>
+      </p:sp>
+      <p:sp>
+        <p:nvSpPr>
+          <p:cNvPr id="6" name="Rectangle: Rounded Corners 5">
+            <a:extLst>
+              <a:ext uri="{FF2B5EF4-FFF2-40B4-BE49-F238E27FC236}">
+                <a16:creationId xmlns:a16="http://schemas.microsoft.com/office/drawing/2014/main" id="{6323323B-10B4-C151-C7A6-72AFB8663B21}"/>
+              </a:ext>
+            </a:extLst>
+          </p:cNvPr>
+          <p:cNvSpPr/>
+          <p:nvPr/>
+        </p:nvSpPr>
+        <p:spPr>
+          <a:xfrm>
+            <a:off x="3444240" y="3790951"/>
+            <a:ext cx="1676400" cy="762000"/>
+          </a:xfrm>
+          <a:prstGeom prst="roundRect">
+            <a:avLst/>
+          </a:prstGeom>
+          <a:solidFill>
+            <a:srgbClr val="FFC000"/>
+          </a:solidFill>
+        </p:spPr>
+        <p:style>
+          <a:lnRef idx="2">
+            <a:schemeClr val="accent1">
+              <a:shade val="15000"/>
+            </a:schemeClr>
+          </a:lnRef>
+          <a:fillRef idx="1">
+            <a:schemeClr val="accent1"/>
+          </a:fillRef>
+          <a:effectRef idx="0">
+            <a:schemeClr val="accent1"/>
+          </a:effectRef>
+          <a:fontRef idx="minor">
+            <a:schemeClr val="lt1"/>
+          </a:fontRef>
+        </p:style>
+        <p:txBody>
+          <a:bodyPr rtlCol="0" anchor="ctr"/>
+          <a:lstStyle/>
+          <a:p>
+            <a:pPr algn="ctr"/>
+            <a:r>
+              <a:rPr lang="en-CA" dirty="0">
+                <a:solidFill>
+                  <a:schemeClr val="bg1"/>
+                </a:solidFill>
+              </a:rPr>
+              <a:t>Sword</a:t>
+            </a:r>
+          </a:p>
+        </p:txBody>
+      </p:sp>
+      <p:cxnSp>
+        <p:nvCxnSpPr>
+          <p:cNvPr id="8" name="Straight Arrow Connector 7">
+            <a:extLst>
+              <a:ext uri="{FF2B5EF4-FFF2-40B4-BE49-F238E27FC236}">
+                <a16:creationId xmlns:a16="http://schemas.microsoft.com/office/drawing/2014/main" id="{3E367CA9-4E91-0FDA-DF8B-DB41A3963028}"/>
+              </a:ext>
+            </a:extLst>
+          </p:cNvPr>
+          <p:cNvCxnSpPr>
+            <a:stCxn id="5" idx="3"/>
+            <a:endCxn id="6" idx="1"/>
+          </p:cNvCxnSpPr>
+          <p:nvPr/>
+        </p:nvCxnSpPr>
+        <p:spPr>
+          <a:xfrm>
+            <a:off x="2590800" y="3867151"/>
+            <a:ext cx="853440" cy="304800"/>
+          </a:xfrm>
+          <a:prstGeom prst="straightConnector1">
+            <a:avLst/>
+          </a:prstGeom>
+          <a:ln w="50800">
+            <a:tailEnd type="triangle" w="lg" len="lg"/>
+          </a:ln>
+        </p:spPr>
+        <p:style>
+          <a:lnRef idx="1">
+            <a:schemeClr val="accent1"/>
+          </a:lnRef>
+          <a:fillRef idx="0">
+            <a:schemeClr val="accent1"/>
+          </a:fillRef>
+          <a:effectRef idx="0">
+            <a:schemeClr val="accent1"/>
+          </a:effectRef>
+          <a:fontRef idx="minor">
+            <a:schemeClr val="tx1"/>
+          </a:fontRef>
+        </p:style>
+      </p:cxnSp>
+      <p:sp>
+        <p:nvSpPr>
+          <p:cNvPr id="10" name="Arrow: Down 9">
+            <a:extLst>
+              <a:ext uri="{FF2B5EF4-FFF2-40B4-BE49-F238E27FC236}">
+                <a16:creationId xmlns:a16="http://schemas.microsoft.com/office/drawing/2014/main" id="{6A0D3242-9801-765A-A351-61C9A40970F9}"/>
+              </a:ext>
+            </a:extLst>
+          </p:cNvPr>
+          <p:cNvSpPr/>
+          <p:nvPr/>
+        </p:nvSpPr>
+        <p:spPr>
+          <a:xfrm>
+            <a:off x="1371600" y="2407920"/>
+            <a:ext cx="762000" cy="838200"/>
+          </a:xfrm>
+          <a:prstGeom prst="downArrow">
+            <a:avLst/>
+          </a:prstGeom>
+        </p:spPr>
+        <p:style>
+          <a:lnRef idx="2">
+            <a:schemeClr val="accent1">
+              <a:shade val="15000"/>
+            </a:schemeClr>
+          </a:lnRef>
+          <a:fillRef idx="1">
+            <a:schemeClr val="accent1"/>
+          </a:fillRef>
+          <a:effectRef idx="0">
+            <a:schemeClr val="accent1"/>
+          </a:effectRef>
+          <a:fontRef idx="minor">
+            <a:schemeClr val="lt1"/>
+          </a:fontRef>
+        </p:style>
+        <p:txBody>
+          <a:bodyPr rtlCol="0" anchor="ctr"/>
+          <a:lstStyle/>
+          <a:p>
+            <a:pPr algn="ctr"/>
+            <a:endParaRPr lang="en-CA" dirty="0"/>
+          </a:p>
+        </p:txBody>
+      </p:sp>
+      <p:sp>
+        <p:nvSpPr>
+          <p:cNvPr id="15" name="TextBox 14">
+            <a:extLst>
+              <a:ext uri="{FF2B5EF4-FFF2-40B4-BE49-F238E27FC236}">
+                <a16:creationId xmlns:a16="http://schemas.microsoft.com/office/drawing/2014/main" id="{9873FF2E-9258-3BFA-C77D-E3C2E8E22840}"/>
+              </a:ext>
+            </a:extLst>
+          </p:cNvPr>
+          <p:cNvSpPr txBox="1"/>
+          <p:nvPr/>
+        </p:nvSpPr>
+        <p:spPr>
+          <a:xfrm>
+            <a:off x="5737860" y="1036796"/>
+            <a:ext cx="2971800" cy="1477328"/>
+          </a:xfrm>
+          <a:prstGeom prst="rect">
+            <a:avLst/>
+          </a:prstGeom>
+          <a:noFill/>
+        </p:spPr>
+        <p:txBody>
+          <a:bodyPr wrap="square" rtlCol="0">
+            <a:spAutoFit/>
+          </a:bodyPr>
+          <a:lstStyle/>
+          <a:p>
+            <a:r>
+              <a:rPr lang="en-CA" dirty="0"/>
+              <a:t>There’s a change: the SWORD (type of, etc.) is the thing that inflicts the damage AND the sword can be dropped and picked up.</a:t>
+            </a:r>
+          </a:p>
+        </p:txBody>
+      </p:sp>
+      <p:sp>
+        <p:nvSpPr>
+          <p:cNvPr id="3" name="Arrow: Down 2">
+            <a:extLst>
+              <a:ext uri="{FF2B5EF4-FFF2-40B4-BE49-F238E27FC236}">
+                <a16:creationId xmlns:a16="http://schemas.microsoft.com/office/drawing/2014/main" id="{36FEF8A5-2A6A-F536-605A-5BDFA58E000A}"/>
+              </a:ext>
+            </a:extLst>
+          </p:cNvPr>
+          <p:cNvSpPr/>
+          <p:nvPr/>
+        </p:nvSpPr>
+        <p:spPr>
+          <a:xfrm rot="2862281">
+            <a:off x="2809796" y="1909157"/>
+            <a:ext cx="762000" cy="1629985"/>
+          </a:xfrm>
+          <a:prstGeom prst="downArrow">
+            <a:avLst/>
+          </a:prstGeom>
+        </p:spPr>
+        <p:style>
+          <a:lnRef idx="2">
+            <a:schemeClr val="accent1">
+              <a:shade val="15000"/>
+            </a:schemeClr>
+          </a:lnRef>
+          <a:fillRef idx="1">
+            <a:schemeClr val="accent1"/>
+          </a:fillRef>
+          <a:effectRef idx="0">
+            <a:schemeClr val="accent1"/>
+          </a:effectRef>
+          <a:fontRef idx="minor">
+            <a:schemeClr val="lt1"/>
+          </a:fontRef>
+        </p:style>
+        <p:txBody>
+          <a:bodyPr rtlCol="0" anchor="ctr"/>
+          <a:lstStyle/>
+          <a:p>
+            <a:pPr algn="ctr"/>
+            <a:endParaRPr lang="en-CA" dirty="0"/>
+          </a:p>
+        </p:txBody>
+      </p:sp>
+      <p:sp>
+        <p:nvSpPr>
+          <p:cNvPr id="12" name="&quot;Not Allowed&quot; Symbol 11">
+            <a:extLst>
+              <a:ext uri="{FF2B5EF4-FFF2-40B4-BE49-F238E27FC236}">
+                <a16:creationId xmlns:a16="http://schemas.microsoft.com/office/drawing/2014/main" id="{9690D947-D6A5-46B6-4EE0-262408ECE8F0}"/>
+              </a:ext>
+            </a:extLst>
+          </p:cNvPr>
+          <p:cNvSpPr/>
+          <p:nvPr/>
+        </p:nvSpPr>
+        <p:spPr>
+          <a:xfrm>
+            <a:off x="990600" y="2381250"/>
+            <a:ext cx="1371600" cy="901065"/>
+          </a:xfrm>
+          <a:prstGeom prst="noSmoking">
+            <a:avLst/>
+          </a:prstGeom>
+        </p:spPr>
+        <p:style>
+          <a:lnRef idx="2">
+            <a:schemeClr val="accent1">
+              <a:shade val="15000"/>
+            </a:schemeClr>
+          </a:lnRef>
+          <a:fillRef idx="1">
+            <a:schemeClr val="accent1"/>
+          </a:fillRef>
+          <a:effectRef idx="0">
+            <a:schemeClr val="accent1"/>
+          </a:effectRef>
+          <a:fontRef idx="minor">
+            <a:schemeClr val="lt1"/>
+          </a:fontRef>
+        </p:style>
+        <p:txBody>
+          <a:bodyPr rtlCol="0" anchor="ctr"/>
+          <a:lstStyle/>
+          <a:p>
+            <a:pPr algn="ctr"/>
+            <a:endParaRPr lang="en-CA">
+              <a:solidFill>
+                <a:schemeClr val="tx1"/>
+              </a:solidFill>
+            </a:endParaRPr>
+          </a:p>
+        </p:txBody>
+      </p:sp>
+    </p:spTree>
+    <p:extLst>
+      <p:ext uri="{BB962C8B-B14F-4D97-AF65-F5344CB8AC3E}">
+        <p14:creationId xmlns:p14="http://schemas.microsoft.com/office/powerpoint/2010/main" val="603353469"/>
+      </p:ext>
+    </p:extLst>
+  </p:cSld>
+  <p:clrMapOvr>
+    <a:masterClrMapping/>
+  </p:clrMapOvr>
+  <p:timing>
+    <p:tnLst>
+      <p:par>
+        <p:cTn id="1" dur="indefinite" restart="never" nodeType="tmRoot">
+          <p:childTnLst>
+            <p:seq concurrent="1" nextAc="seek">
+              <p:cTn id="2" dur="indefinite" nodeType="mainSeq">
+                <p:childTnLst>
+                  <p:par>
+                    <p:cTn id="3" fill="hold">
+                      <p:stCondLst>
+                        <p:cond delay="indefinite"/>
+                      </p:stCondLst>
+                      <p:childTnLst>
+                        <p:par>
+                          <p:cTn id="4" fill="hold">
+                            <p:stCondLst>
+                              <p:cond delay="0"/>
+                            </p:stCondLst>
+                            <p:childTnLst>
+                              <p:par>
+                                <p:cTn id="5" presetID="10" presetClass="entr" presetSubtype="0" fill="hold" grpId="0" nodeType="clickEffect">
+                                  <p:stCondLst>
+                                    <p:cond delay="0"/>
+                                  </p:stCondLst>
+                                  <p:childTnLst>
+                                    <p:set>
+                                      <p:cBhvr>
+                                        <p:cTn id="6" dur="1" fill="hold">
+                                          <p:stCondLst>
+                                            <p:cond delay="0"/>
+                                          </p:stCondLst>
+                                        </p:cTn>
+                                        <p:tgtEl>
+                                          <p:spTgt spid="4"/>
+                                        </p:tgtEl>
+                                        <p:attrNameLst>
+                                          <p:attrName>style.visibility</p:attrName>
+                                        </p:attrNameLst>
+                                      </p:cBhvr>
+                                      <p:to>
+                                        <p:strVal val="visible"/>
+                                      </p:to>
+                                    </p:set>
+                                    <p:animEffect transition="in" filter="fade">
+                                      <p:cBhvr>
+                                        <p:cTn id="7" dur="500"/>
+                                        <p:tgtEl>
+                                          <p:spTgt spid="4"/>
+                                        </p:tgtEl>
+                                      </p:cBhvr>
+                                    </p:animEffect>
+                                  </p:childTnLst>
+                                </p:cTn>
+                              </p:par>
+                            </p:childTnLst>
+                          </p:cTn>
+                        </p:par>
+                      </p:childTnLst>
+                    </p:cTn>
+                  </p:par>
+                </p:childTnLst>
+              </p:cTn>
+              <p:prevCondLst>
+                <p:cond evt="onPrev" delay="0">
+                  <p:tgtEl>
+                    <p:sldTgt/>
+                  </p:tgtEl>
+                </p:cond>
+              </p:prevCondLst>
+              <p:nextCondLst>
+                <p:cond evt="onNext" delay="0">
+                  <p:tgtEl>
+                    <p:sldTgt/>
+                  </p:tgtEl>
+                </p:cond>
+              </p:nextCondLst>
+            </p:seq>
+          </p:childTnLst>
+        </p:cTn>
+      </p:par>
+    </p:tnLst>
+    <p:bldLst>
+      <p:bldP spid="4" grpId="0" animBg="1"/>
+    </p:bldLst>
+  </p:timing>
+</p:sld>
+</file>
+
+<file path=ppt/slides/slide18.xml><?xml version="1.0" encoding="utf-8"?>
+<p:sld xmlns:a="http://schemas.openxmlformats.org/drawingml/2006/main" xmlns:r="http://schemas.openxmlformats.org/officeDocument/2006/relationships" xmlns:p="http://schemas.openxmlformats.org/presentationml/2006/main">
+  <p:cSld>
+    <p:spTree>
+      <p:nvGrpSpPr>
+        <p:cNvPr id="1" name=""/>
+        <p:cNvGrpSpPr/>
+        <p:nvPr/>
+      </p:nvGrpSpPr>
+      <p:grpSpPr>
+        <a:xfrm>
+          <a:off x="0" y="0"/>
+          <a:ext cx="0" cy="0"/>
+          <a:chOff x="0" y="0"/>
+          <a:chExt cx="0" cy="0"/>
+        </a:xfrm>
+      </p:grpSpPr>
+      <p:sp>
+        <p:nvSpPr>
+          <p:cNvPr id="2" name="Title 1"/>
+          <p:cNvSpPr>
+            <a:spLocks noGrp="1"/>
+          </p:cNvSpPr>
+          <p:nvPr>
+            <p:ph type="title"/>
+          </p:nvPr>
+        </p:nvSpPr>
+        <p:spPr>
+          <a:xfrm>
+            <a:off x="914400" y="384048"/>
+            <a:ext cx="7772400" cy="762000"/>
+          </a:xfrm>
+        </p:spPr>
+        <p:txBody>
+          <a:bodyPr/>
+          <a:lstStyle/>
+          <a:p>
+            <a:r>
+              <a:rPr lang="en-CA" dirty="0"/>
+              <a:t>Mediator</a:t>
+            </a:r>
+          </a:p>
+        </p:txBody>
+      </p:sp>
+      <p:sp>
+        <p:nvSpPr>
+          <p:cNvPr id="4" name="AutoShape 6"/>
+          <p:cNvSpPr>
+            <a:spLocks noChangeArrowheads="1"/>
+          </p:cNvSpPr>
+          <p:nvPr/>
+        </p:nvSpPr>
+        <p:spPr bwMode="auto">
+          <a:xfrm>
+            <a:off x="8534400" y="4800600"/>
+            <a:ext cx="609600" cy="342900"/>
+          </a:xfrm>
+          <a:prstGeom prst="rightArrow">
+            <a:avLst>
+              <a:gd name="adj1" fmla="val 50000"/>
+              <a:gd name="adj2" fmla="val 33333"/>
+            </a:avLst>
+          </a:prstGeom>
+          <a:noFill/>
+          <a:ln w="19050">
+            <a:solidFill>
+              <a:srgbClr val="969696"/>
+            </a:solidFill>
+            <a:miter lim="800000"/>
+            <a:headEnd/>
+            <a:tailEnd/>
+          </a:ln>
+        </p:spPr>
+        <p:txBody>
+          <a:bodyPr wrap="none" anchor="ctr"/>
+          <a:lstStyle/>
+          <a:p>
+            <a:endParaRPr lang="en-CA"/>
+          </a:p>
+        </p:txBody>
+      </p:sp>
+      <p:sp>
+        <p:nvSpPr>
+          <p:cNvPr id="7" name="Rectangle: Rounded Corners 6">
+            <a:extLst>
+              <a:ext uri="{FF2B5EF4-FFF2-40B4-BE49-F238E27FC236}">
+                <a16:creationId xmlns:a16="http://schemas.microsoft.com/office/drawing/2014/main" id="{AAC0487A-4AC2-4A8B-CD75-FAE65761D7F7}"/>
+              </a:ext>
+            </a:extLst>
+          </p:cNvPr>
+          <p:cNvSpPr/>
+          <p:nvPr/>
+        </p:nvSpPr>
+        <p:spPr>
+          <a:xfrm>
+            <a:off x="906780" y="1554099"/>
+            <a:ext cx="1676400" cy="762000"/>
+          </a:xfrm>
+          <a:prstGeom prst="roundRect">
+            <a:avLst/>
+          </a:prstGeom>
+        </p:spPr>
+        <p:style>
+          <a:lnRef idx="2">
+            <a:schemeClr val="accent1">
+              <a:shade val="15000"/>
+            </a:schemeClr>
+          </a:lnRef>
+          <a:fillRef idx="1">
+            <a:schemeClr val="accent1"/>
+          </a:fillRef>
+          <a:effectRef idx="0">
+            <a:schemeClr val="accent1"/>
+          </a:effectRef>
+          <a:fontRef idx="minor">
+            <a:schemeClr val="lt1"/>
+          </a:fontRef>
+        </p:style>
+        <p:txBody>
+          <a:bodyPr rtlCol="0" anchor="ctr"/>
+          <a:lstStyle/>
+          <a:p>
+            <a:pPr algn="ctr"/>
+            <a:r>
+              <a:rPr lang="en-CA" dirty="0">
+                <a:solidFill>
+                  <a:schemeClr val="bg1"/>
+                </a:solidFill>
+              </a:rPr>
+              <a:t>Monster</a:t>
+            </a:r>
+          </a:p>
+        </p:txBody>
+      </p:sp>
+      <p:sp>
+        <p:nvSpPr>
+          <p:cNvPr id="9" name="Rectangle: Rounded Corners 8">
+            <a:extLst>
+              <a:ext uri="{FF2B5EF4-FFF2-40B4-BE49-F238E27FC236}">
+                <a16:creationId xmlns:a16="http://schemas.microsoft.com/office/drawing/2014/main" id="{D5718CE4-7D0E-22F1-5C17-B7D417D8150E}"/>
+              </a:ext>
+            </a:extLst>
+          </p:cNvPr>
+          <p:cNvSpPr/>
+          <p:nvPr/>
+        </p:nvSpPr>
+        <p:spPr>
+          <a:xfrm>
+            <a:off x="3581400" y="666750"/>
+            <a:ext cx="1676400" cy="762000"/>
+          </a:xfrm>
+          <a:prstGeom prst="roundRect">
+            <a:avLst/>
+          </a:prstGeom>
+          <a:solidFill>
+            <a:srgbClr val="FFC000"/>
+          </a:solidFill>
+        </p:spPr>
+        <p:style>
+          <a:lnRef idx="2">
+            <a:schemeClr val="accent1">
+              <a:shade val="15000"/>
+            </a:schemeClr>
+          </a:lnRef>
+          <a:fillRef idx="1">
+            <a:schemeClr val="accent1"/>
+          </a:fillRef>
+          <a:effectRef idx="0">
+            <a:schemeClr val="accent1"/>
+          </a:effectRef>
+          <a:fontRef idx="minor">
+            <a:schemeClr val="lt1"/>
+          </a:fontRef>
+        </p:style>
+        <p:txBody>
+          <a:bodyPr rtlCol="0" anchor="ctr"/>
+          <a:lstStyle/>
+          <a:p>
+            <a:pPr algn="ctr"/>
+            <a:r>
+              <a:rPr lang="en-CA" dirty="0">
+                <a:solidFill>
+                  <a:schemeClr val="bg1"/>
+                </a:solidFill>
+              </a:rPr>
+              <a:t>Sword</a:t>
+            </a:r>
+          </a:p>
+        </p:txBody>
+      </p:sp>
+      <p:cxnSp>
+        <p:nvCxnSpPr>
+          <p:cNvPr id="11" name="Straight Arrow Connector 10">
+            <a:extLst>
+              <a:ext uri="{FF2B5EF4-FFF2-40B4-BE49-F238E27FC236}">
+                <a16:creationId xmlns:a16="http://schemas.microsoft.com/office/drawing/2014/main" id="{F054C6B5-CBD3-26B5-8BC9-7FDE240AEE84}"/>
+              </a:ext>
+            </a:extLst>
+          </p:cNvPr>
+          <p:cNvCxnSpPr>
+            <a:stCxn id="7" idx="3"/>
+            <a:endCxn id="9" idx="1"/>
+          </p:cNvCxnSpPr>
+          <p:nvPr/>
+        </p:nvCxnSpPr>
+        <p:spPr>
+          <a:xfrm flipV="1">
+            <a:off x="2583180" y="1047750"/>
+            <a:ext cx="998220" cy="887349"/>
+          </a:xfrm>
+          <a:prstGeom prst="straightConnector1">
+            <a:avLst/>
+          </a:prstGeom>
+          <a:ln w="50800">
+            <a:tailEnd type="triangle" w="lg" len="lg"/>
+          </a:ln>
+        </p:spPr>
+        <p:style>
+          <a:lnRef idx="1">
+            <a:schemeClr val="accent1"/>
+          </a:lnRef>
+          <a:fillRef idx="0">
+            <a:schemeClr val="accent1"/>
+          </a:fillRef>
+          <a:effectRef idx="0">
+            <a:schemeClr val="accent1"/>
+          </a:effectRef>
+          <a:fontRef idx="minor">
+            <a:schemeClr val="tx1"/>
+          </a:fontRef>
+        </p:style>
+      </p:cxnSp>
+      <p:sp>
+        <p:nvSpPr>
+          <p:cNvPr id="5" name="Rectangle: Rounded Corners 4">
+            <a:extLst>
+              <a:ext uri="{FF2B5EF4-FFF2-40B4-BE49-F238E27FC236}">
+                <a16:creationId xmlns:a16="http://schemas.microsoft.com/office/drawing/2014/main" id="{50BA6AFD-5C05-3B98-C4EA-05C15C7380A3}"/>
+              </a:ext>
+            </a:extLst>
+          </p:cNvPr>
+          <p:cNvSpPr/>
+          <p:nvPr/>
+        </p:nvSpPr>
+        <p:spPr>
+          <a:xfrm>
+            <a:off x="914400" y="3028951"/>
+            <a:ext cx="1676400" cy="762000"/>
+          </a:xfrm>
+          <a:prstGeom prst="roundRect">
+            <a:avLst/>
+          </a:prstGeom>
+        </p:spPr>
+        <p:style>
+          <a:lnRef idx="2">
+            <a:schemeClr val="accent1">
+              <a:shade val="15000"/>
+            </a:schemeClr>
+          </a:lnRef>
+          <a:fillRef idx="1">
+            <a:schemeClr val="accent1"/>
+          </a:fillRef>
+          <a:effectRef idx="0">
+            <a:schemeClr val="accent1"/>
+          </a:effectRef>
+          <a:fontRef idx="minor">
+            <a:schemeClr val="lt1"/>
+          </a:fontRef>
+        </p:style>
+        <p:txBody>
+          <a:bodyPr rtlCol="0" anchor="ctr"/>
+          <a:lstStyle/>
+          <a:p>
+            <a:pPr algn="ctr"/>
+            <a:r>
+              <a:rPr lang="en-CA" dirty="0">
+                <a:solidFill>
+                  <a:schemeClr val="bg1"/>
+                </a:solidFill>
+              </a:rPr>
+              <a:t>Monster</a:t>
+            </a:r>
+          </a:p>
+        </p:txBody>
+      </p:sp>
+      <p:sp>
+        <p:nvSpPr>
+          <p:cNvPr id="6" name="Rectangle: Rounded Corners 5">
+            <a:extLst>
+              <a:ext uri="{FF2B5EF4-FFF2-40B4-BE49-F238E27FC236}">
+                <a16:creationId xmlns:a16="http://schemas.microsoft.com/office/drawing/2014/main" id="{6323323B-10B4-C151-C7A6-72AFB8663B21}"/>
+              </a:ext>
+            </a:extLst>
+          </p:cNvPr>
+          <p:cNvSpPr/>
+          <p:nvPr/>
+        </p:nvSpPr>
+        <p:spPr>
+          <a:xfrm>
+            <a:off x="3444240" y="3790951"/>
+            <a:ext cx="1676400" cy="762000"/>
+          </a:xfrm>
+          <a:prstGeom prst="roundRect">
+            <a:avLst/>
+          </a:prstGeom>
+          <a:solidFill>
+            <a:srgbClr val="FFC000"/>
+          </a:solidFill>
+        </p:spPr>
+        <p:style>
+          <a:lnRef idx="2">
+            <a:schemeClr val="accent1">
+              <a:shade val="15000"/>
+            </a:schemeClr>
+          </a:lnRef>
+          <a:fillRef idx="1">
+            <a:schemeClr val="accent1"/>
+          </a:fillRef>
+          <a:effectRef idx="0">
+            <a:schemeClr val="accent1"/>
+          </a:effectRef>
+          <a:fontRef idx="minor">
+            <a:schemeClr val="lt1"/>
+          </a:fontRef>
+        </p:style>
+        <p:txBody>
+          <a:bodyPr rtlCol="0" anchor="ctr"/>
+          <a:lstStyle/>
+          <a:p>
+            <a:pPr algn="ctr"/>
+            <a:r>
+              <a:rPr lang="en-CA" dirty="0">
+                <a:solidFill>
+                  <a:schemeClr val="bg1"/>
+                </a:solidFill>
+              </a:rPr>
+              <a:t>Sword</a:t>
+            </a:r>
+          </a:p>
+        </p:txBody>
+      </p:sp>
+      <p:cxnSp>
+        <p:nvCxnSpPr>
+          <p:cNvPr id="8" name="Straight Arrow Connector 7">
+            <a:extLst>
+              <a:ext uri="{FF2B5EF4-FFF2-40B4-BE49-F238E27FC236}">
+                <a16:creationId xmlns:a16="http://schemas.microsoft.com/office/drawing/2014/main" id="{3E367CA9-4E91-0FDA-DF8B-DB41A3963028}"/>
+              </a:ext>
+            </a:extLst>
+          </p:cNvPr>
+          <p:cNvCxnSpPr>
+            <a:stCxn id="5" idx="3"/>
+            <a:endCxn id="6" idx="1"/>
+          </p:cNvCxnSpPr>
+          <p:nvPr/>
+        </p:nvCxnSpPr>
+        <p:spPr>
+          <a:xfrm>
+            <a:off x="2590800" y="3409951"/>
+            <a:ext cx="853440" cy="762000"/>
+          </a:xfrm>
+          <a:prstGeom prst="straightConnector1">
+            <a:avLst/>
+          </a:prstGeom>
+          <a:ln w="50800">
+            <a:tailEnd type="triangle" w="lg" len="lg"/>
+          </a:ln>
+        </p:spPr>
+        <p:style>
+          <a:lnRef idx="1">
+            <a:schemeClr val="accent1"/>
+          </a:lnRef>
+          <a:fillRef idx="0">
+            <a:schemeClr val="accent1"/>
+          </a:fillRef>
+          <a:effectRef idx="0">
+            <a:schemeClr val="accent1"/>
+          </a:effectRef>
+          <a:fontRef idx="minor">
+            <a:schemeClr val="tx1"/>
+          </a:fontRef>
+        </p:style>
+      </p:cxnSp>
+      <p:sp>
+        <p:nvSpPr>
+          <p:cNvPr id="14" name="Rectangle: Rounded Corners 13">
+            <a:extLst>
+              <a:ext uri="{FF2B5EF4-FFF2-40B4-BE49-F238E27FC236}">
+                <a16:creationId xmlns:a16="http://schemas.microsoft.com/office/drawing/2014/main" id="{F704DA82-8477-ADC1-8495-0F4451D581D2}"/>
+              </a:ext>
+            </a:extLst>
+          </p:cNvPr>
+          <p:cNvSpPr/>
+          <p:nvPr/>
+        </p:nvSpPr>
+        <p:spPr>
+          <a:xfrm>
+            <a:off x="6515100" y="2190751"/>
+            <a:ext cx="2133600" cy="1295400"/>
+          </a:xfrm>
+          <a:prstGeom prst="roundRect">
+            <a:avLst/>
+          </a:prstGeom>
+          <a:solidFill>
+            <a:schemeClr val="accent2">
+              <a:lumMod val="60000"/>
+              <a:lumOff val="40000"/>
+            </a:schemeClr>
+          </a:solidFill>
+        </p:spPr>
+        <p:style>
+          <a:lnRef idx="2">
+            <a:schemeClr val="accent1">
+              <a:shade val="15000"/>
+            </a:schemeClr>
+          </a:lnRef>
+          <a:fillRef idx="1">
+            <a:schemeClr val="accent1"/>
+          </a:fillRef>
+          <a:effectRef idx="0">
+            <a:schemeClr val="accent1"/>
+          </a:effectRef>
+          <a:fontRef idx="minor">
+            <a:schemeClr val="lt1"/>
+          </a:fontRef>
+        </p:style>
+        <p:txBody>
+          <a:bodyPr rtlCol="0" anchor="ctr"/>
+          <a:lstStyle/>
+          <a:p>
+            <a:pPr algn="ctr"/>
+            <a:r>
+              <a:rPr lang="en-CA" dirty="0">
+                <a:solidFill>
+                  <a:schemeClr val="bg1"/>
+                </a:solidFill>
+              </a:rPr>
+              <a:t>Mediator</a:t>
+            </a:r>
+          </a:p>
+        </p:txBody>
+      </p:sp>
+      <p:sp>
+        <p:nvSpPr>
+          <p:cNvPr id="19" name="Arrow: Right 18">
+            <a:extLst>
+              <a:ext uri="{FF2B5EF4-FFF2-40B4-BE49-F238E27FC236}">
+                <a16:creationId xmlns:a16="http://schemas.microsoft.com/office/drawing/2014/main" id="{285F6A55-F2E3-7615-49BF-14389DD2C5ED}"/>
+              </a:ext>
+            </a:extLst>
+          </p:cNvPr>
+          <p:cNvSpPr/>
+          <p:nvPr/>
+        </p:nvSpPr>
+        <p:spPr>
+          <a:xfrm rot="2363215">
+            <a:off x="5372067" y="1403180"/>
+            <a:ext cx="1203960" cy="887349"/>
+          </a:xfrm>
+          <a:prstGeom prst="rightArrow">
+            <a:avLst/>
+          </a:prstGeom>
+        </p:spPr>
+        <p:style>
+          <a:lnRef idx="2">
+            <a:schemeClr val="accent1">
+              <a:shade val="15000"/>
+            </a:schemeClr>
+          </a:lnRef>
+          <a:fillRef idx="1">
+            <a:schemeClr val="accent1"/>
+          </a:fillRef>
+          <a:effectRef idx="0">
+            <a:schemeClr val="accent1"/>
+          </a:effectRef>
+          <a:fontRef idx="minor">
+            <a:schemeClr val="lt1"/>
+          </a:fontRef>
+        </p:style>
+        <p:txBody>
+          <a:bodyPr rtlCol="0" anchor="ctr"/>
+          <a:lstStyle/>
+          <a:p>
+            <a:pPr algn="ctr"/>
+            <a:r>
+              <a:rPr lang="en-CA" dirty="0"/>
+              <a:t>Attack</a:t>
+            </a:r>
+          </a:p>
+        </p:txBody>
+      </p:sp>
+      <p:sp>
+        <p:nvSpPr>
+          <p:cNvPr id="20" name="Arrow: Right 19">
+            <a:extLst>
+              <a:ext uri="{FF2B5EF4-FFF2-40B4-BE49-F238E27FC236}">
+                <a16:creationId xmlns:a16="http://schemas.microsoft.com/office/drawing/2014/main" id="{55699090-2DC6-9361-D9E4-3FEBB965DD0C}"/>
+              </a:ext>
+            </a:extLst>
+          </p:cNvPr>
+          <p:cNvSpPr/>
+          <p:nvPr/>
+        </p:nvSpPr>
+        <p:spPr>
+          <a:xfrm rot="21420679" flipH="1">
+            <a:off x="2624830" y="2638634"/>
+            <a:ext cx="3688976" cy="887349"/>
+          </a:xfrm>
+          <a:prstGeom prst="rightArrow">
+            <a:avLst/>
+          </a:prstGeom>
+        </p:spPr>
+        <p:style>
+          <a:lnRef idx="2">
+            <a:schemeClr val="accent1">
+              <a:shade val="15000"/>
+            </a:schemeClr>
+          </a:lnRef>
+          <a:fillRef idx="1">
+            <a:schemeClr val="accent1"/>
+          </a:fillRef>
+          <a:effectRef idx="0">
+            <a:schemeClr val="accent1"/>
+          </a:effectRef>
+          <a:fontRef idx="minor">
+            <a:schemeClr val="lt1"/>
+          </a:fontRef>
+        </p:style>
+        <p:txBody>
+          <a:bodyPr rtlCol="0" anchor="ctr"/>
+          <a:lstStyle/>
+          <a:p>
+            <a:pPr algn="ctr"/>
+            <a:r>
+              <a:rPr lang="en-CA" dirty="0"/>
+              <a:t>Take Damage</a:t>
+            </a:r>
+          </a:p>
+        </p:txBody>
+      </p:sp>
+    </p:spTree>
+    <p:extLst>
+      <p:ext uri="{BB962C8B-B14F-4D97-AF65-F5344CB8AC3E}">
+        <p14:creationId xmlns:p14="http://schemas.microsoft.com/office/powerpoint/2010/main" val="258736043"/>
+      </p:ext>
+    </p:extLst>
+  </p:cSld>
+  <p:clrMapOvr>
+    <a:masterClrMapping/>
+  </p:clrMapOvr>
+  <p:timing>
+    <p:tnLst>
+      <p:par>
+        <p:cTn id="1" dur="indefinite" restart="never" nodeType="tmRoot">
+          <p:childTnLst>
+            <p:seq concurrent="1" nextAc="seek">
+              <p:cTn id="2" dur="indefinite" nodeType="mainSeq">
+                <p:childTnLst>
+                  <p:par>
+                    <p:cTn id="3" fill="hold">
+                      <p:stCondLst>
+                        <p:cond delay="indefinite"/>
+                      </p:stCondLst>
+                      <p:childTnLst>
+                        <p:par>
+                          <p:cTn id="4" fill="hold">
+                            <p:stCondLst>
+                              <p:cond delay="0"/>
+                            </p:stCondLst>
+                            <p:childTnLst>
+                              <p:par>
+                                <p:cTn id="5" presetID="10" presetClass="entr" presetSubtype="0" fill="hold" grpId="0" nodeType="clickEffect">
+                                  <p:stCondLst>
+                                    <p:cond delay="0"/>
+                                  </p:stCondLst>
+                                  <p:childTnLst>
+                                    <p:set>
+                                      <p:cBhvr>
+                                        <p:cTn id="6" dur="1" fill="hold">
+                                          <p:stCondLst>
+                                            <p:cond delay="0"/>
+                                          </p:stCondLst>
+                                        </p:cTn>
+                                        <p:tgtEl>
+                                          <p:spTgt spid="4"/>
+                                        </p:tgtEl>
+                                        <p:attrNameLst>
+                                          <p:attrName>style.visibility</p:attrName>
+                                        </p:attrNameLst>
+                                      </p:cBhvr>
+                                      <p:to>
+                                        <p:strVal val="visible"/>
+                                      </p:to>
+                                    </p:set>
+                                    <p:animEffect transition="in" filter="fade">
+                                      <p:cBhvr>
+                                        <p:cTn id="7" dur="500"/>
+                                        <p:tgtEl>
+                                          <p:spTgt spid="4"/>
+                                        </p:tgtEl>
+                                      </p:cBhvr>
+                                    </p:animEffect>
+                                  </p:childTnLst>
+                                </p:cTn>
+                              </p:par>
+                            </p:childTnLst>
+                          </p:cTn>
+                        </p:par>
+                      </p:childTnLst>
+                    </p:cTn>
+                  </p:par>
+                </p:childTnLst>
+              </p:cTn>
+              <p:prevCondLst>
+                <p:cond evt="onPrev" delay="0">
+                  <p:tgtEl>
+                    <p:sldTgt/>
+                  </p:tgtEl>
+                </p:cond>
+              </p:prevCondLst>
+              <p:nextCondLst>
+                <p:cond evt="onNext" delay="0">
+                  <p:tgtEl>
+                    <p:sldTgt/>
+                  </p:tgtEl>
+                </p:cond>
+              </p:nextCondLst>
+            </p:seq>
+          </p:childTnLst>
+        </p:cTn>
+      </p:par>
+    </p:tnLst>
+    <p:bldLst>
+      <p:bldP spid="4" grpId="0" animBg="1"/>
+    </p:bldLst>
+  </p:timing>
+</p:sld>
+</file>
+
+<file path=ppt/slides/slide19.xml><?xml version="1.0" encoding="utf-8"?>
+<p:sld xmlns:a="http://schemas.openxmlformats.org/drawingml/2006/main" xmlns:r="http://schemas.openxmlformats.org/officeDocument/2006/relationships" xmlns:p="http://schemas.openxmlformats.org/presentationml/2006/main">
+  <p:cSld>
+    <p:spTree>
+      <p:nvGrpSpPr>
+        <p:cNvPr id="1" name=""/>
+        <p:cNvGrpSpPr/>
+        <p:nvPr/>
+      </p:nvGrpSpPr>
+      <p:grpSpPr>
+        <a:xfrm>
+          <a:off x="0" y="0"/>
+          <a:ext cx="0" cy="0"/>
+          <a:chOff x="0" y="0"/>
+          <a:chExt cx="0" cy="0"/>
+        </a:xfrm>
+      </p:grpSpPr>
+      <p:sp>
+        <p:nvSpPr>
+          <p:cNvPr id="2" name="Title 1"/>
+          <p:cNvSpPr>
+            <a:spLocks noGrp="1"/>
+          </p:cNvSpPr>
+          <p:nvPr>
+            <p:ph type="title"/>
+          </p:nvPr>
+        </p:nvSpPr>
+        <p:spPr>
+          <a:xfrm>
+            <a:off x="914400" y="384048"/>
+            <a:ext cx="7772400" cy="968502"/>
+          </a:xfrm>
+        </p:spPr>
+        <p:txBody>
+          <a:bodyPr/>
+          <a:lstStyle/>
+          <a:p>
+            <a:r>
+              <a:rPr lang="en-CA" dirty="0"/>
+              <a:t>Mediator: the </a:t>
+            </a:r>
+            <a:r>
+              <a:rPr lang="en-CA" dirty="0" err="1"/>
+              <a:t>deets</a:t>
+            </a:r>
+            <a:endParaRPr lang="en-CA" dirty="0"/>
+          </a:p>
+        </p:txBody>
+      </p:sp>
+      <p:sp>
+        <p:nvSpPr>
+          <p:cNvPr id="3" name="Content Placeholder 2"/>
+          <p:cNvSpPr>
+            <a:spLocks noGrp="1"/>
+          </p:cNvSpPr>
+          <p:nvPr>
+            <p:ph idx="1"/>
+          </p:nvPr>
+        </p:nvSpPr>
+        <p:spPr>
+          <a:xfrm>
+            <a:off x="304800" y="1428750"/>
+            <a:ext cx="8839200" cy="3337920"/>
+          </a:xfrm>
+        </p:spPr>
+        <p:txBody>
+          <a:bodyPr>
+            <a:normAutofit/>
+          </a:bodyPr>
+          <a:lstStyle/>
+          <a:p>
+            <a:pPr lvl="1"/>
+            <a:r>
+              <a:rPr lang="en-CA" dirty="0"/>
+              <a:t>Make an interface for the communication between ALL objects. This can be whatever you want:</a:t>
+            </a:r>
+          </a:p>
+          <a:p>
+            <a:pPr lvl="2"/>
+            <a:r>
+              <a:rPr lang="en-CA" dirty="0" err="1"/>
+              <a:t>ReceiveMessage</a:t>
+            </a:r>
+            <a:r>
+              <a:rPr lang="en-CA" dirty="0"/>
+              <a:t>(xxx);	// Sent to objects</a:t>
+            </a:r>
+          </a:p>
+          <a:p>
+            <a:pPr lvl="2"/>
+            <a:r>
+              <a:rPr lang="en-CA" dirty="0" err="1"/>
+              <a:t>SendMessage</a:t>
+            </a:r>
+            <a:r>
+              <a:rPr lang="en-CA" dirty="0"/>
+              <a:t>(xxx)		// Sent to the mediator</a:t>
+            </a:r>
+          </a:p>
+          <a:p>
+            <a:pPr lvl="1"/>
+            <a:r>
+              <a:rPr lang="en-CA" dirty="0"/>
+              <a:t>“xxx” is the message, which can be…</a:t>
+            </a:r>
+          </a:p>
+        </p:txBody>
+      </p:sp>
+      <p:sp>
+        <p:nvSpPr>
+          <p:cNvPr id="4" name="AutoShape 6"/>
+          <p:cNvSpPr>
+            <a:spLocks noChangeArrowheads="1"/>
+          </p:cNvSpPr>
+          <p:nvPr/>
+        </p:nvSpPr>
+        <p:spPr bwMode="auto">
+          <a:xfrm>
+            <a:off x="8534400" y="4800600"/>
+            <a:ext cx="609600" cy="342900"/>
+          </a:xfrm>
+          <a:prstGeom prst="rightArrow">
+            <a:avLst>
+              <a:gd name="adj1" fmla="val 50000"/>
+              <a:gd name="adj2" fmla="val 33333"/>
+            </a:avLst>
+          </a:prstGeom>
+          <a:noFill/>
+          <a:ln w="19050">
+            <a:solidFill>
+              <a:srgbClr val="969696"/>
+            </a:solidFill>
+            <a:miter lim="800000"/>
+            <a:headEnd/>
+            <a:tailEnd/>
+          </a:ln>
+        </p:spPr>
+        <p:txBody>
+          <a:bodyPr wrap="none" anchor="ctr"/>
+          <a:lstStyle/>
+          <a:p>
+            <a:endParaRPr lang="en-CA"/>
+          </a:p>
+        </p:txBody>
+      </p:sp>
+    </p:spTree>
+    <p:extLst>
+      <p:ext uri="{BB962C8B-B14F-4D97-AF65-F5344CB8AC3E}">
+        <p14:creationId xmlns:p14="http://schemas.microsoft.com/office/powerpoint/2010/main" val="615891774"/>
       </p:ext>
     </p:extLst>
   </p:cSld>
@@ -7844,6 +11110,1801 @@
 </p:sld>
 </file>
 
+<file path=ppt/slides/slide20.xml><?xml version="1.0" encoding="utf-8"?>
+<p:sld xmlns:a="http://schemas.openxmlformats.org/drawingml/2006/main" xmlns:r="http://schemas.openxmlformats.org/officeDocument/2006/relationships" xmlns:p="http://schemas.openxmlformats.org/presentationml/2006/main">
+  <p:cSld>
+    <p:spTree>
+      <p:nvGrpSpPr>
+        <p:cNvPr id="1" name=""/>
+        <p:cNvGrpSpPr/>
+        <p:nvPr/>
+      </p:nvGrpSpPr>
+      <p:grpSpPr>
+        <a:xfrm>
+          <a:off x="0" y="0"/>
+          <a:ext cx="0" cy="0"/>
+          <a:chOff x="0" y="0"/>
+          <a:chExt cx="0" cy="0"/>
+        </a:xfrm>
+      </p:grpSpPr>
+      <p:sp>
+        <p:nvSpPr>
+          <p:cNvPr id="2" name="Title 1"/>
+          <p:cNvSpPr>
+            <a:spLocks noGrp="1"/>
+          </p:cNvSpPr>
+          <p:nvPr>
+            <p:ph type="title"/>
+          </p:nvPr>
+        </p:nvSpPr>
+        <p:spPr>
+          <a:xfrm>
+            <a:off x="914400" y="384048"/>
+            <a:ext cx="7772400" cy="968502"/>
+          </a:xfrm>
+        </p:spPr>
+        <p:txBody>
+          <a:bodyPr/>
+          <a:lstStyle/>
+          <a:p>
+            <a:r>
+              <a:rPr lang="en-CA" dirty="0"/>
+              <a:t>Mediator: the </a:t>
+            </a:r>
+            <a:r>
+              <a:rPr lang="en-CA" dirty="0" err="1"/>
+              <a:t>deets</a:t>
+            </a:r>
+            <a:endParaRPr lang="en-CA" dirty="0"/>
+          </a:p>
+        </p:txBody>
+      </p:sp>
+      <p:sp>
+        <p:nvSpPr>
+          <p:cNvPr id="3" name="Content Placeholder 2"/>
+          <p:cNvSpPr>
+            <a:spLocks noGrp="1"/>
+          </p:cNvSpPr>
+          <p:nvPr>
+            <p:ph idx="1"/>
+          </p:nvPr>
+        </p:nvSpPr>
+        <p:spPr>
+          <a:xfrm>
+            <a:off x="304800" y="1428750"/>
+            <a:ext cx="8839200" cy="3337920"/>
+          </a:xfrm>
+        </p:spPr>
+        <p:txBody>
+          <a:bodyPr>
+            <a:normAutofit lnSpcReduction="10000"/>
+          </a:bodyPr>
+          <a:lstStyle/>
+          <a:p>
+            <a:pPr lvl="1"/>
+            <a:r>
+              <a:rPr lang="en-CA" dirty="0"/>
+              <a:t>“xxx” is the message, which can be…</a:t>
+            </a:r>
+          </a:p>
+          <a:p>
+            <a:pPr lvl="2"/>
+            <a:r>
+              <a:rPr lang="en-CA" dirty="0"/>
+              <a:t>A string</a:t>
+            </a:r>
+          </a:p>
+          <a:p>
+            <a:pPr lvl="2"/>
+            <a:r>
+              <a:rPr lang="en-CA" dirty="0"/>
+              <a:t>Some numbers</a:t>
+            </a:r>
+          </a:p>
+          <a:p>
+            <a:pPr lvl="2"/>
+            <a:r>
+              <a:rPr lang="en-CA" dirty="0"/>
+              <a:t>A vector of somethings? </a:t>
+            </a:r>
+          </a:p>
+          <a:p>
+            <a:pPr lvl="2"/>
+            <a:r>
+              <a:rPr lang="en-CA" dirty="0"/>
+              <a:t>JSON/XML</a:t>
+            </a:r>
+          </a:p>
+          <a:p>
+            <a:pPr lvl="2"/>
+            <a:r>
+              <a:rPr lang="en-CA" dirty="0"/>
+              <a:t>Or what Quake did…</a:t>
+            </a:r>
+          </a:p>
+          <a:p>
+            <a:pPr lvl="3"/>
+            <a:r>
+              <a:rPr lang="en-CA" b="0" i="0" dirty="0">
+                <a:solidFill>
+                  <a:srgbClr val="D3CFC9"/>
+                </a:solidFill>
+                <a:effectLst/>
+                <a:latin typeface="Verdana" panose="020B0604030504040204" pitchFamily="34" charset="0"/>
+              </a:rPr>
+              <a:t>CPU: Intel Pentium(R) 75 </a:t>
+            </a:r>
+            <a:r>
+              <a:rPr lang="en-CA" b="1" i="0" u="sng" dirty="0">
+                <a:solidFill>
+                  <a:srgbClr val="D3CFC9"/>
+                </a:solidFill>
+                <a:effectLst/>
+                <a:latin typeface="Verdana" panose="020B0604030504040204" pitchFamily="34" charset="0"/>
+              </a:rPr>
+              <a:t>M</a:t>
+            </a:r>
+            <a:r>
+              <a:rPr lang="en-CA" b="0" i="0" dirty="0">
+                <a:solidFill>
+                  <a:srgbClr val="D3CFC9"/>
+                </a:solidFill>
+                <a:effectLst/>
+                <a:latin typeface="Verdana" panose="020B0604030504040204" pitchFamily="34" charset="0"/>
+              </a:rPr>
+              <a:t>Hz processor or better</a:t>
+            </a:r>
+          </a:p>
+          <a:p>
+            <a:pPr lvl="3"/>
+            <a:r>
+              <a:rPr lang="en-CA" b="0" i="0" dirty="0">
+                <a:solidFill>
+                  <a:srgbClr val="D3CFC9"/>
+                </a:solidFill>
+                <a:effectLst/>
+                <a:latin typeface="Verdana" panose="020B0604030504040204" pitchFamily="34" charset="0"/>
+              </a:rPr>
+              <a:t>RAM: DOS: 8 MB RAM/Win 95: 16 MB RAM</a:t>
+            </a:r>
+            <a:endParaRPr lang="en-CA" dirty="0"/>
+          </a:p>
+        </p:txBody>
+      </p:sp>
+      <p:sp>
+        <p:nvSpPr>
+          <p:cNvPr id="4" name="AutoShape 6"/>
+          <p:cNvSpPr>
+            <a:spLocks noChangeArrowheads="1"/>
+          </p:cNvSpPr>
+          <p:nvPr/>
+        </p:nvSpPr>
+        <p:spPr bwMode="auto">
+          <a:xfrm>
+            <a:off x="8534400" y="4800600"/>
+            <a:ext cx="609600" cy="342900"/>
+          </a:xfrm>
+          <a:prstGeom prst="rightArrow">
+            <a:avLst>
+              <a:gd name="adj1" fmla="val 50000"/>
+              <a:gd name="adj2" fmla="val 33333"/>
+            </a:avLst>
+          </a:prstGeom>
+          <a:noFill/>
+          <a:ln w="19050">
+            <a:solidFill>
+              <a:srgbClr val="969696"/>
+            </a:solidFill>
+            <a:miter lim="800000"/>
+            <a:headEnd/>
+            <a:tailEnd/>
+          </a:ln>
+        </p:spPr>
+        <p:txBody>
+          <a:bodyPr wrap="none" anchor="ctr"/>
+          <a:lstStyle/>
+          <a:p>
+            <a:endParaRPr lang="en-CA"/>
+          </a:p>
+        </p:txBody>
+      </p:sp>
+    </p:spTree>
+    <p:extLst>
+      <p:ext uri="{BB962C8B-B14F-4D97-AF65-F5344CB8AC3E}">
+        <p14:creationId xmlns:p14="http://schemas.microsoft.com/office/powerpoint/2010/main" val="1121708693"/>
+      </p:ext>
+    </p:extLst>
+  </p:cSld>
+  <p:clrMapOvr>
+    <a:masterClrMapping/>
+  </p:clrMapOvr>
+  <p:timing>
+    <p:tnLst>
+      <p:par>
+        <p:cTn id="1" dur="indefinite" restart="never" nodeType="tmRoot">
+          <p:childTnLst>
+            <p:seq concurrent="1" nextAc="seek">
+              <p:cTn id="2" dur="indefinite" nodeType="mainSeq">
+                <p:childTnLst>
+                  <p:par>
+                    <p:cTn id="3" fill="hold">
+                      <p:stCondLst>
+                        <p:cond delay="indefinite"/>
+                      </p:stCondLst>
+                      <p:childTnLst>
+                        <p:par>
+                          <p:cTn id="4" fill="hold">
+                            <p:stCondLst>
+                              <p:cond delay="0"/>
+                            </p:stCondLst>
+                            <p:childTnLst>
+                              <p:par>
+                                <p:cTn id="5" presetID="10" presetClass="entr" presetSubtype="0" fill="hold" grpId="0" nodeType="clickEffect">
+                                  <p:stCondLst>
+                                    <p:cond delay="0"/>
+                                  </p:stCondLst>
+                                  <p:childTnLst>
+                                    <p:set>
+                                      <p:cBhvr>
+                                        <p:cTn id="6" dur="1" fill="hold">
+                                          <p:stCondLst>
+                                            <p:cond delay="0"/>
+                                          </p:stCondLst>
+                                        </p:cTn>
+                                        <p:tgtEl>
+                                          <p:spTgt spid="4"/>
+                                        </p:tgtEl>
+                                        <p:attrNameLst>
+                                          <p:attrName>style.visibility</p:attrName>
+                                        </p:attrNameLst>
+                                      </p:cBhvr>
+                                      <p:to>
+                                        <p:strVal val="visible"/>
+                                      </p:to>
+                                    </p:set>
+                                    <p:animEffect transition="in" filter="fade">
+                                      <p:cBhvr>
+                                        <p:cTn id="7" dur="500"/>
+                                        <p:tgtEl>
+                                          <p:spTgt spid="4"/>
+                                        </p:tgtEl>
+                                      </p:cBhvr>
+                                    </p:animEffect>
+                                  </p:childTnLst>
+                                </p:cTn>
+                              </p:par>
+                            </p:childTnLst>
+                          </p:cTn>
+                        </p:par>
+                      </p:childTnLst>
+                    </p:cTn>
+                  </p:par>
+                </p:childTnLst>
+              </p:cTn>
+              <p:prevCondLst>
+                <p:cond evt="onPrev" delay="0">
+                  <p:tgtEl>
+                    <p:sldTgt/>
+                  </p:tgtEl>
+                </p:cond>
+              </p:prevCondLst>
+              <p:nextCondLst>
+                <p:cond evt="onNext" delay="0">
+                  <p:tgtEl>
+                    <p:sldTgt/>
+                  </p:tgtEl>
+                </p:cond>
+              </p:nextCondLst>
+            </p:seq>
+          </p:childTnLst>
+        </p:cTn>
+      </p:par>
+    </p:tnLst>
+    <p:bldLst>
+      <p:bldP spid="4" grpId="0" animBg="1"/>
+    </p:bldLst>
+  </p:timing>
+</p:sld>
+</file>
+
+<file path=ppt/slides/slide21.xml><?xml version="1.0" encoding="utf-8"?>
+<p:sld xmlns:a="http://schemas.openxmlformats.org/drawingml/2006/main" xmlns:r="http://schemas.openxmlformats.org/officeDocument/2006/relationships" xmlns:p="http://schemas.openxmlformats.org/presentationml/2006/main">
+  <p:cSld>
+    <p:spTree>
+      <p:nvGrpSpPr>
+        <p:cNvPr id="1" name=""/>
+        <p:cNvGrpSpPr/>
+        <p:nvPr/>
+      </p:nvGrpSpPr>
+      <p:grpSpPr>
+        <a:xfrm>
+          <a:off x="0" y="0"/>
+          <a:ext cx="0" cy="0"/>
+          <a:chOff x="0" y="0"/>
+          <a:chExt cx="0" cy="0"/>
+        </a:xfrm>
+      </p:grpSpPr>
+      <p:sp>
+        <p:nvSpPr>
+          <p:cNvPr id="2" name="Title 1"/>
+          <p:cNvSpPr>
+            <a:spLocks noGrp="1"/>
+          </p:cNvSpPr>
+          <p:nvPr>
+            <p:ph type="title"/>
+          </p:nvPr>
+        </p:nvSpPr>
+        <p:spPr>
+          <a:xfrm>
+            <a:off x="914400" y="384048"/>
+            <a:ext cx="7772400" cy="968502"/>
+          </a:xfrm>
+        </p:spPr>
+        <p:txBody>
+          <a:bodyPr/>
+          <a:lstStyle/>
+          <a:p>
+            <a:r>
+              <a:rPr lang="en-CA" dirty="0"/>
+              <a:t>Mediator: the </a:t>
+            </a:r>
+            <a:r>
+              <a:rPr lang="en-CA" dirty="0" err="1"/>
+              <a:t>deets</a:t>
+            </a:r>
+            <a:endParaRPr lang="en-CA" dirty="0"/>
+          </a:p>
+        </p:txBody>
+      </p:sp>
+      <p:sp>
+        <p:nvSpPr>
+          <p:cNvPr id="3" name="Content Placeholder 2"/>
+          <p:cNvSpPr>
+            <a:spLocks noGrp="1"/>
+          </p:cNvSpPr>
+          <p:nvPr>
+            <p:ph idx="1"/>
+          </p:nvPr>
+        </p:nvSpPr>
+        <p:spPr>
+          <a:xfrm>
+            <a:off x="304800" y="1428750"/>
+            <a:ext cx="8839200" cy="3337920"/>
+          </a:xfrm>
+        </p:spPr>
+        <p:txBody>
+          <a:bodyPr>
+            <a:normAutofit fontScale="92500" lnSpcReduction="20000"/>
+          </a:bodyPr>
+          <a:lstStyle/>
+          <a:p>
+            <a:pPr lvl="1"/>
+            <a:r>
+              <a:rPr lang="en-CA" dirty="0"/>
+              <a:t>“xxx” name value pair</a:t>
+            </a:r>
+          </a:p>
+          <a:p>
+            <a:pPr lvl="3"/>
+            <a:r>
+              <a:rPr lang="en-CA" b="0" i="0" dirty="0">
+                <a:solidFill>
+                  <a:srgbClr val="D3CFC9"/>
+                </a:solidFill>
+                <a:effectLst/>
+                <a:latin typeface="Verdana" panose="020B0604030504040204" pitchFamily="34" charset="0"/>
+              </a:rPr>
+              <a:t>Char “string” (16 chars)</a:t>
+            </a:r>
+          </a:p>
+          <a:p>
+            <a:pPr lvl="3"/>
+            <a:r>
+              <a:rPr lang="en-CA" dirty="0">
+                <a:solidFill>
+                  <a:srgbClr val="D3CFC9"/>
+                </a:solidFill>
+                <a:latin typeface="Verdana" panose="020B0604030504040204" pitchFamily="34" charset="0"/>
+              </a:rPr>
+              <a:t>Set of 3 (or 4) floats</a:t>
+            </a:r>
+          </a:p>
+          <a:p>
+            <a:pPr lvl="1"/>
+            <a:r>
+              <a:rPr lang="en-CA" dirty="0">
+                <a:solidFill>
+                  <a:srgbClr val="D3CFC9"/>
+                </a:solidFill>
+                <a:latin typeface="Verdana" panose="020B0604030504040204" pitchFamily="34" charset="0"/>
+              </a:rPr>
+              <a:t>All communication was a set of these</a:t>
+            </a:r>
+          </a:p>
+          <a:p>
+            <a:pPr lvl="1"/>
+            <a:r>
+              <a:rPr lang="en-CA" dirty="0">
+                <a:solidFill>
+                  <a:srgbClr val="D3CFC9"/>
+                </a:solidFill>
+                <a:latin typeface="Verdana" panose="020B0604030504040204" pitchFamily="34" charset="0"/>
+              </a:rPr>
+              <a:t>struct </a:t>
+            </a:r>
+            <a:r>
+              <a:rPr lang="en-CA" dirty="0" err="1">
+                <a:solidFill>
+                  <a:srgbClr val="D3CFC9"/>
+                </a:solidFill>
+                <a:latin typeface="Verdana" panose="020B0604030504040204" pitchFamily="34" charset="0"/>
+              </a:rPr>
+              <a:t>sNVPair</a:t>
+            </a:r>
+            <a:r>
+              <a:rPr lang="en-CA" dirty="0">
+                <a:solidFill>
+                  <a:srgbClr val="D3CFC9"/>
+                </a:solidFill>
+                <a:latin typeface="Verdana" panose="020B0604030504040204" pitchFamily="34" charset="0"/>
+              </a:rPr>
+              <a:t> {</a:t>
+            </a:r>
+            <a:br>
+              <a:rPr lang="en-CA" dirty="0">
+                <a:solidFill>
+                  <a:srgbClr val="D3CFC9"/>
+                </a:solidFill>
+                <a:latin typeface="Verdana" panose="020B0604030504040204" pitchFamily="34" charset="0"/>
+              </a:rPr>
+            </a:br>
+            <a:r>
+              <a:rPr lang="en-CA" dirty="0">
+                <a:solidFill>
+                  <a:srgbClr val="D3CFC9"/>
+                </a:solidFill>
+                <a:latin typeface="Verdana" panose="020B0604030504040204" pitchFamily="34" charset="0"/>
+              </a:rPr>
+              <a:t>   char message[16];</a:t>
+            </a:r>
+            <a:br>
+              <a:rPr lang="en-CA" dirty="0">
+                <a:solidFill>
+                  <a:srgbClr val="D3CFC9"/>
+                </a:solidFill>
+                <a:latin typeface="Verdana" panose="020B0604030504040204" pitchFamily="34" charset="0"/>
+              </a:rPr>
+            </a:br>
+            <a:r>
+              <a:rPr lang="en-CA" dirty="0">
+                <a:solidFill>
+                  <a:srgbClr val="D3CFC9"/>
+                </a:solidFill>
+                <a:latin typeface="Verdana" panose="020B0604030504040204" pitchFamily="34" charset="0"/>
+              </a:rPr>
+              <a:t>   float </a:t>
+            </a:r>
+            <a:r>
+              <a:rPr lang="en-CA" dirty="0" err="1">
+                <a:solidFill>
+                  <a:srgbClr val="D3CFC9"/>
+                </a:solidFill>
+                <a:latin typeface="Verdana" panose="020B0604030504040204" pitchFamily="34" charset="0"/>
+              </a:rPr>
+              <a:t>nums</a:t>
+            </a:r>
+            <a:r>
+              <a:rPr lang="en-CA" dirty="0">
+                <a:solidFill>
+                  <a:srgbClr val="D3CFC9"/>
+                </a:solidFill>
+                <a:latin typeface="Verdana" panose="020B0604030504040204" pitchFamily="34" charset="0"/>
+              </a:rPr>
+              <a:t>[3];</a:t>
+            </a:r>
+            <a:br>
+              <a:rPr lang="en-CA" dirty="0">
+                <a:solidFill>
+                  <a:srgbClr val="D3CFC9"/>
+                </a:solidFill>
+                <a:latin typeface="Verdana" panose="020B0604030504040204" pitchFamily="34" charset="0"/>
+              </a:rPr>
+            </a:br>
+            <a:r>
+              <a:rPr lang="en-CA" dirty="0">
+                <a:solidFill>
+                  <a:srgbClr val="D3CFC9"/>
+                </a:solidFill>
+                <a:latin typeface="Verdana" panose="020B0604030504040204" pitchFamily="34" charset="0"/>
+              </a:rPr>
+              <a:t>}</a:t>
+            </a:r>
+          </a:p>
+          <a:p>
+            <a:pPr lvl="1"/>
+            <a:r>
+              <a:rPr lang="en-CA" dirty="0" err="1">
+                <a:solidFill>
+                  <a:srgbClr val="D3CFC9"/>
+                </a:solidFill>
+                <a:latin typeface="Verdana" panose="020B0604030504040204" pitchFamily="34" charset="0"/>
+              </a:rPr>
+              <a:t>SendMessage</a:t>
+            </a:r>
+            <a:r>
+              <a:rPr lang="en-CA" dirty="0">
+                <a:solidFill>
+                  <a:srgbClr val="D3CFC9"/>
+                </a:solidFill>
+                <a:latin typeface="Verdana" panose="020B0604030504040204" pitchFamily="34" charset="0"/>
+              </a:rPr>
+              <a:t>( </a:t>
+            </a:r>
+            <a:r>
+              <a:rPr lang="en-CA" dirty="0" err="1">
+                <a:solidFill>
+                  <a:srgbClr val="D3CFC9"/>
+                </a:solidFill>
+                <a:latin typeface="Verdana" panose="020B0604030504040204" pitchFamily="34" charset="0"/>
+              </a:rPr>
+              <a:t>sNVPair</a:t>
+            </a:r>
+            <a:r>
+              <a:rPr lang="en-CA" dirty="0">
+                <a:solidFill>
+                  <a:srgbClr val="D3CFC9"/>
+                </a:solidFill>
+                <a:latin typeface="Verdana" panose="020B0604030504040204" pitchFamily="34" charset="0"/>
+              </a:rPr>
+              <a:t> message );</a:t>
+            </a:r>
+          </a:p>
+          <a:p>
+            <a:pPr lvl="1"/>
+            <a:r>
+              <a:rPr lang="en-CA" dirty="0" err="1">
+                <a:solidFill>
+                  <a:srgbClr val="D3CFC9"/>
+                </a:solidFill>
+                <a:latin typeface="Verdana" panose="020B0604030504040204" pitchFamily="34" charset="0"/>
+              </a:rPr>
+              <a:t>RecieveMesage</a:t>
+            </a:r>
+            <a:r>
+              <a:rPr lang="en-CA" dirty="0">
+                <a:solidFill>
+                  <a:srgbClr val="D3CFC9"/>
+                </a:solidFill>
+                <a:latin typeface="Verdana" panose="020B0604030504040204" pitchFamily="34" charset="0"/>
+              </a:rPr>
+              <a:t>( </a:t>
+            </a:r>
+            <a:r>
+              <a:rPr lang="en-CA" dirty="0" err="1">
+                <a:solidFill>
+                  <a:srgbClr val="D3CFC9"/>
+                </a:solidFill>
+                <a:latin typeface="Verdana" panose="020B0604030504040204" pitchFamily="34" charset="0"/>
+              </a:rPr>
+              <a:t>sNVPair</a:t>
+            </a:r>
+            <a:r>
+              <a:rPr lang="en-CA" dirty="0">
+                <a:solidFill>
+                  <a:srgbClr val="D3CFC9"/>
+                </a:solidFill>
+                <a:latin typeface="Verdana" panose="020B0604030504040204" pitchFamily="34" charset="0"/>
+              </a:rPr>
+              <a:t> message );</a:t>
+            </a:r>
+          </a:p>
+        </p:txBody>
+      </p:sp>
+      <p:sp>
+        <p:nvSpPr>
+          <p:cNvPr id="4" name="AutoShape 6"/>
+          <p:cNvSpPr>
+            <a:spLocks noChangeArrowheads="1"/>
+          </p:cNvSpPr>
+          <p:nvPr/>
+        </p:nvSpPr>
+        <p:spPr bwMode="auto">
+          <a:xfrm>
+            <a:off x="8534400" y="4800600"/>
+            <a:ext cx="609600" cy="342900"/>
+          </a:xfrm>
+          <a:prstGeom prst="rightArrow">
+            <a:avLst>
+              <a:gd name="adj1" fmla="val 50000"/>
+              <a:gd name="adj2" fmla="val 33333"/>
+            </a:avLst>
+          </a:prstGeom>
+          <a:noFill/>
+          <a:ln w="19050">
+            <a:solidFill>
+              <a:srgbClr val="969696"/>
+            </a:solidFill>
+            <a:miter lim="800000"/>
+            <a:headEnd/>
+            <a:tailEnd/>
+          </a:ln>
+        </p:spPr>
+        <p:txBody>
+          <a:bodyPr wrap="none" anchor="ctr"/>
+          <a:lstStyle/>
+          <a:p>
+            <a:endParaRPr lang="en-CA"/>
+          </a:p>
+        </p:txBody>
+      </p:sp>
+    </p:spTree>
+    <p:extLst>
+      <p:ext uri="{BB962C8B-B14F-4D97-AF65-F5344CB8AC3E}">
+        <p14:creationId xmlns:p14="http://schemas.microsoft.com/office/powerpoint/2010/main" val="1232254187"/>
+      </p:ext>
+    </p:extLst>
+  </p:cSld>
+  <p:clrMapOvr>
+    <a:masterClrMapping/>
+  </p:clrMapOvr>
+  <p:timing>
+    <p:tnLst>
+      <p:par>
+        <p:cTn id="1" dur="indefinite" restart="never" nodeType="tmRoot">
+          <p:childTnLst>
+            <p:seq concurrent="1" nextAc="seek">
+              <p:cTn id="2" dur="indefinite" nodeType="mainSeq">
+                <p:childTnLst>
+                  <p:par>
+                    <p:cTn id="3" fill="hold">
+                      <p:stCondLst>
+                        <p:cond delay="indefinite"/>
+                      </p:stCondLst>
+                      <p:childTnLst>
+                        <p:par>
+                          <p:cTn id="4" fill="hold">
+                            <p:stCondLst>
+                              <p:cond delay="0"/>
+                            </p:stCondLst>
+                            <p:childTnLst>
+                              <p:par>
+                                <p:cTn id="5" presetID="10" presetClass="entr" presetSubtype="0" fill="hold" grpId="0" nodeType="clickEffect">
+                                  <p:stCondLst>
+                                    <p:cond delay="0"/>
+                                  </p:stCondLst>
+                                  <p:childTnLst>
+                                    <p:set>
+                                      <p:cBhvr>
+                                        <p:cTn id="6" dur="1" fill="hold">
+                                          <p:stCondLst>
+                                            <p:cond delay="0"/>
+                                          </p:stCondLst>
+                                        </p:cTn>
+                                        <p:tgtEl>
+                                          <p:spTgt spid="4"/>
+                                        </p:tgtEl>
+                                        <p:attrNameLst>
+                                          <p:attrName>style.visibility</p:attrName>
+                                        </p:attrNameLst>
+                                      </p:cBhvr>
+                                      <p:to>
+                                        <p:strVal val="visible"/>
+                                      </p:to>
+                                    </p:set>
+                                    <p:animEffect transition="in" filter="fade">
+                                      <p:cBhvr>
+                                        <p:cTn id="7" dur="500"/>
+                                        <p:tgtEl>
+                                          <p:spTgt spid="4"/>
+                                        </p:tgtEl>
+                                      </p:cBhvr>
+                                    </p:animEffect>
+                                  </p:childTnLst>
+                                </p:cTn>
+                              </p:par>
+                            </p:childTnLst>
+                          </p:cTn>
+                        </p:par>
+                      </p:childTnLst>
+                    </p:cTn>
+                  </p:par>
+                </p:childTnLst>
+              </p:cTn>
+              <p:prevCondLst>
+                <p:cond evt="onPrev" delay="0">
+                  <p:tgtEl>
+                    <p:sldTgt/>
+                  </p:tgtEl>
+                </p:cond>
+              </p:prevCondLst>
+              <p:nextCondLst>
+                <p:cond evt="onNext" delay="0">
+                  <p:tgtEl>
+                    <p:sldTgt/>
+                  </p:tgtEl>
+                </p:cond>
+              </p:nextCondLst>
+            </p:seq>
+          </p:childTnLst>
+        </p:cTn>
+      </p:par>
+    </p:tnLst>
+    <p:bldLst>
+      <p:bldP spid="4" grpId="0" animBg="1"/>
+    </p:bldLst>
+  </p:timing>
+</p:sld>
+</file>
+
+<file path=ppt/slides/slide22.xml><?xml version="1.0" encoding="utf-8"?>
+<p:sld xmlns:a="http://schemas.openxmlformats.org/drawingml/2006/main" xmlns:r="http://schemas.openxmlformats.org/officeDocument/2006/relationships" xmlns:p="http://schemas.openxmlformats.org/presentationml/2006/main">
+  <p:cSld>
+    <p:spTree>
+      <p:nvGrpSpPr>
+        <p:cNvPr id="1" name=""/>
+        <p:cNvGrpSpPr/>
+        <p:nvPr/>
+      </p:nvGrpSpPr>
+      <p:grpSpPr>
+        <a:xfrm>
+          <a:off x="0" y="0"/>
+          <a:ext cx="0" cy="0"/>
+          <a:chOff x="0" y="0"/>
+          <a:chExt cx="0" cy="0"/>
+        </a:xfrm>
+      </p:grpSpPr>
+      <p:sp>
+        <p:nvSpPr>
+          <p:cNvPr id="2" name="Title 1"/>
+          <p:cNvSpPr>
+            <a:spLocks noGrp="1"/>
+          </p:cNvSpPr>
+          <p:nvPr>
+            <p:ph type="title"/>
+          </p:nvPr>
+        </p:nvSpPr>
+        <p:spPr>
+          <a:xfrm>
+            <a:off x="914400" y="384048"/>
+            <a:ext cx="7772400" cy="968502"/>
+          </a:xfrm>
+        </p:spPr>
+        <p:txBody>
+          <a:bodyPr/>
+          <a:lstStyle/>
+          <a:p>
+            <a:r>
+              <a:rPr lang="en-CA" dirty="0"/>
+              <a:t>Mediator: the </a:t>
+            </a:r>
+            <a:r>
+              <a:rPr lang="en-CA" dirty="0" err="1"/>
+              <a:t>deets</a:t>
+            </a:r>
+            <a:endParaRPr lang="en-CA" dirty="0"/>
+          </a:p>
+        </p:txBody>
+      </p:sp>
+      <p:sp>
+        <p:nvSpPr>
+          <p:cNvPr id="3" name="Content Placeholder 2"/>
+          <p:cNvSpPr>
+            <a:spLocks noGrp="1"/>
+          </p:cNvSpPr>
+          <p:nvPr>
+            <p:ph idx="1"/>
+          </p:nvPr>
+        </p:nvSpPr>
+        <p:spPr>
+          <a:xfrm>
+            <a:off x="304800" y="1428750"/>
+            <a:ext cx="8839200" cy="3337920"/>
+          </a:xfrm>
+        </p:spPr>
+        <p:txBody>
+          <a:bodyPr>
+            <a:normAutofit/>
+          </a:bodyPr>
+          <a:lstStyle/>
+          <a:p>
+            <a:pPr lvl="1"/>
+            <a:r>
+              <a:rPr lang="en-CA" dirty="0"/>
+              <a:t>NV pair is the foundation of things like JSON.</a:t>
+            </a:r>
+          </a:p>
+          <a:p>
+            <a:pPr lvl="1"/>
+            <a:r>
+              <a:rPr lang="en-CA" dirty="0"/>
+              <a:t>XML has a more complex variation of this</a:t>
+            </a:r>
+          </a:p>
+          <a:p>
+            <a:pPr lvl="1"/>
+            <a:r>
+              <a:rPr lang="en-CA" dirty="0"/>
+              <a:t>But THE KEY is that they are </a:t>
+            </a:r>
+            <a:r>
+              <a:rPr lang="en-CA" i="1" dirty="0"/>
+              <a:t>really </a:t>
+            </a:r>
+            <a:r>
+              <a:rPr lang="en-CA" dirty="0"/>
+              <a:t>just strings, so your methods/functions are:</a:t>
+            </a:r>
+          </a:p>
+          <a:p>
+            <a:pPr lvl="2"/>
+            <a:r>
+              <a:rPr lang="en-CA" dirty="0"/>
+              <a:t>string </a:t>
+            </a:r>
+            <a:r>
+              <a:rPr lang="en-CA" dirty="0" err="1"/>
+              <a:t>doSomething</a:t>
+            </a:r>
+            <a:r>
+              <a:rPr lang="en-CA" dirty="0"/>
+              <a:t>( string </a:t>
+            </a:r>
+            <a:r>
+              <a:rPr lang="en-CA" dirty="0" err="1"/>
+              <a:t>TheCommand</a:t>
+            </a:r>
+            <a:r>
+              <a:rPr lang="en-CA" dirty="0"/>
+              <a:t> );</a:t>
+            </a:r>
+          </a:p>
+          <a:p>
+            <a:pPr lvl="1"/>
+            <a:r>
+              <a:rPr lang="en-CA" dirty="0"/>
+              <a:t>Since this interface never changes, then we don’t need to rebuild (i.e. header never changes)</a:t>
+            </a:r>
+          </a:p>
+        </p:txBody>
+      </p:sp>
+      <p:sp>
+        <p:nvSpPr>
+          <p:cNvPr id="4" name="AutoShape 6"/>
+          <p:cNvSpPr>
+            <a:spLocks noChangeArrowheads="1"/>
+          </p:cNvSpPr>
+          <p:nvPr/>
+        </p:nvSpPr>
+        <p:spPr bwMode="auto">
+          <a:xfrm>
+            <a:off x="8534400" y="4800600"/>
+            <a:ext cx="609600" cy="342900"/>
+          </a:xfrm>
+          <a:prstGeom prst="rightArrow">
+            <a:avLst>
+              <a:gd name="adj1" fmla="val 50000"/>
+              <a:gd name="adj2" fmla="val 33333"/>
+            </a:avLst>
+          </a:prstGeom>
+          <a:noFill/>
+          <a:ln w="19050">
+            <a:solidFill>
+              <a:srgbClr val="969696"/>
+            </a:solidFill>
+            <a:miter lim="800000"/>
+            <a:headEnd/>
+            <a:tailEnd/>
+          </a:ln>
+        </p:spPr>
+        <p:txBody>
+          <a:bodyPr wrap="none" anchor="ctr"/>
+          <a:lstStyle/>
+          <a:p>
+            <a:endParaRPr lang="en-CA"/>
+          </a:p>
+        </p:txBody>
+      </p:sp>
+    </p:spTree>
+    <p:extLst>
+      <p:ext uri="{BB962C8B-B14F-4D97-AF65-F5344CB8AC3E}">
+        <p14:creationId xmlns:p14="http://schemas.microsoft.com/office/powerpoint/2010/main" val="921097717"/>
+      </p:ext>
+    </p:extLst>
+  </p:cSld>
+  <p:clrMapOvr>
+    <a:masterClrMapping/>
+  </p:clrMapOvr>
+  <p:timing>
+    <p:tnLst>
+      <p:par>
+        <p:cTn id="1" dur="indefinite" restart="never" nodeType="tmRoot">
+          <p:childTnLst>
+            <p:seq concurrent="1" nextAc="seek">
+              <p:cTn id="2" dur="indefinite" nodeType="mainSeq">
+                <p:childTnLst>
+                  <p:par>
+                    <p:cTn id="3" fill="hold">
+                      <p:stCondLst>
+                        <p:cond delay="indefinite"/>
+                      </p:stCondLst>
+                      <p:childTnLst>
+                        <p:par>
+                          <p:cTn id="4" fill="hold">
+                            <p:stCondLst>
+                              <p:cond delay="0"/>
+                            </p:stCondLst>
+                            <p:childTnLst>
+                              <p:par>
+                                <p:cTn id="5" presetID="10" presetClass="entr" presetSubtype="0" fill="hold" grpId="0" nodeType="clickEffect">
+                                  <p:stCondLst>
+                                    <p:cond delay="0"/>
+                                  </p:stCondLst>
+                                  <p:childTnLst>
+                                    <p:set>
+                                      <p:cBhvr>
+                                        <p:cTn id="6" dur="1" fill="hold">
+                                          <p:stCondLst>
+                                            <p:cond delay="0"/>
+                                          </p:stCondLst>
+                                        </p:cTn>
+                                        <p:tgtEl>
+                                          <p:spTgt spid="4"/>
+                                        </p:tgtEl>
+                                        <p:attrNameLst>
+                                          <p:attrName>style.visibility</p:attrName>
+                                        </p:attrNameLst>
+                                      </p:cBhvr>
+                                      <p:to>
+                                        <p:strVal val="visible"/>
+                                      </p:to>
+                                    </p:set>
+                                    <p:animEffect transition="in" filter="fade">
+                                      <p:cBhvr>
+                                        <p:cTn id="7" dur="500"/>
+                                        <p:tgtEl>
+                                          <p:spTgt spid="4"/>
+                                        </p:tgtEl>
+                                      </p:cBhvr>
+                                    </p:animEffect>
+                                  </p:childTnLst>
+                                </p:cTn>
+                              </p:par>
+                            </p:childTnLst>
+                          </p:cTn>
+                        </p:par>
+                      </p:childTnLst>
+                    </p:cTn>
+                  </p:par>
+                </p:childTnLst>
+              </p:cTn>
+              <p:prevCondLst>
+                <p:cond evt="onPrev" delay="0">
+                  <p:tgtEl>
+                    <p:sldTgt/>
+                  </p:tgtEl>
+                </p:cond>
+              </p:prevCondLst>
+              <p:nextCondLst>
+                <p:cond evt="onNext" delay="0">
+                  <p:tgtEl>
+                    <p:sldTgt/>
+                  </p:tgtEl>
+                </p:cond>
+              </p:nextCondLst>
+            </p:seq>
+          </p:childTnLst>
+        </p:cTn>
+      </p:par>
+    </p:tnLst>
+    <p:bldLst>
+      <p:bldP spid="4" grpId="0" animBg="1"/>
+    </p:bldLst>
+  </p:timing>
+</p:sld>
+</file>
+
+<file path=ppt/slides/slide23.xml><?xml version="1.0" encoding="utf-8"?>
+<p:sld xmlns:a="http://schemas.openxmlformats.org/drawingml/2006/main" xmlns:r="http://schemas.openxmlformats.org/officeDocument/2006/relationships" xmlns:p="http://schemas.openxmlformats.org/presentationml/2006/main">
+  <p:cSld>
+    <p:spTree>
+      <p:nvGrpSpPr>
+        <p:cNvPr id="1" name=""/>
+        <p:cNvGrpSpPr/>
+        <p:nvPr/>
+      </p:nvGrpSpPr>
+      <p:grpSpPr>
+        <a:xfrm>
+          <a:off x="0" y="0"/>
+          <a:ext cx="0" cy="0"/>
+          <a:chOff x="0" y="0"/>
+          <a:chExt cx="0" cy="0"/>
+        </a:xfrm>
+      </p:grpSpPr>
+      <p:sp>
+        <p:nvSpPr>
+          <p:cNvPr id="2" name="Title 1"/>
+          <p:cNvSpPr>
+            <a:spLocks noGrp="1"/>
+          </p:cNvSpPr>
+          <p:nvPr>
+            <p:ph type="title"/>
+          </p:nvPr>
+        </p:nvSpPr>
+        <p:spPr>
+          <a:xfrm>
+            <a:off x="914400" y="384048"/>
+            <a:ext cx="7772400" cy="968502"/>
+          </a:xfrm>
+        </p:spPr>
+        <p:txBody>
+          <a:bodyPr/>
+          <a:lstStyle/>
+          <a:p>
+            <a:r>
+              <a:rPr lang="en-CA" dirty="0"/>
+              <a:t>Mediator: the </a:t>
+            </a:r>
+            <a:r>
+              <a:rPr lang="en-CA" dirty="0" err="1"/>
+              <a:t>deets</a:t>
+            </a:r>
+            <a:endParaRPr lang="en-CA" dirty="0"/>
+          </a:p>
+        </p:txBody>
+      </p:sp>
+      <p:sp>
+        <p:nvSpPr>
+          <p:cNvPr id="3" name="Content Placeholder 2"/>
+          <p:cNvSpPr>
+            <a:spLocks noGrp="1"/>
+          </p:cNvSpPr>
+          <p:nvPr>
+            <p:ph idx="1"/>
+          </p:nvPr>
+        </p:nvSpPr>
+        <p:spPr>
+          <a:xfrm>
+            <a:off x="304800" y="1428750"/>
+            <a:ext cx="8839200" cy="3337920"/>
+          </a:xfrm>
+        </p:spPr>
+        <p:txBody>
+          <a:bodyPr>
+            <a:normAutofit fontScale="92500" lnSpcReduction="20000"/>
+          </a:bodyPr>
+          <a:lstStyle/>
+          <a:p>
+            <a:pPr lvl="1"/>
+            <a:r>
+              <a:rPr lang="en-CA" dirty="0"/>
+              <a:t>need to rebuild (i.e. header never changes)</a:t>
+            </a:r>
+          </a:p>
+          <a:p>
+            <a:pPr lvl="1"/>
+            <a:r>
+              <a:rPr lang="en-CA" dirty="0"/>
+              <a:t>The “down side” is that the things getting these message have to be “smarter”</a:t>
+            </a:r>
+          </a:p>
+          <a:p>
+            <a:pPr lvl="1"/>
+            <a:r>
+              <a:rPr lang="en-CA" dirty="0"/>
+              <a:t>Instead of:</a:t>
+            </a:r>
+          </a:p>
+          <a:p>
+            <a:pPr lvl="2"/>
+            <a:r>
+              <a:rPr lang="en-CA" dirty="0"/>
+              <a:t>Void </a:t>
+            </a:r>
+            <a:r>
+              <a:rPr lang="en-CA" dirty="0" err="1"/>
+              <a:t>takeDamage</a:t>
+            </a:r>
+            <a:r>
+              <a:rPr lang="en-CA" dirty="0"/>
+              <a:t>(float damage);</a:t>
+            </a:r>
+          </a:p>
+          <a:p>
+            <a:pPr lvl="2"/>
+            <a:r>
+              <a:rPr lang="en-CA" dirty="0"/>
+              <a:t>Void move( </a:t>
+            </a:r>
+            <a:r>
+              <a:rPr lang="en-CA" dirty="0" err="1"/>
+              <a:t>glm</a:t>
+            </a:r>
+            <a:r>
+              <a:rPr lang="en-CA" dirty="0"/>
+              <a:t>::vec3 distance);</a:t>
+            </a:r>
+          </a:p>
+          <a:p>
+            <a:pPr lvl="2"/>
+            <a:r>
+              <a:rPr lang="en-CA" dirty="0"/>
+              <a:t>//… etc.</a:t>
+            </a:r>
+          </a:p>
+          <a:p>
+            <a:pPr lvl="1"/>
+            <a:r>
+              <a:rPr lang="en-CA" dirty="0"/>
+              <a:t>It’s </a:t>
+            </a:r>
+          </a:p>
+          <a:p>
+            <a:pPr lvl="2"/>
+            <a:r>
+              <a:rPr lang="en-CA" dirty="0"/>
+              <a:t>Void DoSomething( </a:t>
+            </a:r>
+            <a:r>
+              <a:rPr lang="en-CA" dirty="0" err="1"/>
+              <a:t>cNVPair</a:t>
+            </a:r>
+            <a:r>
+              <a:rPr lang="en-CA" dirty="0"/>
+              <a:t> </a:t>
+            </a:r>
+            <a:r>
+              <a:rPr lang="en-CA" dirty="0" err="1"/>
+              <a:t>theCommand</a:t>
+            </a:r>
+            <a:r>
+              <a:rPr lang="en-CA" dirty="0"/>
+              <a:t> );</a:t>
+            </a:r>
+          </a:p>
+        </p:txBody>
+      </p:sp>
+      <p:sp>
+        <p:nvSpPr>
+          <p:cNvPr id="4" name="AutoShape 6"/>
+          <p:cNvSpPr>
+            <a:spLocks noChangeArrowheads="1"/>
+          </p:cNvSpPr>
+          <p:nvPr/>
+        </p:nvSpPr>
+        <p:spPr bwMode="auto">
+          <a:xfrm>
+            <a:off x="8534400" y="4800600"/>
+            <a:ext cx="609600" cy="342900"/>
+          </a:xfrm>
+          <a:prstGeom prst="rightArrow">
+            <a:avLst>
+              <a:gd name="adj1" fmla="val 50000"/>
+              <a:gd name="adj2" fmla="val 33333"/>
+            </a:avLst>
+          </a:prstGeom>
+          <a:noFill/>
+          <a:ln w="19050">
+            <a:solidFill>
+              <a:srgbClr val="969696"/>
+            </a:solidFill>
+            <a:miter lim="800000"/>
+            <a:headEnd/>
+            <a:tailEnd/>
+          </a:ln>
+        </p:spPr>
+        <p:txBody>
+          <a:bodyPr wrap="none" anchor="ctr"/>
+          <a:lstStyle/>
+          <a:p>
+            <a:endParaRPr lang="en-CA"/>
+          </a:p>
+        </p:txBody>
+      </p:sp>
+    </p:spTree>
+    <p:extLst>
+      <p:ext uri="{BB962C8B-B14F-4D97-AF65-F5344CB8AC3E}">
+        <p14:creationId xmlns:p14="http://schemas.microsoft.com/office/powerpoint/2010/main" val="1373689642"/>
+      </p:ext>
+    </p:extLst>
+  </p:cSld>
+  <p:clrMapOvr>
+    <a:masterClrMapping/>
+  </p:clrMapOvr>
+  <p:timing>
+    <p:tnLst>
+      <p:par>
+        <p:cTn id="1" dur="indefinite" restart="never" nodeType="tmRoot">
+          <p:childTnLst>
+            <p:seq concurrent="1" nextAc="seek">
+              <p:cTn id="2" dur="indefinite" nodeType="mainSeq">
+                <p:childTnLst>
+                  <p:par>
+                    <p:cTn id="3" fill="hold">
+                      <p:stCondLst>
+                        <p:cond delay="indefinite"/>
+                      </p:stCondLst>
+                      <p:childTnLst>
+                        <p:par>
+                          <p:cTn id="4" fill="hold">
+                            <p:stCondLst>
+                              <p:cond delay="0"/>
+                            </p:stCondLst>
+                            <p:childTnLst>
+                              <p:par>
+                                <p:cTn id="5" presetID="10" presetClass="entr" presetSubtype="0" fill="hold" grpId="0" nodeType="clickEffect">
+                                  <p:stCondLst>
+                                    <p:cond delay="0"/>
+                                  </p:stCondLst>
+                                  <p:childTnLst>
+                                    <p:set>
+                                      <p:cBhvr>
+                                        <p:cTn id="6" dur="1" fill="hold">
+                                          <p:stCondLst>
+                                            <p:cond delay="0"/>
+                                          </p:stCondLst>
+                                        </p:cTn>
+                                        <p:tgtEl>
+                                          <p:spTgt spid="4"/>
+                                        </p:tgtEl>
+                                        <p:attrNameLst>
+                                          <p:attrName>style.visibility</p:attrName>
+                                        </p:attrNameLst>
+                                      </p:cBhvr>
+                                      <p:to>
+                                        <p:strVal val="visible"/>
+                                      </p:to>
+                                    </p:set>
+                                    <p:animEffect transition="in" filter="fade">
+                                      <p:cBhvr>
+                                        <p:cTn id="7" dur="500"/>
+                                        <p:tgtEl>
+                                          <p:spTgt spid="4"/>
+                                        </p:tgtEl>
+                                      </p:cBhvr>
+                                    </p:animEffect>
+                                  </p:childTnLst>
+                                </p:cTn>
+                              </p:par>
+                            </p:childTnLst>
+                          </p:cTn>
+                        </p:par>
+                      </p:childTnLst>
+                    </p:cTn>
+                  </p:par>
+                </p:childTnLst>
+              </p:cTn>
+              <p:prevCondLst>
+                <p:cond evt="onPrev" delay="0">
+                  <p:tgtEl>
+                    <p:sldTgt/>
+                  </p:tgtEl>
+                </p:cond>
+              </p:prevCondLst>
+              <p:nextCondLst>
+                <p:cond evt="onNext" delay="0">
+                  <p:tgtEl>
+                    <p:sldTgt/>
+                  </p:tgtEl>
+                </p:cond>
+              </p:nextCondLst>
+            </p:seq>
+          </p:childTnLst>
+        </p:cTn>
+      </p:par>
+    </p:tnLst>
+    <p:bldLst>
+      <p:bldP spid="4" grpId="0" animBg="1"/>
+    </p:bldLst>
+  </p:timing>
+</p:sld>
+</file>
+
+<file path=ppt/slides/slide24.xml><?xml version="1.0" encoding="utf-8"?>
+<p:sld xmlns:a="http://schemas.openxmlformats.org/drawingml/2006/main" xmlns:r="http://schemas.openxmlformats.org/officeDocument/2006/relationships" xmlns:p="http://schemas.openxmlformats.org/presentationml/2006/main">
+  <p:cSld>
+    <p:spTree>
+      <p:nvGrpSpPr>
+        <p:cNvPr id="1" name=""/>
+        <p:cNvGrpSpPr/>
+        <p:nvPr/>
+      </p:nvGrpSpPr>
+      <p:grpSpPr>
+        <a:xfrm>
+          <a:off x="0" y="0"/>
+          <a:ext cx="0" cy="0"/>
+          <a:chOff x="0" y="0"/>
+          <a:chExt cx="0" cy="0"/>
+        </a:xfrm>
+      </p:grpSpPr>
+      <p:sp>
+        <p:nvSpPr>
+          <p:cNvPr id="2" name="Title 1"/>
+          <p:cNvSpPr>
+            <a:spLocks noGrp="1"/>
+          </p:cNvSpPr>
+          <p:nvPr>
+            <p:ph type="title"/>
+          </p:nvPr>
+        </p:nvSpPr>
+        <p:spPr>
+          <a:xfrm>
+            <a:off x="914400" y="384048"/>
+            <a:ext cx="7772400" cy="968502"/>
+          </a:xfrm>
+        </p:spPr>
+        <p:txBody>
+          <a:bodyPr/>
+          <a:lstStyle/>
+          <a:p>
+            <a:r>
+              <a:rPr lang="en-CA" dirty="0"/>
+              <a:t>Mediator: the </a:t>
+            </a:r>
+            <a:r>
+              <a:rPr lang="en-CA" dirty="0" err="1"/>
+              <a:t>deets</a:t>
+            </a:r>
+            <a:endParaRPr lang="en-CA" dirty="0"/>
+          </a:p>
+        </p:txBody>
+      </p:sp>
+      <p:sp>
+        <p:nvSpPr>
+          <p:cNvPr id="3" name="Content Placeholder 2"/>
+          <p:cNvSpPr>
+            <a:spLocks noGrp="1"/>
+          </p:cNvSpPr>
+          <p:nvPr>
+            <p:ph idx="1"/>
+          </p:nvPr>
+        </p:nvSpPr>
+        <p:spPr>
+          <a:xfrm>
+            <a:off x="304800" y="1428750"/>
+            <a:ext cx="8839200" cy="3337920"/>
+          </a:xfrm>
+        </p:spPr>
+        <p:txBody>
+          <a:bodyPr>
+            <a:normAutofit/>
+          </a:bodyPr>
+          <a:lstStyle/>
+          <a:p>
+            <a:pPr lvl="1"/>
+            <a:r>
+              <a:rPr lang="en-CA" dirty="0"/>
+              <a:t>Make an interface for the communication between ALL objects. This can be whatever you want:</a:t>
+            </a:r>
+          </a:p>
+          <a:p>
+            <a:pPr lvl="2"/>
+            <a:r>
+              <a:rPr lang="en-CA" dirty="0" err="1"/>
+              <a:t>ReceiveMessage</a:t>
+            </a:r>
+            <a:r>
+              <a:rPr lang="en-CA" dirty="0"/>
+              <a:t>(xxx);	// Sent to objects</a:t>
+            </a:r>
+          </a:p>
+          <a:p>
+            <a:pPr lvl="2"/>
+            <a:r>
+              <a:rPr lang="en-CA" dirty="0" err="1"/>
+              <a:t>SendMessage</a:t>
+            </a:r>
+            <a:r>
+              <a:rPr lang="en-CA" dirty="0"/>
+              <a:t>(xxx)	// Sent to the mediator</a:t>
+            </a:r>
+          </a:p>
+          <a:p>
+            <a:pPr lvl="1"/>
+            <a:r>
+              <a:rPr lang="en-CA" dirty="0"/>
+              <a:t>For this example, we’ll use a vector of NV pairs (string and </a:t>
+            </a:r>
+            <a:r>
+              <a:rPr lang="en-CA" dirty="0" err="1"/>
+              <a:t>glm</a:t>
+            </a:r>
+            <a:r>
+              <a:rPr lang="en-CA" dirty="0"/>
+              <a:t>::vec4) as our “command”</a:t>
+            </a:r>
+          </a:p>
+        </p:txBody>
+      </p:sp>
+      <p:sp>
+        <p:nvSpPr>
+          <p:cNvPr id="4" name="AutoShape 6"/>
+          <p:cNvSpPr>
+            <a:spLocks noChangeArrowheads="1"/>
+          </p:cNvSpPr>
+          <p:nvPr/>
+        </p:nvSpPr>
+        <p:spPr bwMode="auto">
+          <a:xfrm>
+            <a:off x="8534400" y="4800600"/>
+            <a:ext cx="609600" cy="342900"/>
+          </a:xfrm>
+          <a:prstGeom prst="rightArrow">
+            <a:avLst>
+              <a:gd name="adj1" fmla="val 50000"/>
+              <a:gd name="adj2" fmla="val 33333"/>
+            </a:avLst>
+          </a:prstGeom>
+          <a:noFill/>
+          <a:ln w="19050">
+            <a:solidFill>
+              <a:srgbClr val="969696"/>
+            </a:solidFill>
+            <a:miter lim="800000"/>
+            <a:headEnd/>
+            <a:tailEnd/>
+          </a:ln>
+        </p:spPr>
+        <p:txBody>
+          <a:bodyPr wrap="none" anchor="ctr"/>
+          <a:lstStyle/>
+          <a:p>
+            <a:endParaRPr lang="en-CA"/>
+          </a:p>
+        </p:txBody>
+      </p:sp>
+    </p:spTree>
+    <p:extLst>
+      <p:ext uri="{BB962C8B-B14F-4D97-AF65-F5344CB8AC3E}">
+        <p14:creationId xmlns:p14="http://schemas.microsoft.com/office/powerpoint/2010/main" val="4263730000"/>
+      </p:ext>
+    </p:extLst>
+  </p:cSld>
+  <p:clrMapOvr>
+    <a:masterClrMapping/>
+  </p:clrMapOvr>
+  <p:timing>
+    <p:tnLst>
+      <p:par>
+        <p:cTn id="1" dur="indefinite" restart="never" nodeType="tmRoot">
+          <p:childTnLst>
+            <p:seq concurrent="1" nextAc="seek">
+              <p:cTn id="2" dur="indefinite" nodeType="mainSeq">
+                <p:childTnLst>
+                  <p:par>
+                    <p:cTn id="3" fill="hold">
+                      <p:stCondLst>
+                        <p:cond delay="indefinite"/>
+                      </p:stCondLst>
+                      <p:childTnLst>
+                        <p:par>
+                          <p:cTn id="4" fill="hold">
+                            <p:stCondLst>
+                              <p:cond delay="0"/>
+                            </p:stCondLst>
+                            <p:childTnLst>
+                              <p:par>
+                                <p:cTn id="5" presetID="10" presetClass="entr" presetSubtype="0" fill="hold" grpId="0" nodeType="clickEffect">
+                                  <p:stCondLst>
+                                    <p:cond delay="0"/>
+                                  </p:stCondLst>
+                                  <p:childTnLst>
+                                    <p:set>
+                                      <p:cBhvr>
+                                        <p:cTn id="6" dur="1" fill="hold">
+                                          <p:stCondLst>
+                                            <p:cond delay="0"/>
+                                          </p:stCondLst>
+                                        </p:cTn>
+                                        <p:tgtEl>
+                                          <p:spTgt spid="4"/>
+                                        </p:tgtEl>
+                                        <p:attrNameLst>
+                                          <p:attrName>style.visibility</p:attrName>
+                                        </p:attrNameLst>
+                                      </p:cBhvr>
+                                      <p:to>
+                                        <p:strVal val="visible"/>
+                                      </p:to>
+                                    </p:set>
+                                    <p:animEffect transition="in" filter="fade">
+                                      <p:cBhvr>
+                                        <p:cTn id="7" dur="500"/>
+                                        <p:tgtEl>
+                                          <p:spTgt spid="4"/>
+                                        </p:tgtEl>
+                                      </p:cBhvr>
+                                    </p:animEffect>
+                                  </p:childTnLst>
+                                </p:cTn>
+                              </p:par>
+                            </p:childTnLst>
+                          </p:cTn>
+                        </p:par>
+                      </p:childTnLst>
+                    </p:cTn>
+                  </p:par>
+                </p:childTnLst>
+              </p:cTn>
+              <p:prevCondLst>
+                <p:cond evt="onPrev" delay="0">
+                  <p:tgtEl>
+                    <p:sldTgt/>
+                  </p:tgtEl>
+                </p:cond>
+              </p:prevCondLst>
+              <p:nextCondLst>
+                <p:cond evt="onNext" delay="0">
+                  <p:tgtEl>
+                    <p:sldTgt/>
+                  </p:tgtEl>
+                </p:cond>
+              </p:nextCondLst>
+            </p:seq>
+          </p:childTnLst>
+        </p:cTn>
+      </p:par>
+    </p:tnLst>
+    <p:bldLst>
+      <p:bldP spid="4" grpId="0" animBg="1"/>
+    </p:bldLst>
+  </p:timing>
+</p:sld>
+</file>
+
+<file path=ppt/slides/slide25.xml><?xml version="1.0" encoding="utf-8"?>
+<p:sld xmlns:a="http://schemas.openxmlformats.org/drawingml/2006/main" xmlns:r="http://schemas.openxmlformats.org/officeDocument/2006/relationships" xmlns:p="http://schemas.openxmlformats.org/presentationml/2006/main">
+  <p:cSld>
+    <p:spTree>
+      <p:nvGrpSpPr>
+        <p:cNvPr id="1" name=""/>
+        <p:cNvGrpSpPr/>
+        <p:nvPr/>
+      </p:nvGrpSpPr>
+      <p:grpSpPr>
+        <a:xfrm>
+          <a:off x="0" y="0"/>
+          <a:ext cx="0" cy="0"/>
+          <a:chOff x="0" y="0"/>
+          <a:chExt cx="0" cy="0"/>
+        </a:xfrm>
+      </p:grpSpPr>
+      <p:sp>
+        <p:nvSpPr>
+          <p:cNvPr id="2" name="Title 1"/>
+          <p:cNvSpPr>
+            <a:spLocks noGrp="1"/>
+          </p:cNvSpPr>
+          <p:nvPr>
+            <p:ph type="title"/>
+          </p:nvPr>
+        </p:nvSpPr>
+        <p:spPr>
+          <a:xfrm>
+            <a:off x="914400" y="384048"/>
+            <a:ext cx="7772400" cy="968502"/>
+          </a:xfrm>
+        </p:spPr>
+        <p:txBody>
+          <a:bodyPr/>
+          <a:lstStyle/>
+          <a:p>
+            <a:r>
+              <a:rPr lang="en-CA" dirty="0"/>
+              <a:t>Mediator: Tanks fight</a:t>
+            </a:r>
+          </a:p>
+        </p:txBody>
+      </p:sp>
+      <p:sp>
+        <p:nvSpPr>
+          <p:cNvPr id="3" name="Content Placeholder 2"/>
+          <p:cNvSpPr>
+            <a:spLocks noGrp="1"/>
+          </p:cNvSpPr>
+          <p:nvPr>
+            <p:ph idx="1"/>
+          </p:nvPr>
+        </p:nvSpPr>
+        <p:spPr>
+          <a:xfrm>
+            <a:off x="304800" y="1428750"/>
+            <a:ext cx="8839200" cy="3337920"/>
+          </a:xfrm>
+        </p:spPr>
+        <p:txBody>
+          <a:bodyPr>
+            <a:normAutofit/>
+          </a:bodyPr>
+          <a:lstStyle/>
+          <a:p>
+            <a:pPr lvl="1"/>
+            <a:r>
+              <a:rPr lang="en-CA" dirty="0"/>
+              <a:t>How can we go about getting the tanks to fight?</a:t>
+            </a:r>
+          </a:p>
+          <a:p>
+            <a:pPr lvl="1"/>
+            <a:r>
+              <a:rPr lang="en-CA" dirty="0"/>
+              <a:t>Pick a target: </a:t>
+            </a:r>
+          </a:p>
+          <a:p>
+            <a:pPr lvl="2"/>
+            <a:r>
+              <a:rPr lang="en-CA" dirty="0"/>
+              <a:t>“</a:t>
+            </a:r>
+            <a:r>
+              <a:rPr lang="en-CA" dirty="0" err="1"/>
+              <a:t>FindNearestTank</a:t>
+            </a:r>
+            <a:r>
+              <a:rPr lang="en-CA" dirty="0"/>
+              <a:t>”: our location</a:t>
+            </a:r>
+          </a:p>
+          <a:p>
+            <a:pPr lvl="2"/>
+            <a:r>
+              <a:rPr lang="en-CA" dirty="0"/>
+              <a:t>Mediator sends: “</a:t>
+            </a:r>
+            <a:r>
+              <a:rPr lang="en-CA" dirty="0" err="1"/>
+              <a:t>ClosestTank</a:t>
+            </a:r>
+            <a:r>
+              <a:rPr lang="en-CA" dirty="0"/>
+              <a:t>” + location to shoot</a:t>
+            </a:r>
+          </a:p>
+          <a:p>
+            <a:pPr lvl="1"/>
+            <a:r>
+              <a:rPr lang="en-CA" dirty="0"/>
+              <a:t>Count down timer: shoot every 5 seconds</a:t>
+            </a:r>
+          </a:p>
+        </p:txBody>
+      </p:sp>
+      <p:sp>
+        <p:nvSpPr>
+          <p:cNvPr id="4" name="AutoShape 6"/>
+          <p:cNvSpPr>
+            <a:spLocks noChangeArrowheads="1"/>
+          </p:cNvSpPr>
+          <p:nvPr/>
+        </p:nvSpPr>
+        <p:spPr bwMode="auto">
+          <a:xfrm>
+            <a:off x="8534400" y="4800600"/>
+            <a:ext cx="609600" cy="342900"/>
+          </a:xfrm>
+          <a:prstGeom prst="rightArrow">
+            <a:avLst>
+              <a:gd name="adj1" fmla="val 50000"/>
+              <a:gd name="adj2" fmla="val 33333"/>
+            </a:avLst>
+          </a:prstGeom>
+          <a:noFill/>
+          <a:ln w="19050">
+            <a:solidFill>
+              <a:srgbClr val="969696"/>
+            </a:solidFill>
+            <a:miter lim="800000"/>
+            <a:headEnd/>
+            <a:tailEnd/>
+          </a:ln>
+        </p:spPr>
+        <p:txBody>
+          <a:bodyPr wrap="none" anchor="ctr"/>
+          <a:lstStyle/>
+          <a:p>
+            <a:endParaRPr lang="en-CA"/>
+          </a:p>
+        </p:txBody>
+      </p:sp>
+    </p:spTree>
+    <p:extLst>
+      <p:ext uri="{BB962C8B-B14F-4D97-AF65-F5344CB8AC3E}">
+        <p14:creationId xmlns:p14="http://schemas.microsoft.com/office/powerpoint/2010/main" val="2467057885"/>
+      </p:ext>
+    </p:extLst>
+  </p:cSld>
+  <p:clrMapOvr>
+    <a:masterClrMapping/>
+  </p:clrMapOvr>
+  <p:timing>
+    <p:tnLst>
+      <p:par>
+        <p:cTn id="1" dur="indefinite" restart="never" nodeType="tmRoot">
+          <p:childTnLst>
+            <p:seq concurrent="1" nextAc="seek">
+              <p:cTn id="2" dur="indefinite" nodeType="mainSeq">
+                <p:childTnLst>
+                  <p:par>
+                    <p:cTn id="3" fill="hold">
+                      <p:stCondLst>
+                        <p:cond delay="indefinite"/>
+                      </p:stCondLst>
+                      <p:childTnLst>
+                        <p:par>
+                          <p:cTn id="4" fill="hold">
+                            <p:stCondLst>
+                              <p:cond delay="0"/>
+                            </p:stCondLst>
+                            <p:childTnLst>
+                              <p:par>
+                                <p:cTn id="5" presetID="10" presetClass="entr" presetSubtype="0" fill="hold" grpId="0" nodeType="clickEffect">
+                                  <p:stCondLst>
+                                    <p:cond delay="0"/>
+                                  </p:stCondLst>
+                                  <p:childTnLst>
+                                    <p:set>
+                                      <p:cBhvr>
+                                        <p:cTn id="6" dur="1" fill="hold">
+                                          <p:stCondLst>
+                                            <p:cond delay="0"/>
+                                          </p:stCondLst>
+                                        </p:cTn>
+                                        <p:tgtEl>
+                                          <p:spTgt spid="4"/>
+                                        </p:tgtEl>
+                                        <p:attrNameLst>
+                                          <p:attrName>style.visibility</p:attrName>
+                                        </p:attrNameLst>
+                                      </p:cBhvr>
+                                      <p:to>
+                                        <p:strVal val="visible"/>
+                                      </p:to>
+                                    </p:set>
+                                    <p:animEffect transition="in" filter="fade">
+                                      <p:cBhvr>
+                                        <p:cTn id="7" dur="500"/>
+                                        <p:tgtEl>
+                                          <p:spTgt spid="4"/>
+                                        </p:tgtEl>
+                                      </p:cBhvr>
+                                    </p:animEffect>
+                                  </p:childTnLst>
+                                </p:cTn>
+                              </p:par>
+                            </p:childTnLst>
+                          </p:cTn>
+                        </p:par>
+                      </p:childTnLst>
+                    </p:cTn>
+                  </p:par>
+                </p:childTnLst>
+              </p:cTn>
+              <p:prevCondLst>
+                <p:cond evt="onPrev" delay="0">
+                  <p:tgtEl>
+                    <p:sldTgt/>
+                  </p:tgtEl>
+                </p:cond>
+              </p:prevCondLst>
+              <p:nextCondLst>
+                <p:cond evt="onNext" delay="0">
+                  <p:tgtEl>
+                    <p:sldTgt/>
+                  </p:tgtEl>
+                </p:cond>
+              </p:nextCondLst>
+            </p:seq>
+          </p:childTnLst>
+        </p:cTn>
+      </p:par>
+    </p:tnLst>
+    <p:bldLst>
+      <p:bldP spid="4" grpId="0" animBg="1"/>
+    </p:bldLst>
+  </p:timing>
+</p:sld>
+</file>
+
 <file path=ppt/slides/slide3.xml><?xml version="1.0" encoding="utf-8"?>
 <p:sld xmlns:a="http://schemas.openxmlformats.org/drawingml/2006/main" xmlns:r="http://schemas.openxmlformats.org/officeDocument/2006/relationships" xmlns:p="http://schemas.openxmlformats.org/presentationml/2006/main">
   <p:cSld>
@@ -8151,7 +13212,7 @@
         <p:spPr>
           <a:xfrm>
             <a:off x="914400" y="384048"/>
-            <a:ext cx="7772400" cy="968502"/>
+            <a:ext cx="7772400" cy="739902"/>
           </a:xfrm>
         </p:spPr>
         <p:txBody>
@@ -8202,7 +13263,11 @@
             <a:pPr lvl="1"/>
             <a:r>
               <a:rPr lang="en-CA" dirty="0"/>
-              <a:t>Add a constructor, make it private</a:t>
+              <a:t>Add a constructor, make it </a:t>
+            </a:r>
+            <a:r>
+              <a:rPr lang="en-CA" b="1" u="sng" dirty="0"/>
+              <a:t>private</a:t>
             </a:r>
           </a:p>
           <a:p>
@@ -8701,7 +13766,7 @@
           <a:p>
             <a:r>
               <a:rPr lang="en-CA" dirty="0"/>
-              <a:t>Static and non-static</a:t>
+              <a:t>Singleton: “gotchas” in C++</a:t>
             </a:r>
           </a:p>
         </p:txBody>
@@ -8724,45 +13789,19 @@
         </p:spPr>
         <p:txBody>
           <a:bodyPr>
-            <a:normAutofit fontScale="92500" lnSpcReduction="20000"/>
+            <a:normAutofit lnSpcReduction="10000"/>
           </a:bodyPr>
           <a:lstStyle/>
           <a:p>
             <a:r>
               <a:rPr lang="en-CA" dirty="0"/>
-              <a:t>Non-static (regular old variables) in classes are instantiated when the class is created.</a:t>
+              <a:t>The default constructor isn’t the only constructor in C++, there are several more depending on how we make a thing. If you want to be 100% sure, be sure to make ALL the different constructors private and/or have them deal with this “only one pointer to the object” situation</a:t>
             </a:r>
           </a:p>
           <a:p>
             <a:r>
               <a:rPr lang="en-CA" dirty="0"/>
-              <a:t>i.e. they don’t exist UNTIL an instance is.</a:t>
-            </a:r>
-          </a:p>
-          <a:p>
-            <a:r>
-              <a:rPr lang="en-CA" dirty="0"/>
-              <a:t>However, </a:t>
-            </a:r>
-            <a:r>
-              <a:rPr lang="en-CA" i="1" dirty="0"/>
-              <a:t>methods exist all the time</a:t>
-            </a:r>
-            <a:r>
-              <a:rPr lang="en-CA" dirty="0"/>
-              <a:t>, even if you don’t create the class. </a:t>
-            </a:r>
-          </a:p>
-          <a:p>
-            <a:r>
-              <a:rPr lang="en-CA" dirty="0"/>
-              <a:t>If you don’t access any non-static member variables, you can even call them! </a:t>
-            </a:r>
-          </a:p>
-          <a:p>
-            <a:r>
-              <a:rPr lang="en-CA" dirty="0"/>
-              <a:t>Static variables (and methods) are available always.</a:t>
+              <a:t>Alternately: don’t use a singleton if that’s the issue</a:t>
             </a:r>
           </a:p>
         </p:txBody>
@@ -8807,7 +13846,7 @@
     </p:spTree>
     <p:extLst>
       <p:ext uri="{BB962C8B-B14F-4D97-AF65-F5344CB8AC3E}">
-        <p14:creationId xmlns:p14="http://schemas.microsoft.com/office/powerpoint/2010/main" val="1558503427"/>
+        <p14:creationId xmlns:p14="http://schemas.microsoft.com/office/powerpoint/2010/main" val="3157289556"/>
       </p:ext>
     </p:extLst>
   </p:cSld>
@@ -8942,7 +13981,7 @@
           <a:p>
             <a:r>
               <a:rPr lang="en-CA" dirty="0"/>
-              <a:t>Singleton</a:t>
+              <a:t>Singleton: “gotchas” in C++</a:t>
             </a:r>
           </a:p>
         </p:txBody>
@@ -8969,106 +14008,96 @@
           </a:bodyPr>
           <a:lstStyle/>
           <a:p>
+            <a:r>
+              <a:rPr lang="en-CA" dirty="0"/>
+              <a:t>Default: (the name of the class)</a:t>
+            </a:r>
+          </a:p>
+          <a:p>
             <a:pPr lvl="1"/>
             <a:r>
+              <a:rPr lang="en-CA" dirty="0" err="1"/>
+              <a:t>cThing</a:t>
+            </a:r>
+            <a:r>
               <a:rPr lang="en-CA" dirty="0"/>
-              <a:t>Is private</a:t>
-            </a:r>
-          </a:p>
-          <a:p>
-            <a:pPr lvl="2"/>
-            <a:r>
-              <a:rPr lang="en-CA" sz="1800" dirty="0">
-                <a:solidFill>
-                  <a:srgbClr val="0000FF"/>
-                </a:solidFill>
-                <a:highlight>
-                  <a:srgbClr val="FFFFFF"/>
-                </a:highlight>
-                <a:latin typeface="Cascadia Mono" panose="020B0609020000020004" pitchFamily="49" charset="0"/>
-              </a:rPr>
-              <a:t>static</a:t>
-            </a:r>
-            <a:r>
-              <a:rPr lang="en-CA" sz="1800" dirty="0">
-                <a:solidFill>
-                  <a:srgbClr val="000000"/>
-                </a:solidFill>
-                <a:highlight>
-                  <a:srgbClr val="FFFFFF"/>
-                </a:highlight>
-                <a:latin typeface="Cascadia Mono" panose="020B0609020000020004" pitchFamily="49" charset="0"/>
-              </a:rPr>
+              <a:t>* </a:t>
+            </a:r>
+            <a:r>
+              <a:rPr lang="en-CA" dirty="0" err="1"/>
+              <a:t>pT</a:t>
+            </a:r>
+            <a:r>
+              <a:rPr lang="en-CA" dirty="0"/>
+              <a:t> = new </a:t>
+            </a:r>
+            <a:r>
+              <a:rPr lang="en-CA" dirty="0" err="1"/>
+              <a:t>cThing</a:t>
+            </a:r>
+            <a:r>
+              <a:rPr lang="en-CA" dirty="0"/>
+              <a:t>();</a:t>
+            </a:r>
+          </a:p>
+          <a:p>
+            <a:pPr lvl="1"/>
+            <a:r>
+              <a:rPr lang="en-CA" dirty="0" err="1"/>
+              <a:t>cThing</a:t>
+            </a:r>
+            <a:r>
+              <a:rPr lang="en-CA" dirty="0"/>
               <a:t> </a:t>
             </a:r>
             <a:r>
-              <a:rPr lang="en-CA" sz="1800" dirty="0" err="1">
-                <a:solidFill>
-                  <a:srgbClr val="2B91AF"/>
-                </a:solidFill>
-                <a:highlight>
-                  <a:srgbClr val="FFFFFF"/>
-                </a:highlight>
-                <a:latin typeface="Cascadia Mono" panose="020B0609020000020004" pitchFamily="49" charset="0"/>
-              </a:rPr>
-              <a:t>cTankFactory</a:t>
-            </a:r>
-            <a:r>
-              <a:rPr lang="en-CA" sz="1800" dirty="0">
-                <a:solidFill>
-                  <a:srgbClr val="000000"/>
-                </a:solidFill>
-                <a:highlight>
-                  <a:srgbClr val="FFFFFF"/>
-                </a:highlight>
-                <a:latin typeface="Cascadia Mono" panose="020B0609020000020004" pitchFamily="49" charset="0"/>
-              </a:rPr>
-              <a:t>* </a:t>
-            </a:r>
-            <a:r>
-              <a:rPr lang="en-CA" sz="1800" dirty="0" err="1">
-                <a:solidFill>
-                  <a:srgbClr val="000000"/>
-                </a:solidFill>
-                <a:highlight>
-                  <a:srgbClr val="FFFFFF"/>
-                </a:highlight>
-                <a:latin typeface="Cascadia Mono" panose="020B0609020000020004" pitchFamily="49" charset="0"/>
-              </a:rPr>
-              <a:t>m_pTheInstance</a:t>
-            </a:r>
-            <a:r>
-              <a:rPr lang="en-CA" sz="1800" dirty="0">
-                <a:solidFill>
-                  <a:srgbClr val="000000"/>
-                </a:solidFill>
-                <a:highlight>
-                  <a:srgbClr val="FFFFFF"/>
-                </a:highlight>
-                <a:latin typeface="Cascadia Mono" panose="020B0609020000020004" pitchFamily="49" charset="0"/>
-              </a:rPr>
+              <a:rPr lang="en-CA" dirty="0" err="1"/>
+              <a:t>myThing</a:t>
+            </a:r>
+            <a:r>
+              <a:rPr lang="en-CA" dirty="0"/>
               <a:t>;</a:t>
             </a:r>
           </a:p>
           <a:p>
+            <a:r>
+              <a:rPr lang="en-CA" dirty="0"/>
+              <a:t>Copy constructor: </a:t>
+            </a:r>
+            <a:r>
+              <a:rPr lang="en-CA" dirty="0" err="1"/>
+              <a:t>cThing</a:t>
+            </a:r>
+            <a:r>
+              <a:rPr lang="en-CA" dirty="0"/>
+              <a:t>( </a:t>
+            </a:r>
+            <a:r>
+              <a:rPr lang="en-CA" dirty="0" err="1"/>
+              <a:t>cThing</a:t>
+            </a:r>
+            <a:r>
+              <a:rPr lang="en-CA" dirty="0"/>
+              <a:t> &amp;n)</a:t>
+            </a:r>
+          </a:p>
+          <a:p>
             <a:pPr lvl="1"/>
             <a:r>
+              <a:rPr lang="en-CA" dirty="0" err="1"/>
+              <a:t>cThing</a:t>
+            </a:r>
+            <a:r>
               <a:rPr lang="en-CA" dirty="0"/>
-              <a:t>Constructor is ALSO private</a:t>
-            </a:r>
-          </a:p>
-          <a:p>
-            <a:pPr lvl="2"/>
+              <a:t> A = </a:t>
+            </a:r>
+            <a:r>
+              <a:rPr lang="en-CA" dirty="0" err="1"/>
+              <a:t>myThing</a:t>
+            </a:r>
             <a:r>
               <a:rPr lang="en-CA" dirty="0"/>
-              <a:t>So you CAN’T create it externally</a:t>
-            </a:r>
-          </a:p>
-          <a:p>
-            <a:pPr lvl="1"/>
-            <a:r>
-              <a:rPr lang="en-CA" dirty="0"/>
-              <a:t>Add a static METHOD that checks to see if this instance is created and if not, it creates it, and return the one and only one instance</a:t>
+              <a:t>;	// Makes a copy of it</a:t>
             </a:r>
           </a:p>
         </p:txBody>
@@ -9113,7 +14142,7 @@
     </p:spTree>
     <p:extLst>
       <p:ext uri="{BB962C8B-B14F-4D97-AF65-F5344CB8AC3E}">
-        <p14:creationId xmlns:p14="http://schemas.microsoft.com/office/powerpoint/2010/main" val="717353951"/>
+        <p14:creationId xmlns:p14="http://schemas.microsoft.com/office/powerpoint/2010/main" val="3198926052"/>
       </p:ext>
     </p:extLst>
   </p:cSld>
@@ -9248,7 +14277,7 @@
           <a:p>
             <a:r>
               <a:rPr lang="en-CA" dirty="0"/>
-              <a:t>Singleton</a:t>
+              <a:t>Singleton: “gotchas” in C++</a:t>
             </a:r>
           </a:p>
         </p:txBody>
@@ -9271,49 +14300,115 @@
         </p:spPr>
         <p:txBody>
           <a:bodyPr>
-            <a:normAutofit lnSpcReduction="10000"/>
+            <a:normAutofit fontScale="92500" lnSpcReduction="10000"/>
           </a:bodyPr>
           <a:lstStyle/>
           <a:p>
+            <a:r>
+              <a:rPr lang="en-CA" dirty="0"/>
+              <a:t>Move constructor: </a:t>
+            </a:r>
+            <a:r>
+              <a:rPr lang="en-CA" dirty="0" err="1"/>
+              <a:t>cThing</a:t>
+            </a:r>
+            <a:r>
+              <a:rPr lang="en-CA" dirty="0"/>
+              <a:t>( </a:t>
+            </a:r>
+            <a:r>
+              <a:rPr lang="en-CA" dirty="0" err="1"/>
+              <a:t>cThing</a:t>
+            </a:r>
+            <a:r>
+              <a:rPr lang="en-CA" dirty="0"/>
+              <a:t>&amp;&amp; x);</a:t>
+            </a:r>
+          </a:p>
+          <a:p>
             <a:pPr lvl="1"/>
             <a:r>
               <a:rPr lang="en-CA" dirty="0"/>
-              <a:t>To “create” the singleton, you call the static method that gets the object, then the method you actually want to call</a:t>
+              <a:t>Note the strange “&amp;&amp;” which ISN’T “and”</a:t>
             </a:r>
           </a:p>
           <a:p>
             <a:pPr lvl="1"/>
             <a:r>
+              <a:rPr lang="en-CA" dirty="0" err="1"/>
+              <a:t>cMyThing</a:t>
+            </a:r>
+            <a:r>
               <a:rPr lang="en-CA" dirty="0"/>
-              <a:t>Note: </a:t>
+              <a:t> A = </a:t>
+            </a:r>
+            <a:r>
+              <a:rPr lang="en-CA" dirty="0" err="1"/>
+              <a:t>cThing</a:t>
+            </a:r>
+            <a:r>
+              <a:rPr lang="en-CA" dirty="0"/>
+              <a:t>;	// Copies it (takes time)</a:t>
+            </a:r>
+          </a:p>
+          <a:p>
+            <a:pPr lvl="1"/>
+            <a:r>
+              <a:rPr lang="en-CA" dirty="0"/>
+              <a:t>If a “move constructor” exists, then this happens:</a:t>
+            </a:r>
+          </a:p>
+          <a:p>
+            <a:pPr lvl="1"/>
+            <a:r>
+              <a:rPr lang="en-CA" dirty="0" err="1"/>
+              <a:t>cMyThing</a:t>
+            </a:r>
+            <a:r>
+              <a:rPr lang="en-CA" dirty="0"/>
+              <a:t>* </a:t>
+            </a:r>
+            <a:r>
+              <a:rPr lang="en-CA" dirty="0" err="1"/>
+              <a:t>pA</a:t>
+            </a:r>
+            <a:r>
+              <a:rPr lang="en-CA" dirty="0"/>
+              <a:t> = &amp;</a:t>
+            </a:r>
+            <a:r>
+              <a:rPr lang="en-CA" dirty="0" err="1"/>
+              <a:t>myThing</a:t>
+            </a:r>
+            <a:r>
+              <a:rPr lang="en-CA" dirty="0"/>
+              <a:t>;	// Copies pointer = fast</a:t>
+            </a:r>
+          </a:p>
+          <a:p>
+            <a:pPr lvl="1"/>
+            <a:r>
+              <a:rPr lang="en-CA" dirty="0" err="1"/>
+              <a:t>cMyThing</a:t>
+            </a:r>
+            <a:r>
+              <a:rPr lang="en-CA" dirty="0"/>
+              <a:t> A = </a:t>
+            </a:r>
+            <a:r>
+              <a:rPr lang="en-CA" dirty="0" err="1"/>
+              <a:t>myThing</a:t>
+            </a:r>
+            <a:r>
+              <a:rPr lang="en-CA" dirty="0"/>
+              <a:t>;	</a:t>
             </a:r>
           </a:p>
           <a:p>
             <a:pPr lvl="2"/>
             <a:r>
               <a:rPr lang="en-CA" dirty="0"/>
-              <a:t>Sort of fallen out of favour (in C++) because:</a:t>
-            </a:r>
-          </a:p>
-          <a:p>
-            <a:pPr lvl="2"/>
-            <a:r>
-              <a:rPr lang="en-CA" dirty="0"/>
-              <a:t>When do you call the destructor?</a:t>
-            </a:r>
-          </a:p>
-          <a:p>
-            <a:pPr lvl="2"/>
-            <a:r>
-              <a:rPr lang="en-CA" dirty="0"/>
-              <a:t>Often used in place of global variables (which I think is fine, but lots of people frown on this…)</a:t>
-            </a:r>
-          </a:p>
-          <a:p>
-            <a:pPr lvl="2"/>
-            <a:r>
-              <a:rPr lang="en-CA" dirty="0"/>
-              <a:t>Returns a pointer, not a stack or reference</a:t>
+              <a:t>If there’s a move constructor (or return) it copies the pointer in the background and removes the original object</a:t>
             </a:r>
           </a:p>
         </p:txBody>
@@ -9358,7 +14453,7 @@
     </p:spTree>
     <p:extLst>
       <p:ext uri="{BB962C8B-B14F-4D97-AF65-F5344CB8AC3E}">
-        <p14:creationId xmlns:p14="http://schemas.microsoft.com/office/powerpoint/2010/main" val="3193405019"/>
+        <p14:creationId xmlns:p14="http://schemas.microsoft.com/office/powerpoint/2010/main" val="2706167328"/>
       </p:ext>
     </p:extLst>
   </p:cSld>
@@ -9493,7 +14588,7 @@
           <a:p>
             <a:r>
               <a:rPr lang="en-CA" dirty="0"/>
-              <a:t>Builder: </a:t>
+              <a:t>Static and non-static</a:t>
             </a:r>
           </a:p>
         </p:txBody>
@@ -9516,28 +14611,45 @@
         </p:spPr>
         <p:txBody>
           <a:bodyPr>
-            <a:normAutofit/>
+            <a:normAutofit fontScale="92500" lnSpcReduction="20000"/>
           </a:bodyPr>
           <a:lstStyle/>
           <a:p>
-            <a:pPr lvl="1"/>
             <a:r>
               <a:rPr lang="en-CA" dirty="0"/>
-              <a:t>Sort of like an abstract factory in that it’s a “creation pattern”, but doesn’t necessarily need a common interface like the factory does. </a:t>
-            </a:r>
-          </a:p>
-          <a:p>
-            <a:pPr lvl="1"/>
+              <a:t>Non-static (regular old variables) in classes are instantiated when the class is created.</a:t>
+            </a:r>
+          </a:p>
+          <a:p>
             <a:r>
               <a:rPr lang="en-CA" dirty="0"/>
-              <a:t>Variations are “decorators”, etc. (later…)</a:t>
-            </a:r>
-          </a:p>
-          <a:p>
-            <a:pPr lvl="1"/>
+              <a:t>i.e. they don’t exist UNTIL an instance is.</a:t>
+            </a:r>
+          </a:p>
+          <a:p>
             <a:r>
               <a:rPr lang="en-CA" dirty="0"/>
-              <a:t>Sets data types or assembles things that aren’t common between all objects</a:t>
+              <a:t>However, </a:t>
+            </a:r>
+            <a:r>
+              <a:rPr lang="en-CA" i="1" dirty="0"/>
+              <a:t>methods exist all the time</a:t>
+            </a:r>
+            <a:r>
+              <a:rPr lang="en-CA" dirty="0"/>
+              <a:t>, even if you don’t create the class. </a:t>
+            </a:r>
+          </a:p>
+          <a:p>
+            <a:r>
+              <a:rPr lang="en-CA" dirty="0"/>
+              <a:t>If you don’t access any non-static member variables, you can even call them! </a:t>
+            </a:r>
+          </a:p>
+          <a:p>
+            <a:r>
+              <a:rPr lang="en-CA" dirty="0"/>
+              <a:t>Static variables (and methods) are available always.</a:t>
             </a:r>
           </a:p>
         </p:txBody>
@@ -9582,7 +14694,7 @@
     </p:spTree>
     <p:extLst>
       <p:ext uri="{BB962C8B-B14F-4D97-AF65-F5344CB8AC3E}">
-        <p14:creationId xmlns:p14="http://schemas.microsoft.com/office/powerpoint/2010/main" val="2092894145"/>
+        <p14:creationId xmlns:p14="http://schemas.microsoft.com/office/powerpoint/2010/main" val="1558503427"/>
       </p:ext>
     </p:extLst>
   </p:cSld>

--- a/6044_FramPat/D2D/INFO_6044_Patterns (live document).pptx
+++ b/6044_FramPat/D2D/INFO_6044_Patterns (live document).pptx
@@ -5,7 +5,7 @@
     <p:sldMasterId id="2147483892" r:id="rId1"/>
   </p:sldMasterIdLst>
   <p:notesMasterIdLst>
-    <p:notesMasterId r:id="rId27"/>
+    <p:notesMasterId r:id="rId28"/>
   </p:notesMasterIdLst>
   <p:sldIdLst>
     <p:sldId id="256" r:id="rId2"/>
@@ -25,14 +25,15 @@
     <p:sldId id="335" r:id="rId16"/>
     <p:sldId id="336" r:id="rId17"/>
     <p:sldId id="337" r:id="rId18"/>
-    <p:sldId id="338" r:id="rId19"/>
-    <p:sldId id="339" r:id="rId20"/>
-    <p:sldId id="340" r:id="rId21"/>
-    <p:sldId id="341" r:id="rId22"/>
-    <p:sldId id="342" r:id="rId23"/>
-    <p:sldId id="343" r:id="rId24"/>
-    <p:sldId id="345" r:id="rId25"/>
-    <p:sldId id="346" r:id="rId26"/>
+    <p:sldId id="347" r:id="rId19"/>
+    <p:sldId id="338" r:id="rId20"/>
+    <p:sldId id="339" r:id="rId21"/>
+    <p:sldId id="340" r:id="rId22"/>
+    <p:sldId id="341" r:id="rId23"/>
+    <p:sldId id="342" r:id="rId24"/>
+    <p:sldId id="343" r:id="rId25"/>
+    <p:sldId id="345" r:id="rId26"/>
+    <p:sldId id="346" r:id="rId27"/>
   </p:sldIdLst>
   <p:sldSz cx="9144000" cy="5143500" type="screen16x9"/>
   <p:notesSz cx="6858000" cy="9144000"/>
@@ -233,7 +234,7 @@
             <a:fld id="{3D3F9196-5FBD-45F8-86BD-A3D90AC79AC7}" type="datetimeFigureOut">
               <a:rPr lang="en-CA" smtClean="0"/>
               <a:pPr/>
-              <a:t>2024-11-04</a:t>
+              <a:t>2024-11-11</a:t>
             </a:fld>
             <a:endParaRPr lang="en-CA"/>
           </a:p>
@@ -534,7 +535,7 @@
             <a:fld id="{8F6BCBE8-30B0-4476-8762-9236B142003A}" type="datetimeFigureOut">
               <a:rPr lang="en-US" smtClean="0"/>
               <a:pPr/>
-              <a:t>11/4/2024</a:t>
+              <a:t>11/11/2024</a:t>
             </a:fld>
             <a:endParaRPr lang="en-US" sz="1100" dirty="0">
               <a:solidFill>
@@ -1231,7 +1232,7 @@
             <a:fld id="{8F6BCBE8-30B0-4476-8762-9236B142003A}" type="datetimeFigureOut">
               <a:rPr lang="en-US" smtClean="0"/>
               <a:pPr/>
-              <a:t>11/4/2024</a:t>
+              <a:t>11/11/2024</a:t>
             </a:fld>
             <a:endParaRPr lang="en-US" sz="1100" dirty="0">
               <a:solidFill>
@@ -1416,7 +1417,7 @@
             <a:fld id="{8F6BCBE8-30B0-4476-8762-9236B142003A}" type="datetimeFigureOut">
               <a:rPr lang="en-US" smtClean="0"/>
               <a:pPr/>
-              <a:t>11/4/2024</a:t>
+              <a:t>11/11/2024</a:t>
             </a:fld>
             <a:endParaRPr lang="en-US" sz="1100" dirty="0">
               <a:solidFill>
@@ -1591,7 +1592,7 @@
             <a:fld id="{8F6BCBE8-30B0-4476-8762-9236B142003A}" type="datetimeFigureOut">
               <a:rPr lang="en-US" smtClean="0"/>
               <a:pPr/>
-              <a:t>11/4/2024</a:t>
+              <a:t>11/11/2024</a:t>
             </a:fld>
             <a:endParaRPr lang="en-US" sz="1100" dirty="0">
               <a:solidFill>
@@ -3049,7 +3050,7 @@
             <a:fld id="{8F6BCBE8-30B0-4476-8762-9236B142003A}" type="datetimeFigureOut">
               <a:rPr lang="en-US" smtClean="0"/>
               <a:pPr/>
-              <a:t>11/4/2024</a:t>
+              <a:t>11/11/2024</a:t>
             </a:fld>
             <a:endParaRPr lang="en-US" sz="1100" dirty="0">
               <a:solidFill>
@@ -3638,7 +3639,7 @@
             <a:fld id="{8F6BCBE8-30B0-4476-8762-9236B142003A}" type="datetimeFigureOut">
               <a:rPr lang="en-US" smtClean="0"/>
               <a:pPr/>
-              <a:t>11/4/2024</a:t>
+              <a:t>11/11/2024</a:t>
             </a:fld>
             <a:endParaRPr lang="en-US" sz="1100" dirty="0">
               <a:solidFill>
@@ -4077,7 +4078,7 @@
             <a:fld id="{8F6BCBE8-30B0-4476-8762-9236B142003A}" type="datetimeFigureOut">
               <a:rPr lang="en-US" smtClean="0"/>
               <a:pPr/>
-              <a:t>11/4/2024</a:t>
+              <a:t>11/11/2024</a:t>
             </a:fld>
             <a:endParaRPr lang="en-US" sz="1100" dirty="0">
               <a:solidFill>
@@ -4624,7 +4625,7 @@
             <a:fld id="{8F6BCBE8-30B0-4476-8762-9236B142003A}" type="datetimeFigureOut">
               <a:rPr lang="en-US" smtClean="0"/>
               <a:pPr/>
-              <a:t>11/4/2024</a:t>
+              <a:t>11/11/2024</a:t>
             </a:fld>
             <a:endParaRPr lang="en-US" sz="1100" dirty="0">
               <a:solidFill>
@@ -4725,7 +4726,7 @@
             <a:fld id="{8F6BCBE8-30B0-4476-8762-9236B142003A}" type="datetimeFigureOut">
               <a:rPr lang="en-US" smtClean="0"/>
               <a:pPr/>
-              <a:t>11/4/2024</a:t>
+              <a:t>11/11/2024</a:t>
             </a:fld>
             <a:endParaRPr lang="en-US" sz="1100" dirty="0">
               <a:solidFill>
@@ -4983,7 +4984,7 @@
             <a:fld id="{8F6BCBE8-30B0-4476-8762-9236B142003A}" type="datetimeFigureOut">
               <a:rPr lang="en-US" smtClean="0"/>
               <a:pPr/>
-              <a:t>11/4/2024</a:t>
+              <a:t>11/11/2024</a:t>
             </a:fld>
             <a:endParaRPr lang="en-US" sz="1100" dirty="0">
               <a:solidFill>
@@ -5705,7 +5706,7 @@
             <a:fld id="{8F6BCBE8-30B0-4476-8762-9236B142003A}" type="datetimeFigureOut">
               <a:rPr lang="en-US" smtClean="0"/>
               <a:pPr/>
-              <a:t>11/4/2024</a:t>
+              <a:t>11/11/2024</a:t>
             </a:fld>
             <a:endParaRPr lang="en-US" sz="1100" dirty="0">
               <a:solidFill>
@@ -6361,7 +6362,7 @@
             <a:fld id="{8F6BCBE8-30B0-4476-8762-9236B142003A}" type="datetimeFigureOut">
               <a:rPr lang="en-US" smtClean="0"/>
               <a:pPr/>
-              <a:t>11/4/2024</a:t>
+              <a:t>11/11/2024</a:t>
             </a:fld>
             <a:endParaRPr lang="en-US" sz="1100" dirty="0">
               <a:solidFill>
@@ -8820,6 +8821,25 @@
               <a:t>Monster</a:t>
             </a:r>
           </a:p>
+          <a:p>
+            <a:pPr algn="ctr"/>
+            <a:r>
+              <a:rPr lang="en-CA" dirty="0" err="1">
+                <a:solidFill>
+                  <a:schemeClr val="bg1"/>
+                </a:solidFill>
+              </a:rPr>
+              <a:t>takeDamage</a:t>
+            </a:r>
+            <a:r>
+              <a:rPr lang="en-CA" dirty="0">
+                <a:solidFill>
+                  <a:schemeClr val="bg1"/>
+                </a:solidFill>
+              </a:rPr>
+              <a:t>()</a:t>
+            </a:r>
+          </a:p>
         </p:txBody>
       </p:sp>
       <p:sp>
@@ -8934,8 +8954,8 @@
         </p:nvSpPr>
         <p:spPr>
           <a:xfrm>
-            <a:off x="1371600" y="2407920"/>
-            <a:ext cx="762000" cy="838200"/>
+            <a:off x="1371600" y="2228850"/>
+            <a:ext cx="762000" cy="1143000"/>
           </a:xfrm>
           <a:prstGeom prst="downArrow">
             <a:avLst/>
@@ -9789,7 +9809,7 @@
         <p:spPr>
           <a:xfrm>
             <a:off x="914400" y="384048"/>
-            <a:ext cx="7772400" cy="762000"/>
+            <a:ext cx="7772400" cy="968502"/>
           </a:xfrm>
         </p:spPr>
         <p:txBody>
@@ -9798,7 +9818,7 @@
           <a:p>
             <a:r>
               <a:rPr lang="en-CA" dirty="0"/>
-              <a:t>Mediator</a:t>
+              <a:t>Cyclical dependency</a:t>
             </a:r>
           </a:p>
         </p:txBody>
@@ -9854,7 +9874,7 @@
         </p:nvSpPr>
         <p:spPr>
           <a:xfrm>
-            <a:off x="906780" y="1554099"/>
+            <a:off x="914400" y="1352550"/>
             <a:ext cx="1676400" cy="762000"/>
           </a:xfrm>
           <a:prstGeom prst="roundRect">
@@ -9907,7 +9927,7 @@
         </p:nvSpPr>
         <p:spPr>
           <a:xfrm>
-            <a:off x="3581400" y="666750"/>
+            <a:off x="3429000" y="1112520"/>
             <a:ext cx="1676400" cy="762000"/>
           </a:xfrm>
           <a:prstGeom prst="roundRect">
@@ -9966,8 +9986,8 @@
         </p:nvCxnSpPr>
         <p:spPr>
           <a:xfrm flipV="1">
-            <a:off x="2583180" y="1047750"/>
-            <a:ext cx="998220" cy="887349"/>
+            <a:off x="2590800" y="1493520"/>
+            <a:ext cx="838200" cy="240030"/>
           </a:xfrm>
           <a:prstGeom prst="straightConnector1">
             <a:avLst/>
@@ -10005,7 +10025,7 @@
         </p:nvSpPr>
         <p:spPr>
           <a:xfrm>
-            <a:off x="914400" y="3028951"/>
+            <a:off x="914400" y="3486151"/>
             <a:ext cx="1676400" cy="762000"/>
           </a:xfrm>
           <a:prstGeom prst="roundRect">
@@ -10117,8 +10137,8 @@
         </p:nvCxnSpPr>
         <p:spPr>
           <a:xfrm>
-            <a:off x="2590800" y="3409951"/>
-            <a:ext cx="853440" cy="762000"/>
+            <a:off x="2590800" y="3867151"/>
+            <a:ext cx="853440" cy="304800"/>
           </a:xfrm>
           <a:prstGeom prst="straightConnector1">
             <a:avLst/>
@@ -10144,10 +10164,10 @@
       </p:cxnSp>
       <p:sp>
         <p:nvSpPr>
-          <p:cNvPr id="14" name="Rectangle: Rounded Corners 13">
+          <p:cNvPr id="10" name="Arrow: Down 9">
             <a:extLst>
               <a:ext uri="{FF2B5EF4-FFF2-40B4-BE49-F238E27FC236}">
-                <a16:creationId xmlns:a16="http://schemas.microsoft.com/office/drawing/2014/main" id="{F704DA82-8477-ADC1-8495-0F4451D581D2}"/>
+                <a16:creationId xmlns:a16="http://schemas.microsoft.com/office/drawing/2014/main" id="{6A0D3242-9801-765A-A351-61C9A40970F9}"/>
               </a:ext>
             </a:extLst>
           </p:cNvPr>
@@ -10156,18 +10176,12 @@
         </p:nvSpPr>
         <p:spPr>
           <a:xfrm>
-            <a:off x="6515100" y="2190751"/>
-            <a:ext cx="2133600" cy="1295400"/>
-          </a:xfrm>
-          <a:prstGeom prst="roundRect">
+            <a:off x="1371600" y="2407920"/>
+            <a:ext cx="762000" cy="838200"/>
+          </a:xfrm>
+          <a:prstGeom prst="downArrow">
             <a:avLst/>
           </a:prstGeom>
-          <a:solidFill>
-            <a:schemeClr val="accent2">
-              <a:lumMod val="60000"/>
-              <a:lumOff val="40000"/>
-            </a:schemeClr>
-          </a:solidFill>
         </p:spPr>
         <p:style>
           <a:lnRef idx="2">
@@ -10190,23 +10204,85 @@
           <a:lstStyle/>
           <a:p>
             <a:pPr algn="ctr"/>
-            <a:r>
-              <a:rPr lang="en-CA" dirty="0">
-                <a:solidFill>
-                  <a:schemeClr val="bg1"/>
-                </a:solidFill>
-              </a:rPr>
-              <a:t>Mediator</a:t>
-            </a:r>
-          </a:p>
-        </p:txBody>
-      </p:sp>
-      <p:sp>
-        <p:nvSpPr>
-          <p:cNvPr id="19" name="Arrow: Right 18">
+            <a:endParaRPr lang="en-CA" dirty="0"/>
+          </a:p>
+        </p:txBody>
+      </p:sp>
+      <p:sp>
+        <p:nvSpPr>
+          <p:cNvPr id="15" name="TextBox 14">
             <a:extLst>
               <a:ext uri="{FF2B5EF4-FFF2-40B4-BE49-F238E27FC236}">
-                <a16:creationId xmlns:a16="http://schemas.microsoft.com/office/drawing/2014/main" id="{285F6A55-F2E3-7615-49BF-14389DD2C5ED}"/>
+                <a16:creationId xmlns:a16="http://schemas.microsoft.com/office/drawing/2014/main" id="{9873FF2E-9258-3BFA-C77D-E3C2E8E22840}"/>
+              </a:ext>
+            </a:extLst>
+          </p:cNvPr>
+          <p:cNvSpPr txBox="1"/>
+          <p:nvPr/>
+        </p:nvSpPr>
+        <p:spPr>
+          <a:xfrm>
+            <a:off x="5369890" y="1001626"/>
+            <a:ext cx="3514872" cy="2585323"/>
+          </a:xfrm>
+          <a:prstGeom prst="rect">
+            <a:avLst/>
+          </a:prstGeom>
+          <a:noFill/>
+        </p:spPr>
+        <p:txBody>
+          <a:bodyPr wrap="square" rtlCol="0">
+            <a:spAutoFit/>
+          </a:bodyPr>
+          <a:lstStyle/>
+          <a:p>
+            <a:r>
+              <a:rPr lang="en-CA" dirty="0"/>
+              <a:t>One possible solution for this is that ALL objects are the same or have the same interface. </a:t>
+            </a:r>
+          </a:p>
+          <a:p>
+            <a:endParaRPr lang="en-CA" dirty="0"/>
+          </a:p>
+          <a:p>
+            <a:r>
+              <a:rPr lang="en-CA" dirty="0" err="1"/>
+              <a:t>Eg</a:t>
+            </a:r>
+            <a:r>
+              <a:rPr lang="en-CA" dirty="0"/>
+              <a:t>: Monsters AND Swords are both </a:t>
+            </a:r>
+            <a:r>
+              <a:rPr lang="en-CA" dirty="0" err="1"/>
+              <a:t>cGameObject</a:t>
+            </a:r>
+            <a:r>
+              <a:rPr lang="en-CA" dirty="0"/>
+              <a:t>, etc. </a:t>
+            </a:r>
+          </a:p>
+          <a:p>
+            <a:endParaRPr lang="en-CA" dirty="0"/>
+          </a:p>
+          <a:p>
+            <a:r>
+              <a:rPr lang="en-CA" dirty="0" err="1"/>
+              <a:t>Eg</a:t>
+            </a:r>
+            <a:r>
+              <a:rPr lang="en-CA" dirty="0"/>
+              <a:t>: both have an interface, not a full “base class”</a:t>
+            </a:r>
+          </a:p>
+        </p:txBody>
+      </p:sp>
+      <p:sp>
+        <p:nvSpPr>
+          <p:cNvPr id="3" name="Arrow: Down 2">
+            <a:extLst>
+              <a:ext uri="{FF2B5EF4-FFF2-40B4-BE49-F238E27FC236}">
+                <a16:creationId xmlns:a16="http://schemas.microsoft.com/office/drawing/2014/main" id="{36FEF8A5-2A6A-F536-605A-5BDFA58E000A}"/>
               </a:ext>
             </a:extLst>
           </p:cNvPr>
@@ -10214,11 +10290,11 @@
           <p:nvPr/>
         </p:nvSpPr>
         <p:spPr>
-          <a:xfrm rot="2363215">
-            <a:off x="5372067" y="1403180"/>
-            <a:ext cx="1203960" cy="887349"/>
-          </a:xfrm>
-          <a:prstGeom prst="rightArrow">
+          <a:xfrm rot="2862281">
+            <a:off x="2809796" y="1909157"/>
+            <a:ext cx="762000" cy="1629985"/>
+          </a:xfrm>
+          <a:prstGeom prst="downArrow">
             <a:avLst/>
           </a:prstGeom>
         </p:spPr>
@@ -10243,19 +10319,16 @@
           <a:lstStyle/>
           <a:p>
             <a:pPr algn="ctr"/>
-            <a:r>
-              <a:rPr lang="en-CA" dirty="0"/>
-              <a:t>Attack</a:t>
-            </a:r>
-          </a:p>
-        </p:txBody>
-      </p:sp>
-      <p:sp>
-        <p:nvSpPr>
-          <p:cNvPr id="20" name="Arrow: Right 19">
+            <a:endParaRPr lang="en-CA" dirty="0"/>
+          </a:p>
+        </p:txBody>
+      </p:sp>
+      <p:sp>
+        <p:nvSpPr>
+          <p:cNvPr id="12" name="&quot;Not Allowed&quot; Symbol 11">
             <a:extLst>
               <a:ext uri="{FF2B5EF4-FFF2-40B4-BE49-F238E27FC236}">
-                <a16:creationId xmlns:a16="http://schemas.microsoft.com/office/drawing/2014/main" id="{55699090-2DC6-9361-D9E4-3FEBB965DD0C}"/>
+                <a16:creationId xmlns:a16="http://schemas.microsoft.com/office/drawing/2014/main" id="{9690D947-D6A5-46B6-4EE0-262408ECE8F0}"/>
               </a:ext>
             </a:extLst>
           </p:cNvPr>
@@ -10263,11 +10336,11 @@
           <p:nvPr/>
         </p:nvSpPr>
         <p:spPr>
-          <a:xfrm rot="21420679" flipH="1">
-            <a:off x="2624830" y="2638634"/>
-            <a:ext cx="3688976" cy="887349"/>
-          </a:xfrm>
-          <a:prstGeom prst="rightArrow">
+          <a:xfrm>
+            <a:off x="990600" y="2381250"/>
+            <a:ext cx="1371600" cy="901065"/>
+          </a:xfrm>
+          <a:prstGeom prst="noSmoking">
             <a:avLst/>
           </a:prstGeom>
         </p:spPr>
@@ -10292,17 +10365,18 @@
           <a:lstStyle/>
           <a:p>
             <a:pPr algn="ctr"/>
-            <a:r>
-              <a:rPr lang="en-CA" dirty="0"/>
-              <a:t>Take Damage</a:t>
-            </a:r>
+            <a:endParaRPr lang="en-CA">
+              <a:solidFill>
+                <a:schemeClr val="tx1"/>
+              </a:solidFill>
+            </a:endParaRPr>
           </a:p>
         </p:txBody>
       </p:sp>
     </p:spTree>
     <p:extLst>
       <p:ext uri="{BB962C8B-B14F-4D97-AF65-F5344CB8AC3E}">
-        <p14:creationId xmlns:p14="http://schemas.microsoft.com/office/powerpoint/2010/main" val="258736043"/>
+        <p14:creationId xmlns:p14="http://schemas.microsoft.com/office/powerpoint/2010/main" val="4016863092"/>
       </p:ext>
     </p:extLst>
   </p:cSld>
@@ -10428,7 +10502,7 @@
         <p:spPr>
           <a:xfrm>
             <a:off x="914400" y="384048"/>
-            <a:ext cx="7772400" cy="968502"/>
+            <a:ext cx="7772400" cy="762000"/>
           </a:xfrm>
         </p:spPr>
         <p:txBody>
@@ -10437,71 +10511,7 @@
           <a:p>
             <a:r>
               <a:rPr lang="en-CA" dirty="0"/>
-              <a:t>Mediator: the </a:t>
-            </a:r>
-            <a:r>
-              <a:rPr lang="en-CA" dirty="0" err="1"/>
-              <a:t>deets</a:t>
-            </a:r>
-            <a:endParaRPr lang="en-CA" dirty="0"/>
-          </a:p>
-        </p:txBody>
-      </p:sp>
-      <p:sp>
-        <p:nvSpPr>
-          <p:cNvPr id="3" name="Content Placeholder 2"/>
-          <p:cNvSpPr>
-            <a:spLocks noGrp="1"/>
-          </p:cNvSpPr>
-          <p:nvPr>
-            <p:ph idx="1"/>
-          </p:nvPr>
-        </p:nvSpPr>
-        <p:spPr>
-          <a:xfrm>
-            <a:off x="304800" y="1428750"/>
-            <a:ext cx="8839200" cy="3337920"/>
-          </a:xfrm>
-        </p:spPr>
-        <p:txBody>
-          <a:bodyPr>
-            <a:normAutofit/>
-          </a:bodyPr>
-          <a:lstStyle/>
-          <a:p>
-            <a:pPr lvl="1"/>
-            <a:r>
-              <a:rPr lang="en-CA" dirty="0"/>
-              <a:t>Make an interface for the communication between ALL objects. This can be whatever you want:</a:t>
-            </a:r>
-          </a:p>
-          <a:p>
-            <a:pPr lvl="2"/>
-            <a:r>
-              <a:rPr lang="en-CA" dirty="0" err="1"/>
-              <a:t>ReceiveMessage</a:t>
-            </a:r>
-            <a:r>
-              <a:rPr lang="en-CA" dirty="0"/>
-              <a:t>(xxx);	// Sent to objects</a:t>
-            </a:r>
-          </a:p>
-          <a:p>
-            <a:pPr lvl="2"/>
-            <a:r>
-              <a:rPr lang="en-CA" dirty="0" err="1"/>
-              <a:t>SendMessage</a:t>
-            </a:r>
-            <a:r>
-              <a:rPr lang="en-CA" dirty="0"/>
-              <a:t>(xxx)		// Sent to the mediator</a:t>
-            </a:r>
-          </a:p>
-          <a:p>
-            <a:pPr lvl="1"/>
-            <a:r>
-              <a:rPr lang="en-CA" dirty="0"/>
-              <a:t>“xxx” is the message, which can be…</a:t>
+              <a:t>Mediator</a:t>
             </a:r>
           </a:p>
         </p:txBody>
@@ -10543,10 +10553,480 @@
           </a:p>
         </p:txBody>
       </p:sp>
+      <p:sp>
+        <p:nvSpPr>
+          <p:cNvPr id="7" name="Rectangle: Rounded Corners 6">
+            <a:extLst>
+              <a:ext uri="{FF2B5EF4-FFF2-40B4-BE49-F238E27FC236}">
+                <a16:creationId xmlns:a16="http://schemas.microsoft.com/office/drawing/2014/main" id="{AAC0487A-4AC2-4A8B-CD75-FAE65761D7F7}"/>
+              </a:ext>
+            </a:extLst>
+          </p:cNvPr>
+          <p:cNvSpPr/>
+          <p:nvPr/>
+        </p:nvSpPr>
+        <p:spPr>
+          <a:xfrm>
+            <a:off x="906780" y="1554099"/>
+            <a:ext cx="1676400" cy="762000"/>
+          </a:xfrm>
+          <a:prstGeom prst="roundRect">
+            <a:avLst/>
+          </a:prstGeom>
+        </p:spPr>
+        <p:style>
+          <a:lnRef idx="2">
+            <a:schemeClr val="accent1">
+              <a:shade val="15000"/>
+            </a:schemeClr>
+          </a:lnRef>
+          <a:fillRef idx="1">
+            <a:schemeClr val="accent1"/>
+          </a:fillRef>
+          <a:effectRef idx="0">
+            <a:schemeClr val="accent1"/>
+          </a:effectRef>
+          <a:fontRef idx="minor">
+            <a:schemeClr val="lt1"/>
+          </a:fontRef>
+        </p:style>
+        <p:txBody>
+          <a:bodyPr rtlCol="0" anchor="ctr"/>
+          <a:lstStyle/>
+          <a:p>
+            <a:pPr algn="ctr"/>
+            <a:r>
+              <a:rPr lang="en-CA" dirty="0">
+                <a:solidFill>
+                  <a:schemeClr val="bg1"/>
+                </a:solidFill>
+              </a:rPr>
+              <a:t>Monster</a:t>
+            </a:r>
+          </a:p>
+        </p:txBody>
+      </p:sp>
+      <p:sp>
+        <p:nvSpPr>
+          <p:cNvPr id="9" name="Rectangle: Rounded Corners 8">
+            <a:extLst>
+              <a:ext uri="{FF2B5EF4-FFF2-40B4-BE49-F238E27FC236}">
+                <a16:creationId xmlns:a16="http://schemas.microsoft.com/office/drawing/2014/main" id="{D5718CE4-7D0E-22F1-5C17-B7D417D8150E}"/>
+              </a:ext>
+            </a:extLst>
+          </p:cNvPr>
+          <p:cNvSpPr/>
+          <p:nvPr/>
+        </p:nvSpPr>
+        <p:spPr>
+          <a:xfrm>
+            <a:off x="3581400" y="666750"/>
+            <a:ext cx="1676400" cy="762000"/>
+          </a:xfrm>
+          <a:prstGeom prst="roundRect">
+            <a:avLst/>
+          </a:prstGeom>
+          <a:solidFill>
+            <a:srgbClr val="FFC000"/>
+          </a:solidFill>
+        </p:spPr>
+        <p:style>
+          <a:lnRef idx="2">
+            <a:schemeClr val="accent1">
+              <a:shade val="15000"/>
+            </a:schemeClr>
+          </a:lnRef>
+          <a:fillRef idx="1">
+            <a:schemeClr val="accent1"/>
+          </a:fillRef>
+          <a:effectRef idx="0">
+            <a:schemeClr val="accent1"/>
+          </a:effectRef>
+          <a:fontRef idx="minor">
+            <a:schemeClr val="lt1"/>
+          </a:fontRef>
+        </p:style>
+        <p:txBody>
+          <a:bodyPr rtlCol="0" anchor="ctr"/>
+          <a:lstStyle/>
+          <a:p>
+            <a:pPr algn="ctr"/>
+            <a:r>
+              <a:rPr lang="en-CA" dirty="0">
+                <a:solidFill>
+                  <a:schemeClr val="bg1"/>
+                </a:solidFill>
+              </a:rPr>
+              <a:t>Sword</a:t>
+            </a:r>
+          </a:p>
+          <a:p>
+            <a:pPr algn="ctr"/>
+            <a:r>
+              <a:rPr lang="en-CA" dirty="0">
+                <a:solidFill>
+                  <a:schemeClr val="bg1"/>
+                </a:solidFill>
+              </a:rPr>
+              <a:t>(Sword)</a:t>
+            </a:r>
+          </a:p>
+        </p:txBody>
+      </p:sp>
+      <p:cxnSp>
+        <p:nvCxnSpPr>
+          <p:cNvPr id="11" name="Straight Arrow Connector 10">
+            <a:extLst>
+              <a:ext uri="{FF2B5EF4-FFF2-40B4-BE49-F238E27FC236}">
+                <a16:creationId xmlns:a16="http://schemas.microsoft.com/office/drawing/2014/main" id="{F054C6B5-CBD3-26B5-8BC9-7FDE240AEE84}"/>
+              </a:ext>
+            </a:extLst>
+          </p:cNvPr>
+          <p:cNvCxnSpPr>
+            <a:stCxn id="7" idx="3"/>
+            <a:endCxn id="9" idx="1"/>
+          </p:cNvCxnSpPr>
+          <p:nvPr/>
+        </p:nvCxnSpPr>
+        <p:spPr>
+          <a:xfrm flipV="1">
+            <a:off x="2583180" y="1047750"/>
+            <a:ext cx="998220" cy="887349"/>
+          </a:xfrm>
+          <a:prstGeom prst="straightConnector1">
+            <a:avLst/>
+          </a:prstGeom>
+          <a:ln w="50800">
+            <a:tailEnd type="triangle" w="lg" len="lg"/>
+          </a:ln>
+        </p:spPr>
+        <p:style>
+          <a:lnRef idx="1">
+            <a:schemeClr val="accent1"/>
+          </a:lnRef>
+          <a:fillRef idx="0">
+            <a:schemeClr val="accent1"/>
+          </a:fillRef>
+          <a:effectRef idx="0">
+            <a:schemeClr val="accent1"/>
+          </a:effectRef>
+          <a:fontRef idx="minor">
+            <a:schemeClr val="tx1"/>
+          </a:fontRef>
+        </p:style>
+      </p:cxnSp>
+      <p:sp>
+        <p:nvSpPr>
+          <p:cNvPr id="5" name="Rectangle: Rounded Corners 4">
+            <a:extLst>
+              <a:ext uri="{FF2B5EF4-FFF2-40B4-BE49-F238E27FC236}">
+                <a16:creationId xmlns:a16="http://schemas.microsoft.com/office/drawing/2014/main" id="{50BA6AFD-5C05-3B98-C4EA-05C15C7380A3}"/>
+              </a:ext>
+            </a:extLst>
+          </p:cNvPr>
+          <p:cNvSpPr/>
+          <p:nvPr/>
+        </p:nvSpPr>
+        <p:spPr>
+          <a:xfrm>
+            <a:off x="914400" y="3028951"/>
+            <a:ext cx="1676400" cy="762000"/>
+          </a:xfrm>
+          <a:prstGeom prst="roundRect">
+            <a:avLst/>
+          </a:prstGeom>
+        </p:spPr>
+        <p:style>
+          <a:lnRef idx="2">
+            <a:schemeClr val="accent1">
+              <a:shade val="15000"/>
+            </a:schemeClr>
+          </a:lnRef>
+          <a:fillRef idx="1">
+            <a:schemeClr val="accent1"/>
+          </a:fillRef>
+          <a:effectRef idx="0">
+            <a:schemeClr val="accent1"/>
+          </a:effectRef>
+          <a:fontRef idx="minor">
+            <a:schemeClr val="lt1"/>
+          </a:fontRef>
+        </p:style>
+        <p:txBody>
+          <a:bodyPr rtlCol="0" anchor="ctr"/>
+          <a:lstStyle/>
+          <a:p>
+            <a:pPr algn="ctr"/>
+            <a:r>
+              <a:rPr lang="en-CA" dirty="0">
+                <a:solidFill>
+                  <a:schemeClr val="bg1"/>
+                </a:solidFill>
+              </a:rPr>
+              <a:t>Monster</a:t>
+            </a:r>
+          </a:p>
+        </p:txBody>
+      </p:sp>
+      <p:sp>
+        <p:nvSpPr>
+          <p:cNvPr id="6" name="Rectangle: Rounded Corners 5">
+            <a:extLst>
+              <a:ext uri="{FF2B5EF4-FFF2-40B4-BE49-F238E27FC236}">
+                <a16:creationId xmlns:a16="http://schemas.microsoft.com/office/drawing/2014/main" id="{6323323B-10B4-C151-C7A6-72AFB8663B21}"/>
+              </a:ext>
+            </a:extLst>
+          </p:cNvPr>
+          <p:cNvSpPr/>
+          <p:nvPr/>
+        </p:nvSpPr>
+        <p:spPr>
+          <a:xfrm>
+            <a:off x="3444240" y="3790951"/>
+            <a:ext cx="1676400" cy="762000"/>
+          </a:xfrm>
+          <a:prstGeom prst="roundRect">
+            <a:avLst/>
+          </a:prstGeom>
+          <a:solidFill>
+            <a:srgbClr val="FFC000"/>
+          </a:solidFill>
+        </p:spPr>
+        <p:style>
+          <a:lnRef idx="2">
+            <a:schemeClr val="accent1">
+              <a:shade val="15000"/>
+            </a:schemeClr>
+          </a:lnRef>
+          <a:fillRef idx="1">
+            <a:schemeClr val="accent1"/>
+          </a:fillRef>
+          <a:effectRef idx="0">
+            <a:schemeClr val="accent1"/>
+          </a:effectRef>
+          <a:fontRef idx="minor">
+            <a:schemeClr val="lt1"/>
+          </a:fontRef>
+        </p:style>
+        <p:txBody>
+          <a:bodyPr rtlCol="0" anchor="ctr"/>
+          <a:lstStyle/>
+          <a:p>
+            <a:pPr algn="ctr"/>
+            <a:r>
+              <a:rPr lang="en-CA" dirty="0">
+                <a:solidFill>
+                  <a:schemeClr val="bg1"/>
+                </a:solidFill>
+              </a:rPr>
+              <a:t>Sword</a:t>
+            </a:r>
+          </a:p>
+        </p:txBody>
+      </p:sp>
+      <p:cxnSp>
+        <p:nvCxnSpPr>
+          <p:cNvPr id="8" name="Straight Arrow Connector 7">
+            <a:extLst>
+              <a:ext uri="{FF2B5EF4-FFF2-40B4-BE49-F238E27FC236}">
+                <a16:creationId xmlns:a16="http://schemas.microsoft.com/office/drawing/2014/main" id="{3E367CA9-4E91-0FDA-DF8B-DB41A3963028}"/>
+              </a:ext>
+            </a:extLst>
+          </p:cNvPr>
+          <p:cNvCxnSpPr>
+            <a:stCxn id="5" idx="3"/>
+            <a:endCxn id="6" idx="1"/>
+          </p:cNvCxnSpPr>
+          <p:nvPr/>
+        </p:nvCxnSpPr>
+        <p:spPr>
+          <a:xfrm>
+            <a:off x="2590800" y="3409951"/>
+            <a:ext cx="853440" cy="762000"/>
+          </a:xfrm>
+          <a:prstGeom prst="straightConnector1">
+            <a:avLst/>
+          </a:prstGeom>
+          <a:ln w="50800">
+            <a:tailEnd type="triangle" w="lg" len="lg"/>
+          </a:ln>
+        </p:spPr>
+        <p:style>
+          <a:lnRef idx="1">
+            <a:schemeClr val="accent1"/>
+          </a:lnRef>
+          <a:fillRef idx="0">
+            <a:schemeClr val="accent1"/>
+          </a:fillRef>
+          <a:effectRef idx="0">
+            <a:schemeClr val="accent1"/>
+          </a:effectRef>
+          <a:fontRef idx="minor">
+            <a:schemeClr val="tx1"/>
+          </a:fontRef>
+        </p:style>
+      </p:cxnSp>
+      <p:sp>
+        <p:nvSpPr>
+          <p:cNvPr id="14" name="Rectangle: Rounded Corners 13">
+            <a:extLst>
+              <a:ext uri="{FF2B5EF4-FFF2-40B4-BE49-F238E27FC236}">
+                <a16:creationId xmlns:a16="http://schemas.microsoft.com/office/drawing/2014/main" id="{F704DA82-8477-ADC1-8495-0F4451D581D2}"/>
+              </a:ext>
+            </a:extLst>
+          </p:cNvPr>
+          <p:cNvSpPr/>
+          <p:nvPr/>
+        </p:nvSpPr>
+        <p:spPr>
+          <a:xfrm>
+            <a:off x="6515100" y="2190751"/>
+            <a:ext cx="2133600" cy="1295400"/>
+          </a:xfrm>
+          <a:prstGeom prst="roundRect">
+            <a:avLst/>
+          </a:prstGeom>
+          <a:solidFill>
+            <a:schemeClr val="accent2">
+              <a:lumMod val="60000"/>
+              <a:lumOff val="40000"/>
+            </a:schemeClr>
+          </a:solidFill>
+        </p:spPr>
+        <p:style>
+          <a:lnRef idx="2">
+            <a:schemeClr val="accent1">
+              <a:shade val="15000"/>
+            </a:schemeClr>
+          </a:lnRef>
+          <a:fillRef idx="1">
+            <a:schemeClr val="accent1"/>
+          </a:fillRef>
+          <a:effectRef idx="0">
+            <a:schemeClr val="accent1"/>
+          </a:effectRef>
+          <a:fontRef idx="minor">
+            <a:schemeClr val="lt1"/>
+          </a:fontRef>
+        </p:style>
+        <p:txBody>
+          <a:bodyPr rtlCol="0" anchor="ctr"/>
+          <a:lstStyle/>
+          <a:p>
+            <a:pPr algn="ctr"/>
+            <a:r>
+              <a:rPr lang="en-CA" dirty="0">
+                <a:solidFill>
+                  <a:schemeClr val="bg1"/>
+                </a:solidFill>
+              </a:rPr>
+              <a:t>Mediator</a:t>
+            </a:r>
+          </a:p>
+        </p:txBody>
+      </p:sp>
+      <p:sp>
+        <p:nvSpPr>
+          <p:cNvPr id="19" name="Arrow: Right 18">
+            <a:extLst>
+              <a:ext uri="{FF2B5EF4-FFF2-40B4-BE49-F238E27FC236}">
+                <a16:creationId xmlns:a16="http://schemas.microsoft.com/office/drawing/2014/main" id="{285F6A55-F2E3-7615-49BF-14389DD2C5ED}"/>
+              </a:ext>
+            </a:extLst>
+          </p:cNvPr>
+          <p:cNvSpPr/>
+          <p:nvPr/>
+        </p:nvSpPr>
+        <p:spPr>
+          <a:xfrm rot="2363215">
+            <a:off x="5260713" y="1363324"/>
+            <a:ext cx="1329579" cy="887349"/>
+          </a:xfrm>
+          <a:prstGeom prst="rightArrow">
+            <a:avLst/>
+          </a:prstGeom>
+        </p:spPr>
+        <p:style>
+          <a:lnRef idx="2">
+            <a:schemeClr val="accent1">
+              <a:shade val="15000"/>
+            </a:schemeClr>
+          </a:lnRef>
+          <a:fillRef idx="1">
+            <a:schemeClr val="accent1"/>
+          </a:fillRef>
+          <a:effectRef idx="0">
+            <a:schemeClr val="accent1"/>
+          </a:effectRef>
+          <a:fontRef idx="minor">
+            <a:schemeClr val="lt1"/>
+          </a:fontRef>
+        </p:style>
+        <p:txBody>
+          <a:bodyPr rtlCol="0" anchor="ctr"/>
+          <a:lstStyle/>
+          <a:p>
+            <a:pPr algn="ctr"/>
+            <a:r>
+              <a:rPr lang="en-CA" dirty="0"/>
+              <a:t>Attack</a:t>
+            </a:r>
+          </a:p>
+        </p:txBody>
+      </p:sp>
+      <p:sp>
+        <p:nvSpPr>
+          <p:cNvPr id="20" name="Arrow: Right 19">
+            <a:extLst>
+              <a:ext uri="{FF2B5EF4-FFF2-40B4-BE49-F238E27FC236}">
+                <a16:creationId xmlns:a16="http://schemas.microsoft.com/office/drawing/2014/main" id="{55699090-2DC6-9361-D9E4-3FEBB965DD0C}"/>
+              </a:ext>
+            </a:extLst>
+          </p:cNvPr>
+          <p:cNvSpPr/>
+          <p:nvPr/>
+        </p:nvSpPr>
+        <p:spPr>
+          <a:xfrm rot="21420679" flipH="1">
+            <a:off x="2738895" y="2635658"/>
+            <a:ext cx="3574833" cy="887349"/>
+          </a:xfrm>
+          <a:prstGeom prst="rightArrow">
+            <a:avLst/>
+          </a:prstGeom>
+        </p:spPr>
+        <p:style>
+          <a:lnRef idx="2">
+            <a:schemeClr val="accent1">
+              <a:shade val="15000"/>
+            </a:schemeClr>
+          </a:lnRef>
+          <a:fillRef idx="1">
+            <a:schemeClr val="accent1"/>
+          </a:fillRef>
+          <a:effectRef idx="0">
+            <a:schemeClr val="accent1"/>
+          </a:effectRef>
+          <a:fontRef idx="minor">
+            <a:schemeClr val="lt1"/>
+          </a:fontRef>
+        </p:style>
+        <p:txBody>
+          <a:bodyPr rtlCol="0" anchor="ctr"/>
+          <a:lstStyle/>
+          <a:p>
+            <a:pPr algn="ctr"/>
+            <a:r>
+              <a:rPr lang="en-CA" dirty="0"/>
+              <a:t>Take Damage</a:t>
+            </a:r>
+          </a:p>
+        </p:txBody>
+      </p:sp>
     </p:spTree>
     <p:extLst>
       <p:ext uri="{BB962C8B-B14F-4D97-AF65-F5344CB8AC3E}">
-        <p14:creationId xmlns:p14="http://schemas.microsoft.com/office/powerpoint/2010/main" val="615891774"/>
+        <p14:creationId xmlns:p14="http://schemas.microsoft.com/office/powerpoint/2010/main" val="258736043"/>
       </p:ext>
     </p:extLst>
   </p:cSld>
@@ -11177,97 +11657,44 @@
         </p:spPr>
         <p:txBody>
           <a:bodyPr>
-            <a:normAutofit lnSpcReduction="10000"/>
+            <a:normAutofit/>
           </a:bodyPr>
           <a:lstStyle/>
+          <a:p>
+            <a:pPr lvl="1"/>
+            <a:r>
+              <a:rPr lang="en-CA" dirty="0"/>
+              <a:t>Make an interface for the communication between ALL objects. This can be whatever you want:</a:t>
+            </a:r>
+          </a:p>
+          <a:p>
+            <a:pPr lvl="2"/>
+            <a:r>
+              <a:rPr lang="en-CA" dirty="0" err="1"/>
+              <a:t>ReceiveMessage</a:t>
+            </a:r>
+            <a:r>
+              <a:rPr lang="en-CA" dirty="0"/>
+              <a:t>(xxx);	// Sent to objects</a:t>
+            </a:r>
+          </a:p>
+          <a:p>
+            <a:pPr lvl="2"/>
+            <a:r>
+              <a:rPr lang="en-CA" dirty="0" err="1"/>
+              <a:t>SendMessage</a:t>
+            </a:r>
+            <a:r>
+              <a:rPr lang="en-CA" dirty="0"/>
+              <a:t>(xxx)		// Sent to the mediator</a:t>
+            </a:r>
+          </a:p>
           <a:p>
             <a:pPr lvl="1"/>
             <a:r>
               <a:rPr lang="en-CA" dirty="0"/>
               <a:t>“xxx” is the message, which can be…</a:t>
             </a:r>
-          </a:p>
-          <a:p>
-            <a:pPr lvl="2"/>
-            <a:r>
-              <a:rPr lang="en-CA" dirty="0"/>
-              <a:t>A string</a:t>
-            </a:r>
-          </a:p>
-          <a:p>
-            <a:pPr lvl="2"/>
-            <a:r>
-              <a:rPr lang="en-CA" dirty="0"/>
-              <a:t>Some numbers</a:t>
-            </a:r>
-          </a:p>
-          <a:p>
-            <a:pPr lvl="2"/>
-            <a:r>
-              <a:rPr lang="en-CA" dirty="0"/>
-              <a:t>A vector of somethings? </a:t>
-            </a:r>
-          </a:p>
-          <a:p>
-            <a:pPr lvl="2"/>
-            <a:r>
-              <a:rPr lang="en-CA" dirty="0"/>
-              <a:t>JSON/XML</a:t>
-            </a:r>
-          </a:p>
-          <a:p>
-            <a:pPr lvl="2"/>
-            <a:r>
-              <a:rPr lang="en-CA" dirty="0"/>
-              <a:t>Or what Quake did…</a:t>
-            </a:r>
-          </a:p>
-          <a:p>
-            <a:pPr lvl="3"/>
-            <a:r>
-              <a:rPr lang="en-CA" b="0" i="0" dirty="0">
-                <a:solidFill>
-                  <a:srgbClr val="D3CFC9"/>
-                </a:solidFill>
-                <a:effectLst/>
-                <a:latin typeface="Verdana" panose="020B0604030504040204" pitchFamily="34" charset="0"/>
-              </a:rPr>
-              <a:t>CPU: Intel Pentium(R) 75 </a:t>
-            </a:r>
-            <a:r>
-              <a:rPr lang="en-CA" b="1" i="0" u="sng" dirty="0">
-                <a:solidFill>
-                  <a:srgbClr val="D3CFC9"/>
-                </a:solidFill>
-                <a:effectLst/>
-                <a:latin typeface="Verdana" panose="020B0604030504040204" pitchFamily="34" charset="0"/>
-              </a:rPr>
-              <a:t>M</a:t>
-            </a:r>
-            <a:r>
-              <a:rPr lang="en-CA" b="0" i="0" dirty="0">
-                <a:solidFill>
-                  <a:srgbClr val="D3CFC9"/>
-                </a:solidFill>
-                <a:effectLst/>
-                <a:latin typeface="Verdana" panose="020B0604030504040204" pitchFamily="34" charset="0"/>
-              </a:rPr>
-              <a:t>Hz processor or better</a:t>
-            </a:r>
-          </a:p>
-          <a:p>
-            <a:pPr lvl="3"/>
-            <a:r>
-              <a:rPr lang="en-CA" b="0" i="0" dirty="0">
-                <a:solidFill>
-                  <a:srgbClr val="D3CFC9"/>
-                </a:solidFill>
-                <a:effectLst/>
-                <a:latin typeface="Verdana" panose="020B0604030504040204" pitchFamily="34" charset="0"/>
-              </a:rPr>
-              <a:t>RAM: DOS: 8 MB RAM/Win 95: 16 MB RAM</a:t>
-            </a:r>
-            <a:endParaRPr lang="en-CA" dirty="0"/>
           </a:p>
         </p:txBody>
       </p:sp>
@@ -11311,7 +11738,7 @@
     </p:spTree>
     <p:extLst>
       <p:ext uri="{BB962C8B-B14F-4D97-AF65-F5344CB8AC3E}">
-        <p14:creationId xmlns:p14="http://schemas.microsoft.com/office/powerpoint/2010/main" val="1121708693"/>
+        <p14:creationId xmlns:p14="http://schemas.microsoft.com/office/powerpoint/2010/main" val="615891774"/>
       </p:ext>
     </p:extLst>
   </p:cSld>
@@ -11474,14 +11901,49 @@
         </p:spPr>
         <p:txBody>
           <a:bodyPr>
-            <a:normAutofit fontScale="92500" lnSpcReduction="20000"/>
+            <a:normAutofit lnSpcReduction="10000"/>
           </a:bodyPr>
           <a:lstStyle/>
           <a:p>
             <a:pPr lvl="1"/>
             <a:r>
               <a:rPr lang="en-CA" dirty="0"/>
-              <a:t>“xxx” name value pair</a:t>
+              <a:t>“xxx” is the message, which can be…</a:t>
+            </a:r>
+          </a:p>
+          <a:p>
+            <a:pPr lvl="2"/>
+            <a:r>
+              <a:rPr lang="en-CA" dirty="0"/>
+              <a:t>A string</a:t>
+            </a:r>
+          </a:p>
+          <a:p>
+            <a:pPr lvl="2"/>
+            <a:r>
+              <a:rPr lang="en-CA" dirty="0"/>
+              <a:t>Some numbers</a:t>
+            </a:r>
+          </a:p>
+          <a:p>
+            <a:pPr lvl="2"/>
+            <a:r>
+              <a:rPr lang="en-CA" dirty="0"/>
+              <a:t>A vector of somethings? </a:t>
+            </a:r>
+          </a:p>
+          <a:p>
+            <a:pPr lvl="2"/>
+            <a:r>
+              <a:rPr lang="en-CA" dirty="0"/>
+              <a:t>JSON/XML</a:t>
+            </a:r>
+          </a:p>
+          <a:p>
+            <a:pPr lvl="2"/>
+            <a:r>
+              <a:rPr lang="en-CA" dirty="0"/>
+              <a:t>Or what Quake did…</a:t>
             </a:r>
           </a:p>
           <a:p>
@@ -11494,209 +11956,42 @@
                 <a:effectLst/>
                 <a:latin typeface="Verdana" panose="020B0604030504040204" pitchFamily="34" charset="0"/>
               </a:rPr>
-              <a:t>Char “string” (16 chars)</a:t>
-            </a:r>
-          </a:p>
-          <a:p>
-            <a:pPr lvl="3"/>
-            <a:r>
-              <a:rPr lang="en-CA" dirty="0">
+              <a:t>CPU: Intel Pentium(R) 75 </a:t>
+            </a:r>
+            <a:r>
+              <a:rPr lang="en-CA" b="1" i="0" u="sng" dirty="0">
                 <a:solidFill>
                   <a:srgbClr val="D3CFC9"/>
                 </a:solidFill>
+                <a:effectLst/>
                 <a:latin typeface="Verdana" panose="020B0604030504040204" pitchFamily="34" charset="0"/>
               </a:rPr>
-              <a:t>Set of 3 (or 4) floats</a:t>
-            </a:r>
-          </a:p>
-          <a:p>
-            <a:pPr lvl="1"/>
-            <a:r>
-              <a:rPr lang="en-CA" dirty="0">
+              <a:t>M</a:t>
+            </a:r>
+            <a:r>
+              <a:rPr lang="en-CA" b="0" i="0" dirty="0">
                 <a:solidFill>
                   <a:srgbClr val="D3CFC9"/>
                 </a:solidFill>
+                <a:effectLst/>
                 <a:latin typeface="Verdana" panose="020B0604030504040204" pitchFamily="34" charset="0"/>
               </a:rPr>
-              <a:t>All communication was a set of these</a:t>
-            </a:r>
-          </a:p>
-          <a:p>
-            <a:pPr lvl="1"/>
-            <a:r>
-              <a:rPr lang="en-CA" dirty="0">
+              <a:t>Hz processor or better</a:t>
+            </a:r>
+          </a:p>
+          <a:p>
+            <a:pPr lvl="3"/>
+            <a:r>
+              <a:rPr lang="en-CA" b="0" i="0" dirty="0">
                 <a:solidFill>
                   <a:srgbClr val="D3CFC9"/>
                 </a:solidFill>
+                <a:effectLst/>
                 <a:latin typeface="Verdana" panose="020B0604030504040204" pitchFamily="34" charset="0"/>
               </a:rPr>
-              <a:t>struct </a:t>
-            </a:r>
-            <a:r>
-              <a:rPr lang="en-CA" dirty="0" err="1">
-                <a:solidFill>
-                  <a:srgbClr val="D3CFC9"/>
-                </a:solidFill>
-                <a:latin typeface="Verdana" panose="020B0604030504040204" pitchFamily="34" charset="0"/>
-              </a:rPr>
-              <a:t>sNVPair</a:t>
-            </a:r>
-            <a:r>
-              <a:rPr lang="en-CA" dirty="0">
-                <a:solidFill>
-                  <a:srgbClr val="D3CFC9"/>
-                </a:solidFill>
-                <a:latin typeface="Verdana" panose="020B0604030504040204" pitchFamily="34" charset="0"/>
-              </a:rPr>
-              <a:t> {</a:t>
-            </a:r>
-            <a:br>
-              <a:rPr lang="en-CA" dirty="0">
-                <a:solidFill>
-                  <a:srgbClr val="D3CFC9"/>
-                </a:solidFill>
-                <a:latin typeface="Verdana" panose="020B0604030504040204" pitchFamily="34" charset="0"/>
-              </a:rPr>
-            </a:br>
-            <a:r>
-              <a:rPr lang="en-CA" dirty="0">
-                <a:solidFill>
-                  <a:srgbClr val="D3CFC9"/>
-                </a:solidFill>
-                <a:latin typeface="Verdana" panose="020B0604030504040204" pitchFamily="34" charset="0"/>
-              </a:rPr>
-              <a:t>   char message[16];</a:t>
-            </a:r>
-            <a:br>
-              <a:rPr lang="en-CA" dirty="0">
-                <a:solidFill>
-                  <a:srgbClr val="D3CFC9"/>
-                </a:solidFill>
-                <a:latin typeface="Verdana" panose="020B0604030504040204" pitchFamily="34" charset="0"/>
-              </a:rPr>
-            </a:br>
-            <a:r>
-              <a:rPr lang="en-CA" dirty="0">
-                <a:solidFill>
-                  <a:srgbClr val="D3CFC9"/>
-                </a:solidFill>
-                <a:latin typeface="Verdana" panose="020B0604030504040204" pitchFamily="34" charset="0"/>
-              </a:rPr>
-              <a:t>   float </a:t>
-            </a:r>
-            <a:r>
-              <a:rPr lang="en-CA" dirty="0" err="1">
-                <a:solidFill>
-                  <a:srgbClr val="D3CFC9"/>
-                </a:solidFill>
-                <a:latin typeface="Verdana" panose="020B0604030504040204" pitchFamily="34" charset="0"/>
-              </a:rPr>
-              <a:t>nums</a:t>
-            </a:r>
-            <a:r>
-              <a:rPr lang="en-CA" dirty="0">
-                <a:solidFill>
-                  <a:srgbClr val="D3CFC9"/>
-                </a:solidFill>
-                <a:latin typeface="Verdana" panose="020B0604030504040204" pitchFamily="34" charset="0"/>
-              </a:rPr>
-              <a:t>[3];</a:t>
-            </a:r>
-            <a:br>
-              <a:rPr lang="en-CA" dirty="0">
-                <a:solidFill>
-                  <a:srgbClr val="D3CFC9"/>
-                </a:solidFill>
-                <a:latin typeface="Verdana" panose="020B0604030504040204" pitchFamily="34" charset="0"/>
-              </a:rPr>
-            </a:br>
-            <a:r>
-              <a:rPr lang="en-CA" dirty="0">
-                <a:solidFill>
-                  <a:srgbClr val="D3CFC9"/>
-                </a:solidFill>
-                <a:latin typeface="Verdana" panose="020B0604030504040204" pitchFamily="34" charset="0"/>
-              </a:rPr>
-              <a:t>}</a:t>
-            </a:r>
-          </a:p>
-          <a:p>
-            <a:pPr lvl="1"/>
-            <a:r>
-              <a:rPr lang="en-CA" dirty="0" err="1">
-                <a:solidFill>
-                  <a:srgbClr val="D3CFC9"/>
-                </a:solidFill>
-                <a:latin typeface="Verdana" panose="020B0604030504040204" pitchFamily="34" charset="0"/>
-              </a:rPr>
-              <a:t>SendMessage</a:t>
-            </a:r>
-            <a:r>
-              <a:rPr lang="en-CA" dirty="0">
-                <a:solidFill>
-                  <a:srgbClr val="D3CFC9"/>
-                </a:solidFill>
-                <a:latin typeface="Verdana" panose="020B0604030504040204" pitchFamily="34" charset="0"/>
-              </a:rPr>
-              <a:t>( </a:t>
-            </a:r>
-            <a:r>
-              <a:rPr lang="en-CA" dirty="0" err="1">
-                <a:solidFill>
-                  <a:srgbClr val="D3CFC9"/>
-                </a:solidFill>
-                <a:latin typeface="Verdana" panose="020B0604030504040204" pitchFamily="34" charset="0"/>
-              </a:rPr>
-              <a:t>sNVPair</a:t>
-            </a:r>
-            <a:r>
-              <a:rPr lang="en-CA" dirty="0">
-                <a:solidFill>
-                  <a:srgbClr val="D3CFC9"/>
-                </a:solidFill>
-                <a:latin typeface="Verdana" panose="020B0604030504040204" pitchFamily="34" charset="0"/>
-              </a:rPr>
-              <a:t> message );</a:t>
-            </a:r>
-          </a:p>
-          <a:p>
-            <a:pPr lvl="1"/>
-            <a:r>
-              <a:rPr lang="en-CA" dirty="0" err="1">
-                <a:solidFill>
-                  <a:srgbClr val="D3CFC9"/>
-                </a:solidFill>
-                <a:latin typeface="Verdana" panose="020B0604030504040204" pitchFamily="34" charset="0"/>
-              </a:rPr>
-              <a:t>RecieveMesage</a:t>
-            </a:r>
-            <a:r>
-              <a:rPr lang="en-CA" dirty="0">
-                <a:solidFill>
-                  <a:srgbClr val="D3CFC9"/>
-                </a:solidFill>
-                <a:latin typeface="Verdana" panose="020B0604030504040204" pitchFamily="34" charset="0"/>
-              </a:rPr>
-              <a:t>( </a:t>
-            </a:r>
-            <a:r>
-              <a:rPr lang="en-CA" dirty="0" err="1">
-                <a:solidFill>
-                  <a:srgbClr val="D3CFC9"/>
-                </a:solidFill>
-                <a:latin typeface="Verdana" panose="020B0604030504040204" pitchFamily="34" charset="0"/>
-              </a:rPr>
-              <a:t>sNVPair</a:t>
-            </a:r>
-            <a:r>
-              <a:rPr lang="en-CA" dirty="0">
-                <a:solidFill>
-                  <a:srgbClr val="D3CFC9"/>
-                </a:solidFill>
-                <a:latin typeface="Verdana" panose="020B0604030504040204" pitchFamily="34" charset="0"/>
-              </a:rPr>
-              <a:t> message );</a:t>
-            </a:r>
+              <a:t>RAM: DOS: 8 MB RAM/Win 95: 16 MB RAM</a:t>
+            </a:r>
+            <a:endParaRPr lang="en-CA" dirty="0"/>
           </a:p>
         </p:txBody>
       </p:sp>
@@ -11740,7 +12035,7 @@
     </p:spTree>
     <p:extLst>
       <p:ext uri="{BB962C8B-B14F-4D97-AF65-F5344CB8AC3E}">
-        <p14:creationId xmlns:p14="http://schemas.microsoft.com/office/powerpoint/2010/main" val="1232254187"/>
+        <p14:creationId xmlns:p14="http://schemas.microsoft.com/office/powerpoint/2010/main" val="1121708693"/>
       </p:ext>
     </p:extLst>
   </p:cSld>
@@ -11903,66 +12198,228 @@
         </p:spPr>
         <p:txBody>
           <a:bodyPr>
-            <a:normAutofit/>
+            <a:normAutofit fontScale="92500" lnSpcReduction="20000"/>
           </a:bodyPr>
           <a:lstStyle/>
           <a:p>
             <a:pPr lvl="1"/>
             <a:r>
               <a:rPr lang="en-CA" dirty="0"/>
-              <a:t>NV pair is the foundation of things like JSON.</a:t>
+              <a:t>“xxx” name value pair</a:t>
+            </a:r>
+          </a:p>
+          <a:p>
+            <a:pPr lvl="3"/>
+            <a:r>
+              <a:rPr lang="en-CA" b="0" i="0" dirty="0">
+                <a:solidFill>
+                  <a:srgbClr val="D3CFC9"/>
+                </a:solidFill>
+                <a:effectLst/>
+                <a:latin typeface="Verdana" panose="020B0604030504040204" pitchFamily="34" charset="0"/>
+              </a:rPr>
+              <a:t>Char “string” (16 chars)</a:t>
+            </a:r>
+          </a:p>
+          <a:p>
+            <a:pPr lvl="3"/>
+            <a:r>
+              <a:rPr lang="en-CA" dirty="0">
+                <a:solidFill>
+                  <a:srgbClr val="D3CFC9"/>
+                </a:solidFill>
+                <a:latin typeface="Verdana" panose="020B0604030504040204" pitchFamily="34" charset="0"/>
+              </a:rPr>
+              <a:t>Set of 3 (or 4) floats</a:t>
             </a:r>
           </a:p>
           <a:p>
             <a:pPr lvl="1"/>
             <a:r>
-              <a:rPr lang="en-CA" dirty="0"/>
-              <a:t>XML has a more complex variation of this</a:t>
+              <a:rPr lang="en-CA" dirty="0">
+                <a:solidFill>
+                  <a:srgbClr val="D3CFC9"/>
+                </a:solidFill>
+                <a:latin typeface="Verdana" panose="020B0604030504040204" pitchFamily="34" charset="0"/>
+              </a:rPr>
+              <a:t>All communication was a set of these</a:t>
             </a:r>
           </a:p>
           <a:p>
             <a:pPr lvl="1"/>
             <a:r>
-              <a:rPr lang="en-CA" dirty="0"/>
-              <a:t>But THE KEY is that they are </a:t>
-            </a:r>
-            <a:r>
-              <a:rPr lang="en-CA" i="1" dirty="0"/>
-              <a:t>really </a:t>
-            </a:r>
-            <a:r>
-              <a:rPr lang="en-CA" dirty="0"/>
-              <a:t>just strings, so your methods/functions are:</a:t>
-            </a:r>
-          </a:p>
-          <a:p>
-            <a:pPr lvl="2"/>
-            <a:r>
-              <a:rPr lang="en-CA" dirty="0"/>
-              <a:t>string </a:t>
-            </a:r>
-            <a:r>
-              <a:rPr lang="en-CA" dirty="0" err="1"/>
-              <a:t>doSomething</a:t>
-            </a:r>
-            <a:r>
-              <a:rPr lang="en-CA" dirty="0"/>
-              <a:t>( string </a:t>
-            </a:r>
-            <a:r>
-              <a:rPr lang="en-CA" dirty="0" err="1"/>
-              <a:t>TheCommand</a:t>
-            </a:r>
-            <a:r>
-              <a:rPr lang="en-CA" dirty="0"/>
-              <a:t> );</a:t>
+              <a:rPr lang="en-CA" dirty="0">
+                <a:solidFill>
+                  <a:srgbClr val="D3CFC9"/>
+                </a:solidFill>
+                <a:latin typeface="Verdana" panose="020B0604030504040204" pitchFamily="34" charset="0"/>
+              </a:rPr>
+              <a:t>struct </a:t>
+            </a:r>
+            <a:r>
+              <a:rPr lang="en-CA" dirty="0" err="1">
+                <a:solidFill>
+                  <a:srgbClr val="D3CFC9"/>
+                </a:solidFill>
+                <a:latin typeface="Verdana" panose="020B0604030504040204" pitchFamily="34" charset="0"/>
+              </a:rPr>
+              <a:t>sNVPair</a:t>
+            </a:r>
+            <a:r>
+              <a:rPr lang="en-CA" dirty="0">
+                <a:solidFill>
+                  <a:srgbClr val="D3CFC9"/>
+                </a:solidFill>
+                <a:latin typeface="Verdana" panose="020B0604030504040204" pitchFamily="34" charset="0"/>
+              </a:rPr>
+              <a:t> {</a:t>
+            </a:r>
+            <a:br>
+              <a:rPr lang="en-CA" dirty="0">
+                <a:solidFill>
+                  <a:srgbClr val="D3CFC9"/>
+                </a:solidFill>
+                <a:latin typeface="Verdana" panose="020B0604030504040204" pitchFamily="34" charset="0"/>
+              </a:rPr>
+            </a:br>
+            <a:r>
+              <a:rPr lang="en-CA" dirty="0">
+                <a:solidFill>
+                  <a:srgbClr val="D3CFC9"/>
+                </a:solidFill>
+                <a:latin typeface="Verdana" panose="020B0604030504040204" pitchFamily="34" charset="0"/>
+              </a:rPr>
+              <a:t>   char message[16];</a:t>
+            </a:r>
+            <a:br>
+              <a:rPr lang="en-CA" dirty="0">
+                <a:solidFill>
+                  <a:srgbClr val="D3CFC9"/>
+                </a:solidFill>
+                <a:latin typeface="Verdana" panose="020B0604030504040204" pitchFamily="34" charset="0"/>
+              </a:rPr>
+            </a:br>
+            <a:r>
+              <a:rPr lang="en-CA" dirty="0">
+                <a:solidFill>
+                  <a:srgbClr val="D3CFC9"/>
+                </a:solidFill>
+                <a:latin typeface="Verdana" panose="020B0604030504040204" pitchFamily="34" charset="0"/>
+              </a:rPr>
+              <a:t>   float </a:t>
+            </a:r>
+            <a:r>
+              <a:rPr lang="en-CA" dirty="0" err="1">
+                <a:solidFill>
+                  <a:srgbClr val="D3CFC9"/>
+                </a:solidFill>
+                <a:latin typeface="Verdana" panose="020B0604030504040204" pitchFamily="34" charset="0"/>
+              </a:rPr>
+              <a:t>nums</a:t>
+            </a:r>
+            <a:r>
+              <a:rPr lang="en-CA" dirty="0">
+                <a:solidFill>
+                  <a:srgbClr val="D3CFC9"/>
+                </a:solidFill>
+                <a:latin typeface="Verdana" panose="020B0604030504040204" pitchFamily="34" charset="0"/>
+              </a:rPr>
+              <a:t>[3];</a:t>
+            </a:r>
+            <a:br>
+              <a:rPr lang="en-CA" dirty="0">
+                <a:solidFill>
+                  <a:srgbClr val="D3CFC9"/>
+                </a:solidFill>
+                <a:latin typeface="Verdana" panose="020B0604030504040204" pitchFamily="34" charset="0"/>
+              </a:rPr>
+            </a:br>
+            <a:r>
+              <a:rPr lang="en-CA" dirty="0">
+                <a:solidFill>
+                  <a:srgbClr val="D3CFC9"/>
+                </a:solidFill>
+                <a:latin typeface="Verdana" panose="020B0604030504040204" pitchFamily="34" charset="0"/>
+              </a:rPr>
+              <a:t>}</a:t>
             </a:r>
           </a:p>
           <a:p>
             <a:pPr lvl="1"/>
             <a:r>
-              <a:rPr lang="en-CA" dirty="0"/>
-              <a:t>Since this interface never changes, then we don’t need to rebuild (i.e. header never changes)</a:t>
+              <a:rPr lang="en-CA" dirty="0" err="1">
+                <a:solidFill>
+                  <a:srgbClr val="D3CFC9"/>
+                </a:solidFill>
+                <a:latin typeface="Verdana" panose="020B0604030504040204" pitchFamily="34" charset="0"/>
+              </a:rPr>
+              <a:t>SendMessage</a:t>
+            </a:r>
+            <a:r>
+              <a:rPr lang="en-CA" dirty="0">
+                <a:solidFill>
+                  <a:srgbClr val="D3CFC9"/>
+                </a:solidFill>
+                <a:latin typeface="Verdana" panose="020B0604030504040204" pitchFamily="34" charset="0"/>
+              </a:rPr>
+              <a:t>( </a:t>
+            </a:r>
+            <a:r>
+              <a:rPr lang="en-CA" dirty="0" err="1">
+                <a:solidFill>
+                  <a:srgbClr val="D3CFC9"/>
+                </a:solidFill>
+                <a:latin typeface="Verdana" panose="020B0604030504040204" pitchFamily="34" charset="0"/>
+              </a:rPr>
+              <a:t>sNVPair</a:t>
+            </a:r>
+            <a:r>
+              <a:rPr lang="en-CA" dirty="0">
+                <a:solidFill>
+                  <a:srgbClr val="D3CFC9"/>
+                </a:solidFill>
+                <a:latin typeface="Verdana" panose="020B0604030504040204" pitchFamily="34" charset="0"/>
+              </a:rPr>
+              <a:t> message );</a:t>
+            </a:r>
+          </a:p>
+          <a:p>
+            <a:pPr lvl="1"/>
+            <a:r>
+              <a:rPr lang="en-CA" dirty="0" err="1">
+                <a:solidFill>
+                  <a:srgbClr val="D3CFC9"/>
+                </a:solidFill>
+                <a:latin typeface="Verdana" panose="020B0604030504040204" pitchFamily="34" charset="0"/>
+              </a:rPr>
+              <a:t>RecieveMesage</a:t>
+            </a:r>
+            <a:r>
+              <a:rPr lang="en-CA" dirty="0">
+                <a:solidFill>
+                  <a:srgbClr val="D3CFC9"/>
+                </a:solidFill>
+                <a:latin typeface="Verdana" panose="020B0604030504040204" pitchFamily="34" charset="0"/>
+              </a:rPr>
+              <a:t>( </a:t>
+            </a:r>
+            <a:r>
+              <a:rPr lang="en-CA" dirty="0" err="1">
+                <a:solidFill>
+                  <a:srgbClr val="D3CFC9"/>
+                </a:solidFill>
+                <a:latin typeface="Verdana" panose="020B0604030504040204" pitchFamily="34" charset="0"/>
+              </a:rPr>
+              <a:t>sNVPair</a:t>
+            </a:r>
+            <a:r>
+              <a:rPr lang="en-CA" dirty="0">
+                <a:solidFill>
+                  <a:srgbClr val="D3CFC9"/>
+                </a:solidFill>
+                <a:latin typeface="Verdana" panose="020B0604030504040204" pitchFamily="34" charset="0"/>
+              </a:rPr>
+              <a:t> message );</a:t>
             </a:r>
           </a:p>
         </p:txBody>
@@ -12007,7 +12464,7 @@
     </p:spTree>
     <p:extLst>
       <p:ext uri="{BB962C8B-B14F-4D97-AF65-F5344CB8AC3E}">
-        <p14:creationId xmlns:p14="http://schemas.microsoft.com/office/powerpoint/2010/main" val="921097717"/>
+        <p14:creationId xmlns:p14="http://schemas.microsoft.com/office/powerpoint/2010/main" val="1232254187"/>
       </p:ext>
     </p:extLst>
   </p:cSld>
@@ -12170,95 +12627,66 @@
         </p:spPr>
         <p:txBody>
           <a:bodyPr>
-            <a:normAutofit fontScale="92500" lnSpcReduction="20000"/>
+            <a:normAutofit/>
           </a:bodyPr>
           <a:lstStyle/>
           <a:p>
             <a:pPr lvl="1"/>
             <a:r>
               <a:rPr lang="en-CA" dirty="0"/>
-              <a:t>need to rebuild (i.e. header never changes)</a:t>
+              <a:t>NV pair is the foundation of things like JSON.</a:t>
             </a:r>
           </a:p>
           <a:p>
             <a:pPr lvl="1"/>
             <a:r>
               <a:rPr lang="en-CA" dirty="0"/>
-              <a:t>The “down side” is that the things getting these message have to be “smarter”</a:t>
+              <a:t>XML has a more complex variation of this</a:t>
             </a:r>
           </a:p>
           <a:p>
             <a:pPr lvl="1"/>
             <a:r>
               <a:rPr lang="en-CA" dirty="0"/>
-              <a:t>Instead of:</a:t>
+              <a:t>But THE KEY is that they are </a:t>
+            </a:r>
+            <a:r>
+              <a:rPr lang="en-CA" i="1" dirty="0"/>
+              <a:t>really </a:t>
+            </a:r>
+            <a:r>
+              <a:rPr lang="en-CA" dirty="0"/>
+              <a:t>just strings, so your methods/functions are:</a:t>
             </a:r>
           </a:p>
           <a:p>
             <a:pPr lvl="2"/>
             <a:r>
               <a:rPr lang="en-CA" dirty="0"/>
-              <a:t>Void </a:t>
+              <a:t>string </a:t>
             </a:r>
             <a:r>
               <a:rPr lang="en-CA" dirty="0" err="1"/>
-              <a:t>takeDamage</a:t>
+              <a:t>doSomething</a:t>
             </a:r>
             <a:r>
               <a:rPr lang="en-CA" dirty="0"/>
-              <a:t>(float damage);</a:t>
-            </a:r>
-          </a:p>
-          <a:p>
-            <a:pPr lvl="2"/>
-            <a:r>
-              <a:rPr lang="en-CA" dirty="0"/>
-              <a:t>Void move( </a:t>
+              <a:t>( string </a:t>
             </a:r>
             <a:r>
               <a:rPr lang="en-CA" dirty="0" err="1"/>
-              <a:t>glm</a:t>
-            </a:r>
-            <a:r>
-              <a:rPr lang="en-CA" dirty="0"/>
-              <a:t>::vec3 distance);</a:t>
-            </a:r>
-          </a:p>
-          <a:p>
-            <a:pPr lvl="2"/>
-            <a:r>
-              <a:rPr lang="en-CA" dirty="0"/>
-              <a:t>//… etc.</a:t>
-            </a:r>
-          </a:p>
-          <a:p>
-            <a:pPr lvl="1"/>
-            <a:r>
-              <a:rPr lang="en-CA" dirty="0"/>
-              <a:t>It’s </a:t>
-            </a:r>
-          </a:p>
-          <a:p>
-            <a:pPr lvl="2"/>
-            <a:r>
-              <a:rPr lang="en-CA" dirty="0"/>
-              <a:t>Void DoSomething( </a:t>
-            </a:r>
-            <a:r>
-              <a:rPr lang="en-CA" dirty="0" err="1"/>
-              <a:t>cNVPair</a:t>
-            </a:r>
-            <a:r>
-              <a:rPr lang="en-CA" dirty="0"/>
-              <a:t> </a:t>
-            </a:r>
-            <a:r>
-              <a:rPr lang="en-CA" dirty="0" err="1"/>
-              <a:t>theCommand</a:t>
+              <a:t>TheCommand</a:t>
             </a:r>
             <a:r>
               <a:rPr lang="en-CA" dirty="0"/>
               <a:t> );</a:t>
+            </a:r>
+          </a:p>
+          <a:p>
+            <a:pPr lvl="1"/>
+            <a:r>
+              <a:rPr lang="en-CA" dirty="0"/>
+              <a:t>Since this interface never changes, then we don’t need to rebuild (i.e. header never changes)</a:t>
             </a:r>
           </a:p>
         </p:txBody>
@@ -12303,7 +12731,7 @@
     </p:spTree>
     <p:extLst>
       <p:ext uri="{BB962C8B-B14F-4D97-AF65-F5344CB8AC3E}">
-        <p14:creationId xmlns:p14="http://schemas.microsoft.com/office/powerpoint/2010/main" val="1373689642"/>
+        <p14:creationId xmlns:p14="http://schemas.microsoft.com/office/powerpoint/2010/main" val="921097717"/>
       </p:ext>
     </p:extLst>
   </p:cSld>
@@ -12466,43 +12894,50 @@
         </p:spPr>
         <p:txBody>
           <a:bodyPr>
-            <a:normAutofit/>
+            <a:normAutofit fontScale="92500" lnSpcReduction="20000"/>
           </a:bodyPr>
           <a:lstStyle/>
           <a:p>
             <a:pPr lvl="1"/>
             <a:r>
               <a:rPr lang="en-CA" dirty="0"/>
-              <a:t>Make an interface for the communication between ALL objects. This can be whatever you want:</a:t>
+              <a:t>need to rebuild (i.e. header never changes)</a:t>
+            </a:r>
+          </a:p>
+          <a:p>
+            <a:pPr lvl="1"/>
+            <a:r>
+              <a:rPr lang="en-CA" dirty="0"/>
+              <a:t>The “down side” is that the things getting these message have to be “smarter”</a:t>
+            </a:r>
+          </a:p>
+          <a:p>
+            <a:pPr lvl="1"/>
+            <a:r>
+              <a:rPr lang="en-CA" dirty="0"/>
+              <a:t>Instead of:</a:t>
             </a:r>
           </a:p>
           <a:p>
             <a:pPr lvl="2"/>
             <a:r>
+              <a:rPr lang="en-CA" dirty="0"/>
+              <a:t>Void </a:t>
+            </a:r>
+            <a:r>
               <a:rPr lang="en-CA" dirty="0" err="1"/>
-              <a:t>ReceiveMessage</a:t>
+              <a:t>takeDamage</a:t>
             </a:r>
             <a:r>
               <a:rPr lang="en-CA" dirty="0"/>
-              <a:t>(xxx);	// Sent to objects</a:t>
+              <a:t>(float damage);</a:t>
             </a:r>
           </a:p>
           <a:p>
             <a:pPr lvl="2"/>
             <a:r>
-              <a:rPr lang="en-CA" dirty="0" err="1"/>
-              <a:t>SendMessage</a:t>
-            </a:r>
-            <a:r>
               <a:rPr lang="en-CA" dirty="0"/>
-              <a:t>(xxx)	// Sent to the mediator</a:t>
-            </a:r>
-          </a:p>
-          <a:p>
-            <a:pPr lvl="1"/>
-            <a:r>
-              <a:rPr lang="en-CA" dirty="0"/>
-              <a:t>For this example, we’ll use a vector of NV pairs (string and </a:t>
+              <a:t>Void move( </a:t>
             </a:r>
             <a:r>
               <a:rPr lang="en-CA" dirty="0" err="1"/>
@@ -12510,7 +12945,44 @@
             </a:r>
             <a:r>
               <a:rPr lang="en-CA" dirty="0"/>
-              <a:t>::vec4) as our “command”</a:t>
+              <a:t>::vec3 distance);</a:t>
+            </a:r>
+          </a:p>
+          <a:p>
+            <a:pPr lvl="2"/>
+            <a:r>
+              <a:rPr lang="en-CA" dirty="0"/>
+              <a:t>//… etc.</a:t>
+            </a:r>
+          </a:p>
+          <a:p>
+            <a:pPr lvl="1"/>
+            <a:r>
+              <a:rPr lang="en-CA" dirty="0"/>
+              <a:t>It’s </a:t>
+            </a:r>
+          </a:p>
+          <a:p>
+            <a:pPr lvl="2"/>
+            <a:r>
+              <a:rPr lang="en-CA" dirty="0"/>
+              <a:t>Void DoSomething( </a:t>
+            </a:r>
+            <a:r>
+              <a:rPr lang="en-CA" dirty="0" err="1"/>
+              <a:t>cNVPair</a:t>
+            </a:r>
+            <a:r>
+              <a:rPr lang="en-CA" dirty="0"/>
+              <a:t> </a:t>
+            </a:r>
+            <a:r>
+              <a:rPr lang="en-CA" dirty="0" err="1"/>
+              <a:t>theCommand</a:t>
+            </a:r>
+            <a:r>
+              <a:rPr lang="en-CA" dirty="0"/>
+              <a:t> );</a:t>
             </a:r>
           </a:p>
         </p:txBody>
@@ -12555,7 +13027,7 @@
     </p:spTree>
     <p:extLst>
       <p:ext uri="{BB962C8B-B14F-4D97-AF65-F5344CB8AC3E}">
-        <p14:creationId xmlns:p14="http://schemas.microsoft.com/office/powerpoint/2010/main" val="4263730000"/>
+        <p14:creationId xmlns:p14="http://schemas.microsoft.com/office/powerpoint/2010/main" val="1373689642"/>
       </p:ext>
     </p:extLst>
   </p:cSld>
@@ -12690,8 +13162,13 @@
           <a:p>
             <a:r>
               <a:rPr lang="en-CA" dirty="0"/>
-              <a:t>Mediator: Tanks fight</a:t>
-            </a:r>
+              <a:t>Mediator: the </a:t>
+            </a:r>
+            <a:r>
+              <a:rPr lang="en-CA" dirty="0" err="1"/>
+              <a:t>deets</a:t>
+            </a:r>
+            <a:endParaRPr lang="en-CA" dirty="0"/>
           </a:p>
         </p:txBody>
       </p:sp>
@@ -12720,6 +13197,253 @@
             <a:pPr lvl="1"/>
             <a:r>
               <a:rPr lang="en-CA" dirty="0"/>
+              <a:t>Make an interface for the communication between ALL objects. This can be whatever you want:</a:t>
+            </a:r>
+          </a:p>
+          <a:p>
+            <a:pPr lvl="2"/>
+            <a:r>
+              <a:rPr lang="en-CA" dirty="0" err="1"/>
+              <a:t>ReceiveMessage</a:t>
+            </a:r>
+            <a:r>
+              <a:rPr lang="en-CA" dirty="0"/>
+              <a:t>(xxx);	// Sent to objects</a:t>
+            </a:r>
+          </a:p>
+          <a:p>
+            <a:pPr lvl="2"/>
+            <a:r>
+              <a:rPr lang="en-CA" dirty="0" err="1"/>
+              <a:t>SendMessage</a:t>
+            </a:r>
+            <a:r>
+              <a:rPr lang="en-CA" dirty="0"/>
+              <a:t>(xxx)	// Sent to the mediator</a:t>
+            </a:r>
+          </a:p>
+          <a:p>
+            <a:pPr lvl="1"/>
+            <a:r>
+              <a:rPr lang="en-CA" dirty="0"/>
+              <a:t>For this example, we’ll use a vector of NV pairs (string and </a:t>
+            </a:r>
+            <a:r>
+              <a:rPr lang="en-CA" dirty="0" err="1"/>
+              <a:t>glm</a:t>
+            </a:r>
+            <a:r>
+              <a:rPr lang="en-CA" dirty="0"/>
+              <a:t>::vec4) as our “command”</a:t>
+            </a:r>
+          </a:p>
+        </p:txBody>
+      </p:sp>
+      <p:sp>
+        <p:nvSpPr>
+          <p:cNvPr id="4" name="AutoShape 6"/>
+          <p:cNvSpPr>
+            <a:spLocks noChangeArrowheads="1"/>
+          </p:cNvSpPr>
+          <p:nvPr/>
+        </p:nvSpPr>
+        <p:spPr bwMode="auto">
+          <a:xfrm>
+            <a:off x="8534400" y="4800600"/>
+            <a:ext cx="609600" cy="342900"/>
+          </a:xfrm>
+          <a:prstGeom prst="rightArrow">
+            <a:avLst>
+              <a:gd name="adj1" fmla="val 50000"/>
+              <a:gd name="adj2" fmla="val 33333"/>
+            </a:avLst>
+          </a:prstGeom>
+          <a:noFill/>
+          <a:ln w="19050">
+            <a:solidFill>
+              <a:srgbClr val="969696"/>
+            </a:solidFill>
+            <a:miter lim="800000"/>
+            <a:headEnd/>
+            <a:tailEnd/>
+          </a:ln>
+        </p:spPr>
+        <p:txBody>
+          <a:bodyPr wrap="none" anchor="ctr"/>
+          <a:lstStyle/>
+          <a:p>
+            <a:endParaRPr lang="en-CA"/>
+          </a:p>
+        </p:txBody>
+      </p:sp>
+    </p:spTree>
+    <p:extLst>
+      <p:ext uri="{BB962C8B-B14F-4D97-AF65-F5344CB8AC3E}">
+        <p14:creationId xmlns:p14="http://schemas.microsoft.com/office/powerpoint/2010/main" val="4263730000"/>
+      </p:ext>
+    </p:extLst>
+  </p:cSld>
+  <p:clrMapOvr>
+    <a:masterClrMapping/>
+  </p:clrMapOvr>
+  <p:timing>
+    <p:tnLst>
+      <p:par>
+        <p:cTn id="1" dur="indefinite" restart="never" nodeType="tmRoot">
+          <p:childTnLst>
+            <p:seq concurrent="1" nextAc="seek">
+              <p:cTn id="2" dur="indefinite" nodeType="mainSeq">
+                <p:childTnLst>
+                  <p:par>
+                    <p:cTn id="3" fill="hold">
+                      <p:stCondLst>
+                        <p:cond delay="indefinite"/>
+                      </p:stCondLst>
+                      <p:childTnLst>
+                        <p:par>
+                          <p:cTn id="4" fill="hold">
+                            <p:stCondLst>
+                              <p:cond delay="0"/>
+                            </p:stCondLst>
+                            <p:childTnLst>
+                              <p:par>
+                                <p:cTn id="5" presetID="10" presetClass="entr" presetSubtype="0" fill="hold" grpId="0" nodeType="clickEffect">
+                                  <p:stCondLst>
+                                    <p:cond delay="0"/>
+                                  </p:stCondLst>
+                                  <p:childTnLst>
+                                    <p:set>
+                                      <p:cBhvr>
+                                        <p:cTn id="6" dur="1" fill="hold">
+                                          <p:stCondLst>
+                                            <p:cond delay="0"/>
+                                          </p:stCondLst>
+                                        </p:cTn>
+                                        <p:tgtEl>
+                                          <p:spTgt spid="4"/>
+                                        </p:tgtEl>
+                                        <p:attrNameLst>
+                                          <p:attrName>style.visibility</p:attrName>
+                                        </p:attrNameLst>
+                                      </p:cBhvr>
+                                      <p:to>
+                                        <p:strVal val="visible"/>
+                                      </p:to>
+                                    </p:set>
+                                    <p:animEffect transition="in" filter="fade">
+                                      <p:cBhvr>
+                                        <p:cTn id="7" dur="500"/>
+                                        <p:tgtEl>
+                                          <p:spTgt spid="4"/>
+                                        </p:tgtEl>
+                                      </p:cBhvr>
+                                    </p:animEffect>
+                                  </p:childTnLst>
+                                </p:cTn>
+                              </p:par>
+                            </p:childTnLst>
+                          </p:cTn>
+                        </p:par>
+                      </p:childTnLst>
+                    </p:cTn>
+                  </p:par>
+                </p:childTnLst>
+              </p:cTn>
+              <p:prevCondLst>
+                <p:cond evt="onPrev" delay="0">
+                  <p:tgtEl>
+                    <p:sldTgt/>
+                  </p:tgtEl>
+                </p:cond>
+              </p:prevCondLst>
+              <p:nextCondLst>
+                <p:cond evt="onNext" delay="0">
+                  <p:tgtEl>
+                    <p:sldTgt/>
+                  </p:tgtEl>
+                </p:cond>
+              </p:nextCondLst>
+            </p:seq>
+          </p:childTnLst>
+        </p:cTn>
+      </p:par>
+    </p:tnLst>
+    <p:bldLst>
+      <p:bldP spid="4" grpId="0" animBg="1"/>
+    </p:bldLst>
+  </p:timing>
+</p:sld>
+</file>
+
+<file path=ppt/slides/slide26.xml><?xml version="1.0" encoding="utf-8"?>
+<p:sld xmlns:a="http://schemas.openxmlformats.org/drawingml/2006/main" xmlns:r="http://schemas.openxmlformats.org/officeDocument/2006/relationships" xmlns:p="http://schemas.openxmlformats.org/presentationml/2006/main">
+  <p:cSld>
+    <p:spTree>
+      <p:nvGrpSpPr>
+        <p:cNvPr id="1" name=""/>
+        <p:cNvGrpSpPr/>
+        <p:nvPr/>
+      </p:nvGrpSpPr>
+      <p:grpSpPr>
+        <a:xfrm>
+          <a:off x="0" y="0"/>
+          <a:ext cx="0" cy="0"/>
+          <a:chOff x="0" y="0"/>
+          <a:chExt cx="0" cy="0"/>
+        </a:xfrm>
+      </p:grpSpPr>
+      <p:sp>
+        <p:nvSpPr>
+          <p:cNvPr id="2" name="Title 1"/>
+          <p:cNvSpPr>
+            <a:spLocks noGrp="1"/>
+          </p:cNvSpPr>
+          <p:nvPr>
+            <p:ph type="title"/>
+          </p:nvPr>
+        </p:nvSpPr>
+        <p:spPr>
+          <a:xfrm>
+            <a:off x="914400" y="384048"/>
+            <a:ext cx="7772400" cy="968502"/>
+          </a:xfrm>
+        </p:spPr>
+        <p:txBody>
+          <a:bodyPr/>
+          <a:lstStyle/>
+          <a:p>
+            <a:r>
+              <a:rPr lang="en-CA" dirty="0"/>
+              <a:t>Mediator: Tanks fight</a:t>
+            </a:r>
+          </a:p>
+        </p:txBody>
+      </p:sp>
+      <p:sp>
+        <p:nvSpPr>
+          <p:cNvPr id="3" name="Content Placeholder 2"/>
+          <p:cNvSpPr>
+            <a:spLocks noGrp="1"/>
+          </p:cNvSpPr>
+          <p:nvPr>
+            <p:ph idx="1"/>
+          </p:nvPr>
+        </p:nvSpPr>
+        <p:spPr>
+          <a:xfrm>
+            <a:off x="304800" y="1428750"/>
+            <a:ext cx="8839200" cy="3337920"/>
+          </a:xfrm>
+        </p:spPr>
+        <p:txBody>
+          <a:bodyPr>
+            <a:normAutofit/>
+          </a:bodyPr>
+          <a:lstStyle/>
+          <a:p>
+            <a:pPr lvl="1"/>
+            <a:r>
+              <a:rPr lang="en-CA" dirty="0"/>
               <a:t>How can we go about getting the tanks to fight?</a:t>
             </a:r>
           </a:p>
@@ -12739,6 +13463,10 @@
             <a:r>
               <a:rPr lang="en-CA" dirty="0" err="1"/>
               <a:t>FindNearestTank</a:t>
+            </a:r>
+            <a:r>
+              <a:rPr lang="en-CA" b="1" u="sng" dirty="0" err="1"/>
+              <a:t>s</a:t>
             </a:r>
             <a:r>
               <a:rPr lang="en-CA" dirty="0"/>
